--- a/проект_2.pptx
+++ b/проект_2.pptx
@@ -2,28 +2,28 @@
 <file path=ppt/presentation.xml><?xml version="1.0" encoding="utf-8"?>
 <p:presentation xmlns:a="http://schemas.openxmlformats.org/drawingml/2006/main" xmlns:r="http://schemas.openxmlformats.org/officeDocument/2006/relationships" xmlns:p="http://schemas.openxmlformats.org/presentationml/2006/main">
   <p:sldMasterIdLst>
-    <p:sldMasterId id="2147483648" r:id="rId1"/>
+    <p:sldMasterId id="2147483694" r:id="rId1"/>
   </p:sldMasterIdLst>
   <p:notesMasterIdLst>
-    <p:notesMasterId r:id="rId8"/>
+    <p:notesMasterId r:id="rId7"/>
   </p:notesMasterIdLst>
   <p:handoutMasterIdLst>
-    <p:handoutMasterId r:id="rId9"/>
+    <p:handoutMasterId r:id="rId8"/>
   </p:handoutMasterIdLst>
   <p:sldIdLst>
-    <p:sldId id="256" r:id="rId3"/>
-    <p:sldId id="257" r:id="rId4"/>
-    <p:sldId id="258" r:id="rId5"/>
-    <p:sldId id="259" r:id="rId6"/>
-    <p:sldId id="260" r:id="rId7"/>
+    <p:sldId id="256" r:id="rId2"/>
+    <p:sldId id="257" r:id="rId3"/>
+    <p:sldId id="258" r:id="rId4"/>
+    <p:sldId id="259" r:id="rId5"/>
+    <p:sldId id="260" r:id="rId6"/>
   </p:sldIdLst>
   <p:sldSz cx="12192000" cy="6858000"/>
-  <p:notesSz cx="7103745" cy="10234295"/>
+  <p:notesSz cx="7104063" cy="10234613"/>
   <p:defaultTextStyle>
     <a:defPPr>
-      <a:defRPr lang="zh-CN"/>
+      <a:defRPr lang="en-US"/>
     </a:defPPr>
-    <a:lvl1pPr marL="0" algn="l" defTabSz="914400" rtl="0" eaLnBrk="1" latinLnBrk="0" hangingPunct="1">
+    <a:lvl1pPr marL="0" algn="l" defTabSz="457200" rtl="0" eaLnBrk="1" latinLnBrk="0" hangingPunct="1">
       <a:defRPr sz="1800" kern="1200">
         <a:solidFill>
           <a:schemeClr val="tx1"/>
@@ -33,7 +33,7 @@
         <a:cs typeface="+mn-cs"/>
       </a:defRPr>
     </a:lvl1pPr>
-    <a:lvl2pPr marL="457200" algn="l" defTabSz="914400" rtl="0" eaLnBrk="1" latinLnBrk="0" hangingPunct="1">
+    <a:lvl2pPr marL="457200" algn="l" defTabSz="457200" rtl="0" eaLnBrk="1" latinLnBrk="0" hangingPunct="1">
       <a:defRPr sz="1800" kern="1200">
         <a:solidFill>
           <a:schemeClr val="tx1"/>
@@ -43,7 +43,7 @@
         <a:cs typeface="+mn-cs"/>
       </a:defRPr>
     </a:lvl2pPr>
-    <a:lvl3pPr marL="914400" algn="l" defTabSz="914400" rtl="0" eaLnBrk="1" latinLnBrk="0" hangingPunct="1">
+    <a:lvl3pPr marL="914400" algn="l" defTabSz="457200" rtl="0" eaLnBrk="1" latinLnBrk="0" hangingPunct="1">
       <a:defRPr sz="1800" kern="1200">
         <a:solidFill>
           <a:schemeClr val="tx1"/>
@@ -53,7 +53,7 @@
         <a:cs typeface="+mn-cs"/>
       </a:defRPr>
     </a:lvl3pPr>
-    <a:lvl4pPr marL="1371600" algn="l" defTabSz="914400" rtl="0" eaLnBrk="1" latinLnBrk="0" hangingPunct="1">
+    <a:lvl4pPr marL="1371600" algn="l" defTabSz="457200" rtl="0" eaLnBrk="1" latinLnBrk="0" hangingPunct="1">
       <a:defRPr sz="1800" kern="1200">
         <a:solidFill>
           <a:schemeClr val="tx1"/>
@@ -63,7 +63,7 @@
         <a:cs typeface="+mn-cs"/>
       </a:defRPr>
     </a:lvl4pPr>
-    <a:lvl5pPr marL="1828800" algn="l" defTabSz="914400" rtl="0" eaLnBrk="1" latinLnBrk="0" hangingPunct="1">
+    <a:lvl5pPr marL="1828800" algn="l" defTabSz="457200" rtl="0" eaLnBrk="1" latinLnBrk="0" hangingPunct="1">
       <a:defRPr sz="1800" kern="1200">
         <a:solidFill>
           <a:schemeClr val="tx1"/>
@@ -73,7 +73,7 @@
         <a:cs typeface="+mn-cs"/>
       </a:defRPr>
     </a:lvl5pPr>
-    <a:lvl6pPr marL="2286000" algn="l" defTabSz="914400" rtl="0" eaLnBrk="1" latinLnBrk="0" hangingPunct="1">
+    <a:lvl6pPr marL="2286000" algn="l" defTabSz="457200" rtl="0" eaLnBrk="1" latinLnBrk="0" hangingPunct="1">
       <a:defRPr sz="1800" kern="1200">
         <a:solidFill>
           <a:schemeClr val="tx1"/>
@@ -83,7 +83,7 @@
         <a:cs typeface="+mn-cs"/>
       </a:defRPr>
     </a:lvl6pPr>
-    <a:lvl7pPr marL="2743200" algn="l" defTabSz="914400" rtl="0" eaLnBrk="1" latinLnBrk="0" hangingPunct="1">
+    <a:lvl7pPr marL="2743200" algn="l" defTabSz="457200" rtl="0" eaLnBrk="1" latinLnBrk="0" hangingPunct="1">
       <a:defRPr sz="1800" kern="1200">
         <a:solidFill>
           <a:schemeClr val="tx1"/>
@@ -93,7 +93,7 @@
         <a:cs typeface="+mn-cs"/>
       </a:defRPr>
     </a:lvl7pPr>
-    <a:lvl8pPr marL="3200400" algn="l" defTabSz="914400" rtl="0" eaLnBrk="1" latinLnBrk="0" hangingPunct="1">
+    <a:lvl8pPr marL="3200400" algn="l" defTabSz="457200" rtl="0" eaLnBrk="1" latinLnBrk="0" hangingPunct="1">
       <a:defRPr sz="1800" kern="1200">
         <a:solidFill>
           <a:schemeClr val="tx1"/>
@@ -103,7 +103,7 @@
         <a:cs typeface="+mn-cs"/>
       </a:defRPr>
     </a:lvl8pPr>
-    <a:lvl9pPr marL="3657600" algn="l" defTabSz="914400" rtl="0" eaLnBrk="1" latinLnBrk="0" hangingPunct="1">
+    <a:lvl9pPr marL="3657600" algn="l" defTabSz="457200" rtl="0" eaLnBrk="1" latinLnBrk="0" hangingPunct="1">
       <a:defRPr sz="1800" kern="1200">
         <a:solidFill>
           <a:schemeClr val="tx1"/>
@@ -215,6 +215,7 @@
           <a:p>
             <a:fld id="{0F9B84EA-7D68-4D60-9CB1-D50884785D1C}" type="datetimeFigureOut">
               <a:rPr lang="en-US" smtClean="0"/>
+              <a:t>1/28/2025</a:t>
             </a:fld>
             <a:endParaRPr lang="en-US"/>
           </a:p>
@@ -280,6 +281,7 @@
           <a:p>
             <a:fld id="{8D4E0FC9-F1F8-4FAE-9988-3BA365CFD46F}" type="slidenum">
               <a:rPr lang="en-US" smtClean="0"/>
+              <a:t>‹#›</a:t>
             </a:fld>
             <a:endParaRPr lang="en-US"/>
           </a:p>
@@ -373,6 +375,7 @@
           <a:p>
             <a:fld id="{D6C8D182-E4C8-4120-9249-FC9774456FFA}" type="datetimeFigureOut">
               <a:rPr lang="en-US" smtClean="0"/>
+              <a:t>1/28/2025</a:t>
             </a:fld>
             <a:endParaRPr lang="en-US"/>
           </a:p>
@@ -439,7 +442,6 @@
               <a:rPr lang="en-US"/>
               <a:t>Edit Master text styles</a:t>
             </a:r>
-            <a:endParaRPr lang="en-US"/>
           </a:p>
           <a:p>
             <a:pPr lvl="1"/>
@@ -447,7 +449,6 @@
               <a:rPr lang="en-US"/>
               <a:t>Second level</a:t>
             </a:r>
-            <a:endParaRPr lang="en-US"/>
           </a:p>
           <a:p>
             <a:pPr lvl="2"/>
@@ -455,7 +456,6 @@
               <a:rPr lang="en-US"/>
               <a:t>Third level</a:t>
             </a:r>
-            <a:endParaRPr lang="en-US"/>
           </a:p>
           <a:p>
             <a:pPr lvl="3"/>
@@ -463,7 +463,6 @@
               <a:rPr lang="en-US"/>
               <a:t>Fourth level</a:t>
             </a:r>
-            <a:endParaRPr lang="en-US"/>
           </a:p>
           <a:p>
             <a:pPr lvl="4"/>
@@ -471,7 +470,6 @@
               <a:rPr lang="en-US"/>
               <a:t>Fifth level</a:t>
             </a:r>
-            <a:endParaRPr lang="en-US"/>
           </a:p>
         </p:txBody>
       </p:sp>
@@ -535,6 +533,7 @@
           <a:p>
             <a:fld id="{85D0DACE-38E0-42D2-9336-2B707D34BC6D}" type="slidenum">
               <a:rPr lang="en-US" smtClean="0"/>
+              <a:t>‹#›</a:t>
             </a:fld>
             <a:endParaRPr lang="en-US"/>
           </a:p>
@@ -640,7 +639,7 @@
 
 <file path=ppt/slideLayouts/slideLayout1.xml><?xml version="1.0" encoding="utf-8"?>
 <p:sldLayout xmlns:a="http://schemas.openxmlformats.org/drawingml/2006/main" xmlns:r="http://schemas.openxmlformats.org/officeDocument/2006/relationships" xmlns:p="http://schemas.openxmlformats.org/presentationml/2006/main" type="title" preserve="1">
-  <p:cSld name="Title Slide">
+  <p:cSld name="Титульный слайд">
     <p:spTree>
       <p:nvGrpSpPr>
         <p:cNvPr id="1" name=""/>
@@ -667,94 +666,23 @@
         </p:nvSpPr>
         <p:spPr>
           <a:xfrm>
-            <a:off x="1524000" y="1322962"/>
-            <a:ext cx="9144000" cy="2187001"/>
+            <a:off x="1154955" y="1447800"/>
+            <a:ext cx="8825658" cy="3329581"/>
           </a:xfrm>
         </p:spPr>
         <p:txBody>
-          <a:bodyPr anchor="b">
-            <a:normAutofit/>
-          </a:bodyPr>
+          <a:bodyPr anchor="b"/>
           <a:lstStyle>
-            <a:lvl1pPr algn="ctr">
-              <a:lnSpc>
-                <a:spcPct val="130000"/>
-              </a:lnSpc>
-              <a:defRPr sz="6000">
-                <a:effectLst/>
-                <a:latin typeface="Calibri Light" panose="020F0302020204030204" pitchFamily="34" charset="0"/>
-              </a:defRPr>
+            <a:lvl1pPr>
+              <a:defRPr sz="7200"/>
             </a:lvl1pPr>
           </a:lstStyle>
           <a:p>
             <a:r>
-              <a:rPr lang="en-US" dirty="0" smtClean="0"/>
-              <a:t>Click to edit Master title style</a:t>
+              <a:rPr lang="ru-RU"/>
+              <a:t>Образец заголовка</a:t>
             </a:r>
             <a:endParaRPr lang="en-US" dirty="0"/>
-          </a:p>
-        </p:txBody>
-      </p:sp>
-      <p:sp>
-        <p:nvSpPr>
-          <p:cNvPr id="4" name="Date Placeholder  3"/>
-          <p:cNvSpPr>
-            <a:spLocks noGrp="1"/>
-          </p:cNvSpPr>
-          <p:nvPr>
-            <p:ph type="dt" sz="half" idx="10"/>
-          </p:nvPr>
-        </p:nvSpPr>
-        <p:spPr/>
-        <p:txBody>
-          <a:bodyPr/>
-          <a:lstStyle/>
-          <a:p>
-            <a:fld id="{760FBDFE-C587-4B4C-A407-44438C67B59E}" type="datetimeFigureOut">
-              <a:rPr lang="en-US" smtClean="0"/>
-            </a:fld>
-            <a:endParaRPr lang="en-US"/>
-          </a:p>
-        </p:txBody>
-      </p:sp>
-      <p:sp>
-        <p:nvSpPr>
-          <p:cNvPr id="5" name="Footer Placeholder 4"/>
-          <p:cNvSpPr>
-            <a:spLocks noGrp="1"/>
-          </p:cNvSpPr>
-          <p:nvPr>
-            <p:ph type="ftr" sz="quarter" idx="11"/>
-          </p:nvPr>
-        </p:nvSpPr>
-        <p:spPr/>
-        <p:txBody>
-          <a:bodyPr/>
-          <a:lstStyle/>
-          <a:p>
-            <a:endParaRPr lang="en-US"/>
-          </a:p>
-        </p:txBody>
-      </p:sp>
-      <p:sp>
-        <p:nvSpPr>
-          <p:cNvPr id="6" name="Slide Number Placeholder 5"/>
-          <p:cNvSpPr>
-            <a:spLocks noGrp="1"/>
-          </p:cNvSpPr>
-          <p:nvPr>
-            <p:ph type="sldNum" sz="quarter" idx="12"/>
-          </p:nvPr>
-        </p:nvSpPr>
-        <p:spPr/>
-        <p:txBody>
-          <a:bodyPr/>
-          <a:lstStyle/>
-          <a:p>
-            <a:fld id="{49AE70B2-8BF9-45C0-BB95-33D1B9D3A854}" type="slidenum">
-              <a:rPr lang="en-US" smtClean="0"/>
-            </a:fld>
-            <a:endParaRPr lang="en-US"/>
           </a:p>
         </p:txBody>
       </p:sp>
@@ -770,72 +698,185 @@
         </p:nvSpPr>
         <p:spPr>
           <a:xfrm>
-            <a:off x="1524000" y="3602038"/>
-            <a:ext cx="9144000" cy="1655762"/>
+            <a:off x="1154955" y="4777380"/>
+            <a:ext cx="8825658" cy="861420"/>
           </a:xfrm>
         </p:spPr>
         <p:txBody>
-          <a:bodyPr>
-            <a:normAutofit/>
-          </a:bodyPr>
+          <a:bodyPr anchor="t"/>
           <a:lstStyle>
-            <a:lvl1pPr marL="0" indent="0" algn="ctr">
-              <a:buNone/>
-              <a:defRPr sz="2400">
+            <a:lvl1pPr marL="0" indent="0" algn="l">
+              <a:buNone/>
+              <a:defRPr cap="all">
                 <a:solidFill>
-                  <a:schemeClr val="tx1">
-                    <a:lumMod val="75000"/>
-                    <a:lumOff val="25000"/>
+                  <a:schemeClr val="bg2">
+                    <a:lumMod val="40000"/>
+                    <a:lumOff val="60000"/>
                   </a:schemeClr>
                 </a:solidFill>
-                <a:effectLst/>
-                <a:latin typeface="Calibri Light" panose="020F0302020204030204" pitchFamily="34" charset="0"/>
-                <a:ea typeface="+mj-ea"/>
               </a:defRPr>
             </a:lvl1pPr>
             <a:lvl2pPr marL="457200" indent="0" algn="ctr">
               <a:buNone/>
-              <a:defRPr sz="2000"/>
+              <a:defRPr>
+                <a:solidFill>
+                  <a:schemeClr val="tx1">
+                    <a:tint val="75000"/>
+                  </a:schemeClr>
+                </a:solidFill>
+              </a:defRPr>
             </a:lvl2pPr>
             <a:lvl3pPr marL="914400" indent="0" algn="ctr">
               <a:buNone/>
-              <a:defRPr sz="1800"/>
+              <a:defRPr>
+                <a:solidFill>
+                  <a:schemeClr val="tx1">
+                    <a:tint val="75000"/>
+                  </a:schemeClr>
+                </a:solidFill>
+              </a:defRPr>
             </a:lvl3pPr>
             <a:lvl4pPr marL="1371600" indent="0" algn="ctr">
               <a:buNone/>
-              <a:defRPr sz="1600"/>
+              <a:defRPr>
+                <a:solidFill>
+                  <a:schemeClr val="tx1">
+                    <a:tint val="75000"/>
+                  </a:schemeClr>
+                </a:solidFill>
+              </a:defRPr>
             </a:lvl4pPr>
             <a:lvl5pPr marL="1828800" indent="0" algn="ctr">
               <a:buNone/>
-              <a:defRPr sz="1600"/>
+              <a:defRPr>
+                <a:solidFill>
+                  <a:schemeClr val="tx1">
+                    <a:tint val="75000"/>
+                  </a:schemeClr>
+                </a:solidFill>
+              </a:defRPr>
             </a:lvl5pPr>
             <a:lvl6pPr marL="2286000" indent="0" algn="ctr">
               <a:buNone/>
-              <a:defRPr sz="1600"/>
+              <a:defRPr>
+                <a:solidFill>
+                  <a:schemeClr val="tx1">
+                    <a:tint val="75000"/>
+                  </a:schemeClr>
+                </a:solidFill>
+              </a:defRPr>
             </a:lvl6pPr>
             <a:lvl7pPr marL="2743200" indent="0" algn="ctr">
               <a:buNone/>
-              <a:defRPr sz="1600"/>
+              <a:defRPr>
+                <a:solidFill>
+                  <a:schemeClr val="tx1">
+                    <a:tint val="75000"/>
+                  </a:schemeClr>
+                </a:solidFill>
+              </a:defRPr>
             </a:lvl7pPr>
             <a:lvl8pPr marL="3200400" indent="0" algn="ctr">
               <a:buNone/>
-              <a:defRPr sz="1600"/>
+              <a:defRPr>
+                <a:solidFill>
+                  <a:schemeClr val="tx1">
+                    <a:tint val="75000"/>
+                  </a:schemeClr>
+                </a:solidFill>
+              </a:defRPr>
             </a:lvl8pPr>
             <a:lvl9pPr marL="3657600" indent="0" algn="ctr">
               <a:buNone/>
-              <a:defRPr sz="1600"/>
+              <a:defRPr>
+                <a:solidFill>
+                  <a:schemeClr val="tx1">
+                    <a:tint val="75000"/>
+                  </a:schemeClr>
+                </a:solidFill>
+              </a:defRPr>
             </a:lvl9pPr>
           </a:lstStyle>
           <a:p>
             <a:r>
-              <a:rPr lang="en-US" dirty="0" smtClean="0"/>
-              <a:t>Click to edit Master subtitle style</a:t>
+              <a:rPr lang="ru-RU"/>
+              <a:t>Образец подзаголовка</a:t>
             </a:r>
             <a:endParaRPr lang="en-US" dirty="0"/>
           </a:p>
         </p:txBody>
       </p:sp>
+      <p:sp>
+        <p:nvSpPr>
+          <p:cNvPr id="4" name="Date Placeholder 3"/>
+          <p:cNvSpPr>
+            <a:spLocks noGrp="1"/>
+          </p:cNvSpPr>
+          <p:nvPr>
+            <p:ph type="dt" sz="half" idx="10"/>
+          </p:nvPr>
+        </p:nvSpPr>
+        <p:spPr/>
+        <p:txBody>
+          <a:bodyPr/>
+          <a:lstStyle/>
+          <a:p>
+            <a:fld id="{760FBDFE-C587-4B4C-A407-44438C67B59E}" type="datetimeFigureOut">
+              <a:rPr lang="en-US" smtClean="0"/>
+              <a:t>1/28/2025</a:t>
+            </a:fld>
+            <a:endParaRPr lang="en-US" dirty="0"/>
+          </a:p>
+        </p:txBody>
+      </p:sp>
+      <p:sp>
+        <p:nvSpPr>
+          <p:cNvPr id="5" name="Footer Placeholder 4"/>
+          <p:cNvSpPr>
+            <a:spLocks noGrp="1"/>
+          </p:cNvSpPr>
+          <p:nvPr>
+            <p:ph type="ftr" sz="quarter" idx="11"/>
+          </p:nvPr>
+        </p:nvSpPr>
+        <p:spPr/>
+        <p:txBody>
+          <a:bodyPr/>
+          <a:lstStyle/>
+          <a:p>
+            <a:endParaRPr lang="en-US"/>
+          </a:p>
+        </p:txBody>
+      </p:sp>
+      <p:sp>
+        <p:nvSpPr>
+          <p:cNvPr id="6" name="Slide Number Placeholder 5"/>
+          <p:cNvSpPr>
+            <a:spLocks noGrp="1"/>
+          </p:cNvSpPr>
+          <p:nvPr>
+            <p:ph type="sldNum" sz="quarter" idx="12"/>
+          </p:nvPr>
+        </p:nvSpPr>
+        <p:spPr/>
+        <p:txBody>
+          <a:bodyPr/>
+          <a:lstStyle/>
+          <a:p>
+            <a:fld id="{49AE70B2-8BF9-45C0-BB95-33D1B9D3A854}" type="slidenum">
+              <a:rPr lang="en-US" smtClean="0"/>
+              <a:t>‹#›</a:t>
+            </a:fld>
+            <a:endParaRPr lang="en-US" dirty="0"/>
+          </a:p>
+        </p:txBody>
+      </p:sp>
     </p:spTree>
+    <p:extLst>
+      <p:ext uri="{BB962C8B-B14F-4D97-AF65-F5344CB8AC3E}">
+        <p14:creationId xmlns:p14="http://schemas.microsoft.com/office/powerpoint/2010/main" val="1358693176"/>
+      </p:ext>
+    </p:extLst>
   </p:cSld>
   <p:clrMapOvr>
     <a:masterClrMapping/>
@@ -844,6 +885,2922 @@
 </file>
 
 <file path=ppt/slideLayouts/slideLayout10.xml><?xml version="1.0" encoding="utf-8"?>
+<p:sldLayout xmlns:a="http://schemas.openxmlformats.org/drawingml/2006/main" xmlns:r="http://schemas.openxmlformats.org/officeDocument/2006/relationships" xmlns:p="http://schemas.openxmlformats.org/presentationml/2006/main" preserve="1">
+  <p:cSld name="Панорамная фотография с подписью">
+    <p:spTree>
+      <p:nvGrpSpPr>
+        <p:cNvPr id="1" name=""/>
+        <p:cNvGrpSpPr/>
+        <p:nvPr/>
+      </p:nvGrpSpPr>
+      <p:grpSpPr>
+        <a:xfrm>
+          <a:off x="0" y="0"/>
+          <a:ext cx="0" cy="0"/>
+          <a:chOff x="0" y="0"/>
+          <a:chExt cx="0" cy="0"/>
+        </a:xfrm>
+      </p:grpSpPr>
+      <p:sp>
+        <p:nvSpPr>
+          <p:cNvPr id="2" name="Title 1"/>
+          <p:cNvSpPr>
+            <a:spLocks noGrp="1"/>
+          </p:cNvSpPr>
+          <p:nvPr>
+            <p:ph type="title"/>
+          </p:nvPr>
+        </p:nvSpPr>
+        <p:spPr>
+          <a:xfrm>
+            <a:off x="1154956" y="4800587"/>
+            <a:ext cx="8825657" cy="566738"/>
+          </a:xfrm>
+        </p:spPr>
+        <p:txBody>
+          <a:bodyPr anchor="b">
+            <a:normAutofit/>
+          </a:bodyPr>
+          <a:lstStyle>
+            <a:lvl1pPr algn="l">
+              <a:defRPr sz="2400" b="0"/>
+            </a:lvl1pPr>
+          </a:lstStyle>
+          <a:p>
+            <a:r>
+              <a:rPr lang="ru-RU"/>
+              <a:t>Образец заголовка</a:t>
+            </a:r>
+            <a:endParaRPr lang="en-US" dirty="0"/>
+          </a:p>
+        </p:txBody>
+      </p:sp>
+      <p:sp>
+        <p:nvSpPr>
+          <p:cNvPr id="3" name="Picture Placeholder 2"/>
+          <p:cNvSpPr>
+            <a:spLocks noGrp="1" noChangeAspect="1"/>
+          </p:cNvSpPr>
+          <p:nvPr>
+            <p:ph type="pic" idx="1"/>
+          </p:nvPr>
+        </p:nvSpPr>
+        <p:spPr>
+          <a:xfrm>
+            <a:off x="1154955" y="685800"/>
+            <a:ext cx="8825658" cy="3640666"/>
+          </a:xfrm>
+          <a:prstGeom prst="roundRect">
+            <a:avLst>
+              <a:gd name="adj" fmla="val 1858"/>
+            </a:avLst>
+          </a:prstGeom>
+          <a:effectLst>
+            <a:outerShdw blurRad="50800" dist="50800" dir="5400000" algn="tl" rotWithShape="0">
+              <a:srgbClr val="000000">
+                <a:alpha val="43000"/>
+              </a:srgbClr>
+            </a:outerShdw>
+          </a:effectLst>
+        </p:spPr>
+        <p:txBody>
+          <a:bodyPr anchor="t">
+            <a:normAutofit/>
+          </a:bodyPr>
+          <a:lstStyle>
+            <a:lvl1pPr marL="0" indent="0" algn="ctr">
+              <a:buNone/>
+              <a:defRPr sz="1600"/>
+            </a:lvl1pPr>
+            <a:lvl2pPr marL="457200" indent="0">
+              <a:buNone/>
+              <a:defRPr sz="1600"/>
+            </a:lvl2pPr>
+            <a:lvl3pPr marL="914400" indent="0">
+              <a:buNone/>
+              <a:defRPr sz="1600"/>
+            </a:lvl3pPr>
+            <a:lvl4pPr marL="1371600" indent="0">
+              <a:buNone/>
+              <a:defRPr sz="1600"/>
+            </a:lvl4pPr>
+            <a:lvl5pPr marL="1828800" indent="0">
+              <a:buNone/>
+              <a:defRPr sz="1600"/>
+            </a:lvl5pPr>
+            <a:lvl6pPr marL="2286000" indent="0">
+              <a:buNone/>
+              <a:defRPr sz="1600"/>
+            </a:lvl6pPr>
+            <a:lvl7pPr marL="2743200" indent="0">
+              <a:buNone/>
+              <a:defRPr sz="1600"/>
+            </a:lvl7pPr>
+            <a:lvl8pPr marL="3200400" indent="0">
+              <a:buNone/>
+              <a:defRPr sz="1600"/>
+            </a:lvl8pPr>
+            <a:lvl9pPr marL="3657600" indent="0">
+              <a:buNone/>
+              <a:defRPr sz="1600"/>
+            </a:lvl9pPr>
+          </a:lstStyle>
+          <a:p>
+            <a:r>
+              <a:rPr lang="ru-RU"/>
+              <a:t>Вставка рисунка</a:t>
+            </a:r>
+            <a:endParaRPr lang="en-US" dirty="0"/>
+          </a:p>
+        </p:txBody>
+      </p:sp>
+      <p:sp>
+        <p:nvSpPr>
+          <p:cNvPr id="4" name="Text Placeholder 3"/>
+          <p:cNvSpPr>
+            <a:spLocks noGrp="1"/>
+          </p:cNvSpPr>
+          <p:nvPr>
+            <p:ph type="body" sz="half" idx="2"/>
+          </p:nvPr>
+        </p:nvSpPr>
+        <p:spPr>
+          <a:xfrm>
+            <a:off x="1154956" y="5367325"/>
+            <a:ext cx="8825656" cy="493712"/>
+          </a:xfrm>
+        </p:spPr>
+        <p:txBody>
+          <a:bodyPr>
+            <a:normAutofit/>
+          </a:bodyPr>
+          <a:lstStyle>
+            <a:lvl1pPr marL="0" indent="0">
+              <a:buNone/>
+              <a:defRPr sz="1200"/>
+            </a:lvl1pPr>
+            <a:lvl2pPr marL="457200" indent="0">
+              <a:buNone/>
+              <a:defRPr sz="1200"/>
+            </a:lvl2pPr>
+            <a:lvl3pPr marL="914400" indent="0">
+              <a:buNone/>
+              <a:defRPr sz="1000"/>
+            </a:lvl3pPr>
+            <a:lvl4pPr marL="1371600" indent="0">
+              <a:buNone/>
+              <a:defRPr sz="900"/>
+            </a:lvl4pPr>
+            <a:lvl5pPr marL="1828800" indent="0">
+              <a:buNone/>
+              <a:defRPr sz="900"/>
+            </a:lvl5pPr>
+            <a:lvl6pPr marL="2286000" indent="0">
+              <a:buNone/>
+              <a:defRPr sz="900"/>
+            </a:lvl6pPr>
+            <a:lvl7pPr marL="2743200" indent="0">
+              <a:buNone/>
+              <a:defRPr sz="900"/>
+            </a:lvl7pPr>
+            <a:lvl8pPr marL="3200400" indent="0">
+              <a:buNone/>
+              <a:defRPr sz="900"/>
+            </a:lvl8pPr>
+            <a:lvl9pPr marL="3657600" indent="0">
+              <a:buNone/>
+              <a:defRPr sz="900"/>
+            </a:lvl9pPr>
+          </a:lstStyle>
+          <a:p>
+            <a:pPr lvl="0"/>
+            <a:r>
+              <a:rPr lang="ru-RU"/>
+              <a:t>Образец текста</a:t>
+            </a:r>
+          </a:p>
+        </p:txBody>
+      </p:sp>
+      <p:sp>
+        <p:nvSpPr>
+          <p:cNvPr id="5" name="Date Placeholder 4"/>
+          <p:cNvSpPr>
+            <a:spLocks noGrp="1"/>
+          </p:cNvSpPr>
+          <p:nvPr>
+            <p:ph type="dt" sz="half" idx="10"/>
+          </p:nvPr>
+        </p:nvSpPr>
+        <p:spPr/>
+        <p:txBody>
+          <a:bodyPr/>
+          <a:lstStyle/>
+          <a:p>
+            <a:fld id="{760FBDFE-C587-4B4C-A407-44438C67B59E}" type="datetimeFigureOut">
+              <a:rPr lang="en-US" smtClean="0"/>
+              <a:t>1/28/2025</a:t>
+            </a:fld>
+            <a:endParaRPr lang="en-US" dirty="0"/>
+          </a:p>
+        </p:txBody>
+      </p:sp>
+      <p:sp>
+        <p:nvSpPr>
+          <p:cNvPr id="6" name="Footer Placeholder 5"/>
+          <p:cNvSpPr>
+            <a:spLocks noGrp="1"/>
+          </p:cNvSpPr>
+          <p:nvPr>
+            <p:ph type="ftr" sz="quarter" idx="11"/>
+          </p:nvPr>
+        </p:nvSpPr>
+        <p:spPr/>
+        <p:txBody>
+          <a:bodyPr/>
+          <a:lstStyle/>
+          <a:p>
+            <a:endParaRPr lang="en-US"/>
+          </a:p>
+        </p:txBody>
+      </p:sp>
+      <p:sp>
+        <p:nvSpPr>
+          <p:cNvPr id="7" name="Slide Number Placeholder 6"/>
+          <p:cNvSpPr>
+            <a:spLocks noGrp="1"/>
+          </p:cNvSpPr>
+          <p:nvPr>
+            <p:ph type="sldNum" sz="quarter" idx="12"/>
+          </p:nvPr>
+        </p:nvSpPr>
+        <p:spPr/>
+        <p:txBody>
+          <a:bodyPr/>
+          <a:lstStyle/>
+          <a:p>
+            <a:fld id="{49AE70B2-8BF9-45C0-BB95-33D1B9D3A854}" type="slidenum">
+              <a:rPr lang="en-US" smtClean="0"/>
+              <a:t>‹#›</a:t>
+            </a:fld>
+            <a:endParaRPr lang="en-US" dirty="0"/>
+          </a:p>
+        </p:txBody>
+      </p:sp>
+    </p:spTree>
+    <p:extLst>
+      <p:ext uri="{BB962C8B-B14F-4D97-AF65-F5344CB8AC3E}">
+        <p14:creationId xmlns:p14="http://schemas.microsoft.com/office/powerpoint/2010/main" val="1471927359"/>
+      </p:ext>
+    </p:extLst>
+  </p:cSld>
+  <p:clrMapOvr>
+    <a:masterClrMapping/>
+  </p:clrMapOvr>
+</p:sldLayout>
+</file>
+
+<file path=ppt/slideLayouts/slideLayout11.xml><?xml version="1.0" encoding="utf-8"?>
+<p:sldLayout xmlns:a="http://schemas.openxmlformats.org/drawingml/2006/main" xmlns:r="http://schemas.openxmlformats.org/officeDocument/2006/relationships" xmlns:p="http://schemas.openxmlformats.org/presentationml/2006/main" preserve="1">
+  <p:cSld name="Заголовок и подпись">
+    <p:spTree>
+      <p:nvGrpSpPr>
+        <p:cNvPr id="1" name=""/>
+        <p:cNvGrpSpPr/>
+        <p:nvPr/>
+      </p:nvGrpSpPr>
+      <p:grpSpPr>
+        <a:xfrm>
+          <a:off x="0" y="0"/>
+          <a:ext cx="0" cy="0"/>
+          <a:chOff x="0" y="0"/>
+          <a:chExt cx="0" cy="0"/>
+        </a:xfrm>
+      </p:grpSpPr>
+      <p:sp>
+        <p:nvSpPr>
+          <p:cNvPr id="2" name="Title 1"/>
+          <p:cNvSpPr>
+            <a:spLocks noGrp="1"/>
+          </p:cNvSpPr>
+          <p:nvPr>
+            <p:ph type="title"/>
+          </p:nvPr>
+        </p:nvSpPr>
+        <p:spPr>
+          <a:xfrm>
+            <a:off x="1154954" y="1447800"/>
+            <a:ext cx="8825659" cy="1981200"/>
+          </a:xfrm>
+        </p:spPr>
+        <p:txBody>
+          <a:bodyPr/>
+          <a:lstStyle>
+            <a:lvl1pPr>
+              <a:defRPr sz="4800"/>
+            </a:lvl1pPr>
+          </a:lstStyle>
+          <a:p>
+            <a:r>
+              <a:rPr lang="ru-RU"/>
+              <a:t>Образец заголовка</a:t>
+            </a:r>
+            <a:endParaRPr lang="en-US" dirty="0"/>
+          </a:p>
+        </p:txBody>
+      </p:sp>
+      <p:sp>
+        <p:nvSpPr>
+          <p:cNvPr id="8" name="Text Placeholder 3"/>
+          <p:cNvSpPr>
+            <a:spLocks noGrp="1"/>
+          </p:cNvSpPr>
+          <p:nvPr>
+            <p:ph type="body" sz="half" idx="2"/>
+          </p:nvPr>
+        </p:nvSpPr>
+        <p:spPr>
+          <a:xfrm>
+            <a:off x="1154954" y="3657600"/>
+            <a:ext cx="8825659" cy="2362200"/>
+          </a:xfrm>
+        </p:spPr>
+        <p:txBody>
+          <a:bodyPr anchor="ctr">
+            <a:normAutofit/>
+          </a:bodyPr>
+          <a:lstStyle>
+            <a:lvl1pPr marL="0" indent="0">
+              <a:buNone/>
+              <a:defRPr sz="1800"/>
+            </a:lvl1pPr>
+            <a:lvl2pPr marL="457200" indent="0">
+              <a:buNone/>
+              <a:defRPr sz="1200"/>
+            </a:lvl2pPr>
+            <a:lvl3pPr marL="914400" indent="0">
+              <a:buNone/>
+              <a:defRPr sz="1000"/>
+            </a:lvl3pPr>
+            <a:lvl4pPr marL="1371600" indent="0">
+              <a:buNone/>
+              <a:defRPr sz="900"/>
+            </a:lvl4pPr>
+            <a:lvl5pPr marL="1828800" indent="0">
+              <a:buNone/>
+              <a:defRPr sz="900"/>
+            </a:lvl5pPr>
+            <a:lvl6pPr marL="2286000" indent="0">
+              <a:buNone/>
+              <a:defRPr sz="900"/>
+            </a:lvl6pPr>
+            <a:lvl7pPr marL="2743200" indent="0">
+              <a:buNone/>
+              <a:defRPr sz="900"/>
+            </a:lvl7pPr>
+            <a:lvl8pPr marL="3200400" indent="0">
+              <a:buNone/>
+              <a:defRPr sz="900"/>
+            </a:lvl8pPr>
+            <a:lvl9pPr marL="3657600" indent="0">
+              <a:buNone/>
+              <a:defRPr sz="900"/>
+            </a:lvl9pPr>
+          </a:lstStyle>
+          <a:p>
+            <a:pPr lvl="0"/>
+            <a:r>
+              <a:rPr lang="ru-RU"/>
+              <a:t>Образец текста</a:t>
+            </a:r>
+          </a:p>
+        </p:txBody>
+      </p:sp>
+      <p:sp>
+        <p:nvSpPr>
+          <p:cNvPr id="4" name="Date Placeholder 3"/>
+          <p:cNvSpPr>
+            <a:spLocks noGrp="1"/>
+          </p:cNvSpPr>
+          <p:nvPr>
+            <p:ph type="dt" sz="half" idx="10"/>
+          </p:nvPr>
+        </p:nvSpPr>
+        <p:spPr/>
+        <p:txBody>
+          <a:bodyPr/>
+          <a:lstStyle/>
+          <a:p>
+            <a:fld id="{760FBDFE-C587-4B4C-A407-44438C67B59E}" type="datetimeFigureOut">
+              <a:rPr lang="en-US" smtClean="0"/>
+              <a:t>1/28/2025</a:t>
+            </a:fld>
+            <a:endParaRPr lang="en-US" dirty="0"/>
+          </a:p>
+        </p:txBody>
+      </p:sp>
+      <p:sp>
+        <p:nvSpPr>
+          <p:cNvPr id="5" name="Footer Placeholder 4"/>
+          <p:cNvSpPr>
+            <a:spLocks noGrp="1"/>
+          </p:cNvSpPr>
+          <p:nvPr>
+            <p:ph type="ftr" sz="quarter" idx="11"/>
+          </p:nvPr>
+        </p:nvSpPr>
+        <p:spPr/>
+        <p:txBody>
+          <a:bodyPr/>
+          <a:lstStyle/>
+          <a:p>
+            <a:endParaRPr lang="en-US"/>
+          </a:p>
+        </p:txBody>
+      </p:sp>
+      <p:sp>
+        <p:nvSpPr>
+          <p:cNvPr id="6" name="Slide Number Placeholder 5"/>
+          <p:cNvSpPr>
+            <a:spLocks noGrp="1"/>
+          </p:cNvSpPr>
+          <p:nvPr>
+            <p:ph type="sldNum" sz="quarter" idx="12"/>
+          </p:nvPr>
+        </p:nvSpPr>
+        <p:spPr/>
+        <p:txBody>
+          <a:bodyPr/>
+          <a:lstStyle/>
+          <a:p>
+            <a:fld id="{49AE70B2-8BF9-45C0-BB95-33D1B9D3A854}" type="slidenum">
+              <a:rPr lang="en-US" smtClean="0"/>
+              <a:t>‹#›</a:t>
+            </a:fld>
+            <a:endParaRPr lang="en-US" dirty="0"/>
+          </a:p>
+        </p:txBody>
+      </p:sp>
+    </p:spTree>
+    <p:extLst>
+      <p:ext uri="{BB962C8B-B14F-4D97-AF65-F5344CB8AC3E}">
+        <p14:creationId xmlns:p14="http://schemas.microsoft.com/office/powerpoint/2010/main" val="1820901613"/>
+      </p:ext>
+    </p:extLst>
+  </p:cSld>
+  <p:clrMapOvr>
+    <a:masterClrMapping/>
+  </p:clrMapOvr>
+</p:sldLayout>
+</file>
+
+<file path=ppt/slideLayouts/slideLayout12.xml><?xml version="1.0" encoding="utf-8"?>
+<p:sldLayout xmlns:a="http://schemas.openxmlformats.org/drawingml/2006/main" xmlns:r="http://schemas.openxmlformats.org/officeDocument/2006/relationships" xmlns:p="http://schemas.openxmlformats.org/presentationml/2006/main" preserve="1">
+  <p:cSld name="Цитата с подписью">
+    <p:spTree>
+      <p:nvGrpSpPr>
+        <p:cNvPr id="1" name=""/>
+        <p:cNvGrpSpPr/>
+        <p:nvPr/>
+      </p:nvGrpSpPr>
+      <p:grpSpPr>
+        <a:xfrm>
+          <a:off x="0" y="0"/>
+          <a:ext cx="0" cy="0"/>
+          <a:chOff x="0" y="0"/>
+          <a:chExt cx="0" cy="0"/>
+        </a:xfrm>
+      </p:grpSpPr>
+      <p:sp>
+        <p:nvSpPr>
+          <p:cNvPr id="2" name="Title 1"/>
+          <p:cNvSpPr>
+            <a:spLocks noGrp="1"/>
+          </p:cNvSpPr>
+          <p:nvPr>
+            <p:ph type="title"/>
+          </p:nvPr>
+        </p:nvSpPr>
+        <p:spPr>
+          <a:xfrm>
+            <a:off x="1574801" y="1447800"/>
+            <a:ext cx="7999315" cy="2323374"/>
+          </a:xfrm>
+        </p:spPr>
+        <p:txBody>
+          <a:bodyPr/>
+          <a:lstStyle>
+            <a:lvl1pPr>
+              <a:defRPr sz="4800"/>
+            </a:lvl1pPr>
+          </a:lstStyle>
+          <a:p>
+            <a:r>
+              <a:rPr lang="ru-RU"/>
+              <a:t>Образец заголовка</a:t>
+            </a:r>
+            <a:endParaRPr lang="en-US" dirty="0"/>
+          </a:p>
+        </p:txBody>
+      </p:sp>
+      <p:sp>
+        <p:nvSpPr>
+          <p:cNvPr id="11" name="Text Placeholder 3"/>
+          <p:cNvSpPr>
+            <a:spLocks noGrp="1"/>
+          </p:cNvSpPr>
+          <p:nvPr>
+            <p:ph type="body" sz="half" idx="14"/>
+          </p:nvPr>
+        </p:nvSpPr>
+        <p:spPr>
+          <a:xfrm>
+            <a:off x="1930400" y="3771174"/>
+            <a:ext cx="7279649" cy="342174"/>
+          </a:xfrm>
+        </p:spPr>
+        <p:txBody>
+          <a:bodyPr vert="horz" lIns="91440" tIns="45720" rIns="91440" bIns="45720" rtlCol="0" anchor="t">
+            <a:normAutofit/>
+          </a:bodyPr>
+          <a:lstStyle>
+            <a:lvl1pPr marL="0" indent="0">
+              <a:buNone/>
+              <a:defRPr lang="en-US" sz="1400" b="0" i="0" kern="1200" cap="small" dirty="0">
+                <a:solidFill>
+                  <a:schemeClr val="bg2">
+                    <a:lumMod val="40000"/>
+                    <a:lumOff val="60000"/>
+                  </a:schemeClr>
+                </a:solidFill>
+                <a:latin typeface="+mj-lt"/>
+                <a:ea typeface="+mj-ea"/>
+                <a:cs typeface="+mj-cs"/>
+              </a:defRPr>
+            </a:lvl1pPr>
+            <a:lvl2pPr marL="457200" indent="0">
+              <a:buNone/>
+              <a:defRPr sz="1200"/>
+            </a:lvl2pPr>
+            <a:lvl3pPr marL="914400" indent="0">
+              <a:buNone/>
+              <a:defRPr sz="1000"/>
+            </a:lvl3pPr>
+            <a:lvl4pPr marL="1371600" indent="0">
+              <a:buNone/>
+              <a:defRPr sz="900"/>
+            </a:lvl4pPr>
+            <a:lvl5pPr marL="1828800" indent="0">
+              <a:buNone/>
+              <a:defRPr sz="900"/>
+            </a:lvl5pPr>
+            <a:lvl6pPr marL="2286000" indent="0">
+              <a:buNone/>
+              <a:defRPr sz="900"/>
+            </a:lvl6pPr>
+            <a:lvl7pPr marL="2743200" indent="0">
+              <a:buNone/>
+              <a:defRPr sz="900"/>
+            </a:lvl7pPr>
+            <a:lvl8pPr marL="3200400" indent="0">
+              <a:buNone/>
+              <a:defRPr sz="900"/>
+            </a:lvl8pPr>
+            <a:lvl9pPr marL="3657600" indent="0">
+              <a:buNone/>
+              <a:defRPr sz="900"/>
+            </a:lvl9pPr>
+          </a:lstStyle>
+          <a:p>
+            <a:pPr marL="0" lvl="0" indent="0">
+              <a:buNone/>
+            </a:pPr>
+            <a:r>
+              <a:rPr lang="ru-RU"/>
+              <a:t>Образец текста</a:t>
+            </a:r>
+          </a:p>
+        </p:txBody>
+      </p:sp>
+      <p:sp>
+        <p:nvSpPr>
+          <p:cNvPr id="10" name="Text Placeholder 3"/>
+          <p:cNvSpPr>
+            <a:spLocks noGrp="1"/>
+          </p:cNvSpPr>
+          <p:nvPr>
+            <p:ph type="body" sz="half" idx="2"/>
+          </p:nvPr>
+        </p:nvSpPr>
+        <p:spPr>
+          <a:xfrm>
+            <a:off x="1154954" y="4350657"/>
+            <a:ext cx="8825659" cy="1676400"/>
+          </a:xfrm>
+        </p:spPr>
+        <p:txBody>
+          <a:bodyPr anchor="ctr">
+            <a:normAutofit/>
+          </a:bodyPr>
+          <a:lstStyle>
+            <a:lvl1pPr marL="0" indent="0">
+              <a:buNone/>
+              <a:defRPr sz="1800"/>
+            </a:lvl1pPr>
+            <a:lvl2pPr marL="457200" indent="0">
+              <a:buNone/>
+              <a:defRPr sz="1200"/>
+            </a:lvl2pPr>
+            <a:lvl3pPr marL="914400" indent="0">
+              <a:buNone/>
+              <a:defRPr sz="1000"/>
+            </a:lvl3pPr>
+            <a:lvl4pPr marL="1371600" indent="0">
+              <a:buNone/>
+              <a:defRPr sz="900"/>
+            </a:lvl4pPr>
+            <a:lvl5pPr marL="1828800" indent="0">
+              <a:buNone/>
+              <a:defRPr sz="900"/>
+            </a:lvl5pPr>
+            <a:lvl6pPr marL="2286000" indent="0">
+              <a:buNone/>
+              <a:defRPr sz="900"/>
+            </a:lvl6pPr>
+            <a:lvl7pPr marL="2743200" indent="0">
+              <a:buNone/>
+              <a:defRPr sz="900"/>
+            </a:lvl7pPr>
+            <a:lvl8pPr marL="3200400" indent="0">
+              <a:buNone/>
+              <a:defRPr sz="900"/>
+            </a:lvl8pPr>
+            <a:lvl9pPr marL="3657600" indent="0">
+              <a:buNone/>
+              <a:defRPr sz="900"/>
+            </a:lvl9pPr>
+          </a:lstStyle>
+          <a:p>
+            <a:pPr lvl="0"/>
+            <a:r>
+              <a:rPr lang="ru-RU"/>
+              <a:t>Образец текста</a:t>
+            </a:r>
+          </a:p>
+        </p:txBody>
+      </p:sp>
+      <p:sp>
+        <p:nvSpPr>
+          <p:cNvPr id="4" name="Date Placeholder 3"/>
+          <p:cNvSpPr>
+            <a:spLocks noGrp="1"/>
+          </p:cNvSpPr>
+          <p:nvPr>
+            <p:ph type="dt" sz="half" idx="10"/>
+          </p:nvPr>
+        </p:nvSpPr>
+        <p:spPr/>
+        <p:txBody>
+          <a:bodyPr/>
+          <a:lstStyle/>
+          <a:p>
+            <a:fld id="{760FBDFE-C587-4B4C-A407-44438C67B59E}" type="datetimeFigureOut">
+              <a:rPr lang="en-US" smtClean="0"/>
+              <a:t>1/28/2025</a:t>
+            </a:fld>
+            <a:endParaRPr lang="en-US" dirty="0"/>
+          </a:p>
+        </p:txBody>
+      </p:sp>
+      <p:sp>
+        <p:nvSpPr>
+          <p:cNvPr id="5" name="Footer Placeholder 4"/>
+          <p:cNvSpPr>
+            <a:spLocks noGrp="1"/>
+          </p:cNvSpPr>
+          <p:nvPr>
+            <p:ph type="ftr" sz="quarter" idx="11"/>
+          </p:nvPr>
+        </p:nvSpPr>
+        <p:spPr/>
+        <p:txBody>
+          <a:bodyPr/>
+          <a:lstStyle/>
+          <a:p>
+            <a:endParaRPr lang="en-US"/>
+          </a:p>
+        </p:txBody>
+      </p:sp>
+      <p:sp>
+        <p:nvSpPr>
+          <p:cNvPr id="6" name="Slide Number Placeholder 5"/>
+          <p:cNvSpPr>
+            <a:spLocks noGrp="1"/>
+          </p:cNvSpPr>
+          <p:nvPr>
+            <p:ph type="sldNum" sz="quarter" idx="12"/>
+          </p:nvPr>
+        </p:nvSpPr>
+        <p:spPr/>
+        <p:txBody>
+          <a:bodyPr/>
+          <a:lstStyle/>
+          <a:p>
+            <a:fld id="{49AE70B2-8BF9-45C0-BB95-33D1B9D3A854}" type="slidenum">
+              <a:rPr lang="en-US" smtClean="0"/>
+              <a:t>‹#›</a:t>
+            </a:fld>
+            <a:endParaRPr lang="en-US" dirty="0"/>
+          </a:p>
+        </p:txBody>
+      </p:sp>
+      <p:sp>
+        <p:nvSpPr>
+          <p:cNvPr id="12" name="TextBox 11"/>
+          <p:cNvSpPr txBox="1"/>
+          <p:nvPr/>
+        </p:nvSpPr>
+        <p:spPr>
+          <a:xfrm>
+            <a:off x="898295" y="971253"/>
+            <a:ext cx="801912" cy="1969770"/>
+          </a:xfrm>
+          <a:prstGeom prst="rect">
+            <a:avLst/>
+          </a:prstGeom>
+          <a:noFill/>
+        </p:spPr>
+        <p:txBody>
+          <a:bodyPr wrap="square" rtlCol="0">
+            <a:spAutoFit/>
+          </a:bodyPr>
+          <a:lstStyle>
+            <a:defPPr>
+              <a:defRPr lang="en-US"/>
+            </a:defPPr>
+            <a:lvl1pPr algn="r">
+              <a:defRPr sz="12200" b="0" i="0">
+                <a:solidFill>
+                  <a:schemeClr val="bg2">
+                    <a:lumMod val="40000"/>
+                    <a:lumOff val="60000"/>
+                  </a:schemeClr>
+                </a:solidFill>
+                <a:latin typeface="Arial"/>
+                <a:ea typeface="+mj-ea"/>
+                <a:cs typeface="+mj-cs"/>
+              </a:defRPr>
+            </a:lvl1pPr>
+          </a:lstStyle>
+          <a:p>
+            <a:pPr lvl="0"/>
+            <a:r>
+              <a:rPr lang="en-US" dirty="0"/>
+              <a:t>“</a:t>
+            </a:r>
+          </a:p>
+        </p:txBody>
+      </p:sp>
+      <p:sp>
+        <p:nvSpPr>
+          <p:cNvPr id="15" name="TextBox 14"/>
+          <p:cNvSpPr txBox="1"/>
+          <p:nvPr/>
+        </p:nvSpPr>
+        <p:spPr>
+          <a:xfrm>
+            <a:off x="9330490" y="2613787"/>
+            <a:ext cx="801912" cy="1969770"/>
+          </a:xfrm>
+          <a:prstGeom prst="rect">
+            <a:avLst/>
+          </a:prstGeom>
+          <a:noFill/>
+        </p:spPr>
+        <p:txBody>
+          <a:bodyPr wrap="square" rtlCol="0">
+            <a:spAutoFit/>
+          </a:bodyPr>
+          <a:lstStyle>
+            <a:defPPr>
+              <a:defRPr lang="en-US"/>
+            </a:defPPr>
+            <a:lvl1pPr algn="r">
+              <a:defRPr sz="12200" b="0" i="0">
+                <a:solidFill>
+                  <a:schemeClr val="bg2">
+                    <a:lumMod val="40000"/>
+                    <a:lumOff val="60000"/>
+                  </a:schemeClr>
+                </a:solidFill>
+                <a:latin typeface="Arial"/>
+                <a:ea typeface="+mj-ea"/>
+                <a:cs typeface="+mj-cs"/>
+              </a:defRPr>
+            </a:lvl1pPr>
+          </a:lstStyle>
+          <a:p>
+            <a:pPr lvl="0"/>
+            <a:r>
+              <a:rPr lang="en-US" dirty="0"/>
+              <a:t>”</a:t>
+            </a:r>
+          </a:p>
+        </p:txBody>
+      </p:sp>
+    </p:spTree>
+    <p:extLst>
+      <p:ext uri="{BB962C8B-B14F-4D97-AF65-F5344CB8AC3E}">
+        <p14:creationId xmlns:p14="http://schemas.microsoft.com/office/powerpoint/2010/main" val="2943362226"/>
+      </p:ext>
+    </p:extLst>
+  </p:cSld>
+  <p:clrMapOvr>
+    <a:masterClrMapping/>
+  </p:clrMapOvr>
+</p:sldLayout>
+</file>
+
+<file path=ppt/slideLayouts/slideLayout13.xml><?xml version="1.0" encoding="utf-8"?>
+<p:sldLayout xmlns:a="http://schemas.openxmlformats.org/drawingml/2006/main" xmlns:r="http://schemas.openxmlformats.org/officeDocument/2006/relationships" xmlns:p="http://schemas.openxmlformats.org/presentationml/2006/main" preserve="1">
+  <p:cSld name="Карточка имени">
+    <p:spTree>
+      <p:nvGrpSpPr>
+        <p:cNvPr id="1" name=""/>
+        <p:cNvGrpSpPr/>
+        <p:nvPr/>
+      </p:nvGrpSpPr>
+      <p:grpSpPr>
+        <a:xfrm>
+          <a:off x="0" y="0"/>
+          <a:ext cx="0" cy="0"/>
+          <a:chOff x="0" y="0"/>
+          <a:chExt cx="0" cy="0"/>
+        </a:xfrm>
+      </p:grpSpPr>
+      <p:sp>
+        <p:nvSpPr>
+          <p:cNvPr id="2" name="Title 1"/>
+          <p:cNvSpPr>
+            <a:spLocks noGrp="1"/>
+          </p:cNvSpPr>
+          <p:nvPr>
+            <p:ph type="title"/>
+          </p:nvPr>
+        </p:nvSpPr>
+        <p:spPr>
+          <a:xfrm>
+            <a:off x="1154954" y="3124201"/>
+            <a:ext cx="8825660" cy="1653180"/>
+          </a:xfrm>
+        </p:spPr>
+        <p:txBody>
+          <a:bodyPr anchor="b"/>
+          <a:lstStyle>
+            <a:lvl1pPr algn="l">
+              <a:defRPr sz="4000" b="0" cap="none"/>
+            </a:lvl1pPr>
+          </a:lstStyle>
+          <a:p>
+            <a:r>
+              <a:rPr lang="ru-RU"/>
+              <a:t>Образец заголовка</a:t>
+            </a:r>
+            <a:endParaRPr lang="en-US" dirty="0"/>
+          </a:p>
+        </p:txBody>
+      </p:sp>
+      <p:sp>
+        <p:nvSpPr>
+          <p:cNvPr id="3" name="Text Placeholder 2"/>
+          <p:cNvSpPr>
+            <a:spLocks noGrp="1"/>
+          </p:cNvSpPr>
+          <p:nvPr>
+            <p:ph type="body" idx="1"/>
+          </p:nvPr>
+        </p:nvSpPr>
+        <p:spPr>
+          <a:xfrm>
+            <a:off x="1154954" y="4777381"/>
+            <a:ext cx="8825659" cy="860400"/>
+          </a:xfrm>
+        </p:spPr>
+        <p:txBody>
+          <a:bodyPr anchor="t"/>
+          <a:lstStyle>
+            <a:lvl1pPr marL="0" indent="0" algn="l">
+              <a:buNone/>
+              <a:defRPr sz="2000" cap="none">
+                <a:solidFill>
+                  <a:schemeClr val="bg2">
+                    <a:lumMod val="40000"/>
+                    <a:lumOff val="60000"/>
+                  </a:schemeClr>
+                </a:solidFill>
+              </a:defRPr>
+            </a:lvl1pPr>
+            <a:lvl2pPr marL="457200" indent="0">
+              <a:buNone/>
+              <a:defRPr sz="1800">
+                <a:solidFill>
+                  <a:schemeClr val="tx1">
+                    <a:tint val="75000"/>
+                  </a:schemeClr>
+                </a:solidFill>
+              </a:defRPr>
+            </a:lvl2pPr>
+            <a:lvl3pPr marL="914400" indent="0">
+              <a:buNone/>
+              <a:defRPr sz="1600">
+                <a:solidFill>
+                  <a:schemeClr val="tx1">
+                    <a:tint val="75000"/>
+                  </a:schemeClr>
+                </a:solidFill>
+              </a:defRPr>
+            </a:lvl3pPr>
+            <a:lvl4pPr marL="1371600" indent="0">
+              <a:buNone/>
+              <a:defRPr sz="1400">
+                <a:solidFill>
+                  <a:schemeClr val="tx1">
+                    <a:tint val="75000"/>
+                  </a:schemeClr>
+                </a:solidFill>
+              </a:defRPr>
+            </a:lvl4pPr>
+            <a:lvl5pPr marL="1828800" indent="0">
+              <a:buNone/>
+              <a:defRPr sz="1400">
+                <a:solidFill>
+                  <a:schemeClr val="tx1">
+                    <a:tint val="75000"/>
+                  </a:schemeClr>
+                </a:solidFill>
+              </a:defRPr>
+            </a:lvl5pPr>
+            <a:lvl6pPr marL="2286000" indent="0">
+              <a:buNone/>
+              <a:defRPr sz="1400">
+                <a:solidFill>
+                  <a:schemeClr val="tx1">
+                    <a:tint val="75000"/>
+                  </a:schemeClr>
+                </a:solidFill>
+              </a:defRPr>
+            </a:lvl6pPr>
+            <a:lvl7pPr marL="2743200" indent="0">
+              <a:buNone/>
+              <a:defRPr sz="1400">
+                <a:solidFill>
+                  <a:schemeClr val="tx1">
+                    <a:tint val="75000"/>
+                  </a:schemeClr>
+                </a:solidFill>
+              </a:defRPr>
+            </a:lvl7pPr>
+            <a:lvl8pPr marL="3200400" indent="0">
+              <a:buNone/>
+              <a:defRPr sz="1400">
+                <a:solidFill>
+                  <a:schemeClr val="tx1">
+                    <a:tint val="75000"/>
+                  </a:schemeClr>
+                </a:solidFill>
+              </a:defRPr>
+            </a:lvl8pPr>
+            <a:lvl9pPr marL="3657600" indent="0">
+              <a:buNone/>
+              <a:defRPr sz="1400">
+                <a:solidFill>
+                  <a:schemeClr val="tx1">
+                    <a:tint val="75000"/>
+                  </a:schemeClr>
+                </a:solidFill>
+              </a:defRPr>
+            </a:lvl9pPr>
+          </a:lstStyle>
+          <a:p>
+            <a:pPr lvl="0"/>
+            <a:r>
+              <a:rPr lang="ru-RU"/>
+              <a:t>Образец текста</a:t>
+            </a:r>
+          </a:p>
+        </p:txBody>
+      </p:sp>
+      <p:sp>
+        <p:nvSpPr>
+          <p:cNvPr id="4" name="Date Placeholder 3"/>
+          <p:cNvSpPr>
+            <a:spLocks noGrp="1"/>
+          </p:cNvSpPr>
+          <p:nvPr>
+            <p:ph type="dt" sz="half" idx="10"/>
+          </p:nvPr>
+        </p:nvSpPr>
+        <p:spPr/>
+        <p:txBody>
+          <a:bodyPr/>
+          <a:lstStyle/>
+          <a:p>
+            <a:fld id="{760FBDFE-C587-4B4C-A407-44438C67B59E}" type="datetimeFigureOut">
+              <a:rPr lang="en-US" smtClean="0"/>
+              <a:t>1/28/2025</a:t>
+            </a:fld>
+            <a:endParaRPr lang="en-US" dirty="0"/>
+          </a:p>
+        </p:txBody>
+      </p:sp>
+      <p:sp>
+        <p:nvSpPr>
+          <p:cNvPr id="5" name="Footer Placeholder 4"/>
+          <p:cNvSpPr>
+            <a:spLocks noGrp="1"/>
+          </p:cNvSpPr>
+          <p:nvPr>
+            <p:ph type="ftr" sz="quarter" idx="11"/>
+          </p:nvPr>
+        </p:nvSpPr>
+        <p:spPr/>
+        <p:txBody>
+          <a:bodyPr/>
+          <a:lstStyle/>
+          <a:p>
+            <a:endParaRPr lang="en-US"/>
+          </a:p>
+        </p:txBody>
+      </p:sp>
+      <p:sp>
+        <p:nvSpPr>
+          <p:cNvPr id="6" name="Slide Number Placeholder 5"/>
+          <p:cNvSpPr>
+            <a:spLocks noGrp="1"/>
+          </p:cNvSpPr>
+          <p:nvPr>
+            <p:ph type="sldNum" sz="quarter" idx="12"/>
+          </p:nvPr>
+        </p:nvSpPr>
+        <p:spPr/>
+        <p:txBody>
+          <a:bodyPr/>
+          <a:lstStyle/>
+          <a:p>
+            <a:fld id="{49AE70B2-8BF9-45C0-BB95-33D1B9D3A854}" type="slidenum">
+              <a:rPr lang="en-US" smtClean="0"/>
+              <a:t>‹#›</a:t>
+            </a:fld>
+            <a:endParaRPr lang="en-US" dirty="0"/>
+          </a:p>
+        </p:txBody>
+      </p:sp>
+    </p:spTree>
+    <p:extLst>
+      <p:ext uri="{BB962C8B-B14F-4D97-AF65-F5344CB8AC3E}">
+        <p14:creationId xmlns:p14="http://schemas.microsoft.com/office/powerpoint/2010/main" val="486056564"/>
+      </p:ext>
+    </p:extLst>
+  </p:cSld>
+  <p:clrMapOvr>
+    <a:masterClrMapping/>
+  </p:clrMapOvr>
+</p:sldLayout>
+</file>
+
+<file path=ppt/slideLayouts/slideLayout14.xml><?xml version="1.0" encoding="utf-8"?>
+<p:sldLayout xmlns:a="http://schemas.openxmlformats.org/drawingml/2006/main" xmlns:r="http://schemas.openxmlformats.org/officeDocument/2006/relationships" xmlns:p="http://schemas.openxmlformats.org/presentationml/2006/main" preserve="1">
+  <p:cSld name="Три колонки">
+    <p:spTree>
+      <p:nvGrpSpPr>
+        <p:cNvPr id="1" name=""/>
+        <p:cNvGrpSpPr/>
+        <p:nvPr/>
+      </p:nvGrpSpPr>
+      <p:grpSpPr>
+        <a:xfrm>
+          <a:off x="0" y="0"/>
+          <a:ext cx="0" cy="0"/>
+          <a:chOff x="0" y="0"/>
+          <a:chExt cx="0" cy="0"/>
+        </a:xfrm>
+      </p:grpSpPr>
+      <p:sp>
+        <p:nvSpPr>
+          <p:cNvPr id="2" name="Title 1"/>
+          <p:cNvSpPr>
+            <a:spLocks noGrp="1"/>
+          </p:cNvSpPr>
+          <p:nvPr>
+            <p:ph type="title"/>
+          </p:nvPr>
+        </p:nvSpPr>
+        <p:spPr/>
+        <p:txBody>
+          <a:bodyPr/>
+          <a:lstStyle>
+            <a:lvl1pPr>
+              <a:defRPr sz="4200"/>
+            </a:lvl1pPr>
+          </a:lstStyle>
+          <a:p>
+            <a:r>
+              <a:rPr lang="ru-RU"/>
+              <a:t>Образец заголовка</a:t>
+            </a:r>
+            <a:endParaRPr lang="en-US" dirty="0"/>
+          </a:p>
+        </p:txBody>
+      </p:sp>
+      <p:sp>
+        <p:nvSpPr>
+          <p:cNvPr id="3" name="Text Placeholder 2"/>
+          <p:cNvSpPr>
+            <a:spLocks noGrp="1"/>
+          </p:cNvSpPr>
+          <p:nvPr>
+            <p:ph type="body" idx="1"/>
+          </p:nvPr>
+        </p:nvSpPr>
+        <p:spPr>
+          <a:xfrm>
+            <a:off x="632947" y="1981200"/>
+            <a:ext cx="2946866" cy="576262"/>
+          </a:xfrm>
+        </p:spPr>
+        <p:txBody>
+          <a:bodyPr anchor="b">
+            <a:noAutofit/>
+          </a:bodyPr>
+          <a:lstStyle>
+            <a:lvl1pPr marL="0" indent="0">
+              <a:buNone/>
+              <a:defRPr sz="2400" b="0">
+                <a:solidFill>
+                  <a:schemeClr val="bg2">
+                    <a:lumMod val="40000"/>
+                    <a:lumOff val="60000"/>
+                  </a:schemeClr>
+                </a:solidFill>
+              </a:defRPr>
+            </a:lvl1pPr>
+            <a:lvl2pPr marL="457200" indent="0">
+              <a:buNone/>
+              <a:defRPr sz="2000" b="1"/>
+            </a:lvl2pPr>
+            <a:lvl3pPr marL="914400" indent="0">
+              <a:buNone/>
+              <a:defRPr sz="1800" b="1"/>
+            </a:lvl3pPr>
+            <a:lvl4pPr marL="1371600" indent="0">
+              <a:buNone/>
+              <a:defRPr sz="1600" b="1"/>
+            </a:lvl4pPr>
+            <a:lvl5pPr marL="1828800" indent="0">
+              <a:buNone/>
+              <a:defRPr sz="1600" b="1"/>
+            </a:lvl5pPr>
+            <a:lvl6pPr marL="2286000" indent="0">
+              <a:buNone/>
+              <a:defRPr sz="1600" b="1"/>
+            </a:lvl6pPr>
+            <a:lvl7pPr marL="2743200" indent="0">
+              <a:buNone/>
+              <a:defRPr sz="1600" b="1"/>
+            </a:lvl7pPr>
+            <a:lvl8pPr marL="3200400" indent="0">
+              <a:buNone/>
+              <a:defRPr sz="1600" b="1"/>
+            </a:lvl8pPr>
+            <a:lvl9pPr marL="3657600" indent="0">
+              <a:buNone/>
+              <a:defRPr sz="1600" b="1"/>
+            </a:lvl9pPr>
+          </a:lstStyle>
+          <a:p>
+            <a:pPr lvl="0"/>
+            <a:r>
+              <a:rPr lang="ru-RU"/>
+              <a:t>Образец текста</a:t>
+            </a:r>
+          </a:p>
+        </p:txBody>
+      </p:sp>
+      <p:sp>
+        <p:nvSpPr>
+          <p:cNvPr id="16" name="Text Placeholder 3"/>
+          <p:cNvSpPr>
+            <a:spLocks noGrp="1"/>
+          </p:cNvSpPr>
+          <p:nvPr>
+            <p:ph type="body" sz="half" idx="15"/>
+          </p:nvPr>
+        </p:nvSpPr>
+        <p:spPr>
+          <a:xfrm>
+            <a:off x="652463" y="2667000"/>
+            <a:ext cx="2927350" cy="3589338"/>
+          </a:xfrm>
+        </p:spPr>
+        <p:txBody>
+          <a:bodyPr anchor="t">
+            <a:normAutofit/>
+          </a:bodyPr>
+          <a:lstStyle>
+            <a:lvl1pPr marL="0" indent="0">
+              <a:buNone/>
+              <a:defRPr sz="1400"/>
+            </a:lvl1pPr>
+            <a:lvl2pPr marL="457200" indent="0">
+              <a:buNone/>
+              <a:defRPr sz="1200"/>
+            </a:lvl2pPr>
+            <a:lvl3pPr marL="914400" indent="0">
+              <a:buNone/>
+              <a:defRPr sz="1000"/>
+            </a:lvl3pPr>
+            <a:lvl4pPr marL="1371600" indent="0">
+              <a:buNone/>
+              <a:defRPr sz="900"/>
+            </a:lvl4pPr>
+            <a:lvl5pPr marL="1828800" indent="0">
+              <a:buNone/>
+              <a:defRPr sz="900"/>
+            </a:lvl5pPr>
+            <a:lvl6pPr marL="2286000" indent="0">
+              <a:buNone/>
+              <a:defRPr sz="900"/>
+            </a:lvl6pPr>
+            <a:lvl7pPr marL="2743200" indent="0">
+              <a:buNone/>
+              <a:defRPr sz="900"/>
+            </a:lvl7pPr>
+            <a:lvl8pPr marL="3200400" indent="0">
+              <a:buNone/>
+              <a:defRPr sz="900"/>
+            </a:lvl8pPr>
+            <a:lvl9pPr marL="3657600" indent="0">
+              <a:buNone/>
+              <a:defRPr sz="900"/>
+            </a:lvl9pPr>
+          </a:lstStyle>
+          <a:p>
+            <a:pPr lvl="0"/>
+            <a:r>
+              <a:rPr lang="ru-RU"/>
+              <a:t>Образец текста</a:t>
+            </a:r>
+          </a:p>
+        </p:txBody>
+      </p:sp>
+      <p:sp>
+        <p:nvSpPr>
+          <p:cNvPr id="5" name="Text Placeholder 4"/>
+          <p:cNvSpPr>
+            <a:spLocks noGrp="1"/>
+          </p:cNvSpPr>
+          <p:nvPr>
+            <p:ph type="body" sz="quarter" idx="3"/>
+          </p:nvPr>
+        </p:nvSpPr>
+        <p:spPr>
+          <a:xfrm>
+            <a:off x="3883659" y="1981200"/>
+            <a:ext cx="2936241" cy="576262"/>
+          </a:xfrm>
+        </p:spPr>
+        <p:txBody>
+          <a:bodyPr anchor="b">
+            <a:noAutofit/>
+          </a:bodyPr>
+          <a:lstStyle>
+            <a:lvl1pPr marL="0" indent="0">
+              <a:buNone/>
+              <a:defRPr sz="2400" b="0">
+                <a:solidFill>
+                  <a:schemeClr val="bg2">
+                    <a:lumMod val="40000"/>
+                    <a:lumOff val="60000"/>
+                  </a:schemeClr>
+                </a:solidFill>
+              </a:defRPr>
+            </a:lvl1pPr>
+            <a:lvl2pPr marL="457200" indent="0">
+              <a:buNone/>
+              <a:defRPr sz="2000" b="1"/>
+            </a:lvl2pPr>
+            <a:lvl3pPr marL="914400" indent="0">
+              <a:buNone/>
+              <a:defRPr sz="1800" b="1"/>
+            </a:lvl3pPr>
+            <a:lvl4pPr marL="1371600" indent="0">
+              <a:buNone/>
+              <a:defRPr sz="1600" b="1"/>
+            </a:lvl4pPr>
+            <a:lvl5pPr marL="1828800" indent="0">
+              <a:buNone/>
+              <a:defRPr sz="1600" b="1"/>
+            </a:lvl5pPr>
+            <a:lvl6pPr marL="2286000" indent="0">
+              <a:buNone/>
+              <a:defRPr sz="1600" b="1"/>
+            </a:lvl6pPr>
+            <a:lvl7pPr marL="2743200" indent="0">
+              <a:buNone/>
+              <a:defRPr sz="1600" b="1"/>
+            </a:lvl7pPr>
+            <a:lvl8pPr marL="3200400" indent="0">
+              <a:buNone/>
+              <a:defRPr sz="1600" b="1"/>
+            </a:lvl8pPr>
+            <a:lvl9pPr marL="3657600" indent="0">
+              <a:buNone/>
+              <a:defRPr sz="1600" b="1"/>
+            </a:lvl9pPr>
+          </a:lstStyle>
+          <a:p>
+            <a:pPr lvl="0"/>
+            <a:r>
+              <a:rPr lang="ru-RU"/>
+              <a:t>Образец текста</a:t>
+            </a:r>
+          </a:p>
+        </p:txBody>
+      </p:sp>
+      <p:sp>
+        <p:nvSpPr>
+          <p:cNvPr id="19" name="Text Placeholder 3"/>
+          <p:cNvSpPr>
+            <a:spLocks noGrp="1"/>
+          </p:cNvSpPr>
+          <p:nvPr>
+            <p:ph type="body" sz="half" idx="16"/>
+          </p:nvPr>
+        </p:nvSpPr>
+        <p:spPr>
+          <a:xfrm>
+            <a:off x="3873106" y="2667000"/>
+            <a:ext cx="2946794" cy="3589338"/>
+          </a:xfrm>
+        </p:spPr>
+        <p:txBody>
+          <a:bodyPr anchor="t">
+            <a:normAutofit/>
+          </a:bodyPr>
+          <a:lstStyle>
+            <a:lvl1pPr marL="0" indent="0">
+              <a:buNone/>
+              <a:defRPr sz="1400"/>
+            </a:lvl1pPr>
+            <a:lvl2pPr marL="457200" indent="0">
+              <a:buNone/>
+              <a:defRPr sz="1200"/>
+            </a:lvl2pPr>
+            <a:lvl3pPr marL="914400" indent="0">
+              <a:buNone/>
+              <a:defRPr sz="1000"/>
+            </a:lvl3pPr>
+            <a:lvl4pPr marL="1371600" indent="0">
+              <a:buNone/>
+              <a:defRPr sz="900"/>
+            </a:lvl4pPr>
+            <a:lvl5pPr marL="1828800" indent="0">
+              <a:buNone/>
+              <a:defRPr sz="900"/>
+            </a:lvl5pPr>
+            <a:lvl6pPr marL="2286000" indent="0">
+              <a:buNone/>
+              <a:defRPr sz="900"/>
+            </a:lvl6pPr>
+            <a:lvl7pPr marL="2743200" indent="0">
+              <a:buNone/>
+              <a:defRPr sz="900"/>
+            </a:lvl7pPr>
+            <a:lvl8pPr marL="3200400" indent="0">
+              <a:buNone/>
+              <a:defRPr sz="900"/>
+            </a:lvl8pPr>
+            <a:lvl9pPr marL="3657600" indent="0">
+              <a:buNone/>
+              <a:defRPr sz="900"/>
+            </a:lvl9pPr>
+          </a:lstStyle>
+          <a:p>
+            <a:pPr lvl="0"/>
+            <a:r>
+              <a:rPr lang="ru-RU"/>
+              <a:t>Образец текста</a:t>
+            </a:r>
+          </a:p>
+        </p:txBody>
+      </p:sp>
+      <p:sp>
+        <p:nvSpPr>
+          <p:cNvPr id="14" name="Text Placeholder 4"/>
+          <p:cNvSpPr>
+            <a:spLocks noGrp="1"/>
+          </p:cNvSpPr>
+          <p:nvPr>
+            <p:ph type="body" sz="quarter" idx="13"/>
+          </p:nvPr>
+        </p:nvSpPr>
+        <p:spPr>
+          <a:xfrm>
+            <a:off x="7124700" y="1981200"/>
+            <a:ext cx="2932113" cy="576262"/>
+          </a:xfrm>
+        </p:spPr>
+        <p:txBody>
+          <a:bodyPr anchor="b">
+            <a:noAutofit/>
+          </a:bodyPr>
+          <a:lstStyle>
+            <a:lvl1pPr marL="0" indent="0">
+              <a:buNone/>
+              <a:defRPr sz="2400" b="0">
+                <a:solidFill>
+                  <a:schemeClr val="bg2">
+                    <a:lumMod val="40000"/>
+                    <a:lumOff val="60000"/>
+                  </a:schemeClr>
+                </a:solidFill>
+              </a:defRPr>
+            </a:lvl1pPr>
+            <a:lvl2pPr marL="457200" indent="0">
+              <a:buNone/>
+              <a:defRPr sz="2000" b="1"/>
+            </a:lvl2pPr>
+            <a:lvl3pPr marL="914400" indent="0">
+              <a:buNone/>
+              <a:defRPr sz="1800" b="1"/>
+            </a:lvl3pPr>
+            <a:lvl4pPr marL="1371600" indent="0">
+              <a:buNone/>
+              <a:defRPr sz="1600" b="1"/>
+            </a:lvl4pPr>
+            <a:lvl5pPr marL="1828800" indent="0">
+              <a:buNone/>
+              <a:defRPr sz="1600" b="1"/>
+            </a:lvl5pPr>
+            <a:lvl6pPr marL="2286000" indent="0">
+              <a:buNone/>
+              <a:defRPr sz="1600" b="1"/>
+            </a:lvl6pPr>
+            <a:lvl7pPr marL="2743200" indent="0">
+              <a:buNone/>
+              <a:defRPr sz="1600" b="1"/>
+            </a:lvl7pPr>
+            <a:lvl8pPr marL="3200400" indent="0">
+              <a:buNone/>
+              <a:defRPr sz="1600" b="1"/>
+            </a:lvl8pPr>
+            <a:lvl9pPr marL="3657600" indent="0">
+              <a:buNone/>
+              <a:defRPr sz="1600" b="1"/>
+            </a:lvl9pPr>
+          </a:lstStyle>
+          <a:p>
+            <a:pPr lvl="0"/>
+            <a:r>
+              <a:rPr lang="ru-RU"/>
+              <a:t>Образец текста</a:t>
+            </a:r>
+          </a:p>
+        </p:txBody>
+      </p:sp>
+      <p:sp>
+        <p:nvSpPr>
+          <p:cNvPr id="20" name="Text Placeholder 3"/>
+          <p:cNvSpPr>
+            <a:spLocks noGrp="1"/>
+          </p:cNvSpPr>
+          <p:nvPr>
+            <p:ph type="body" sz="half" idx="17"/>
+          </p:nvPr>
+        </p:nvSpPr>
+        <p:spPr>
+          <a:xfrm>
+            <a:off x="7124700" y="2667000"/>
+            <a:ext cx="2932113" cy="3589338"/>
+          </a:xfrm>
+        </p:spPr>
+        <p:txBody>
+          <a:bodyPr anchor="t">
+            <a:normAutofit/>
+          </a:bodyPr>
+          <a:lstStyle>
+            <a:lvl1pPr marL="0" indent="0">
+              <a:buNone/>
+              <a:defRPr sz="1400"/>
+            </a:lvl1pPr>
+            <a:lvl2pPr marL="457200" indent="0">
+              <a:buNone/>
+              <a:defRPr sz="1200"/>
+            </a:lvl2pPr>
+            <a:lvl3pPr marL="914400" indent="0">
+              <a:buNone/>
+              <a:defRPr sz="1000"/>
+            </a:lvl3pPr>
+            <a:lvl4pPr marL="1371600" indent="0">
+              <a:buNone/>
+              <a:defRPr sz="900"/>
+            </a:lvl4pPr>
+            <a:lvl5pPr marL="1828800" indent="0">
+              <a:buNone/>
+              <a:defRPr sz="900"/>
+            </a:lvl5pPr>
+            <a:lvl6pPr marL="2286000" indent="0">
+              <a:buNone/>
+              <a:defRPr sz="900"/>
+            </a:lvl6pPr>
+            <a:lvl7pPr marL="2743200" indent="0">
+              <a:buNone/>
+              <a:defRPr sz="900"/>
+            </a:lvl7pPr>
+            <a:lvl8pPr marL="3200400" indent="0">
+              <a:buNone/>
+              <a:defRPr sz="900"/>
+            </a:lvl8pPr>
+            <a:lvl9pPr marL="3657600" indent="0">
+              <a:buNone/>
+              <a:defRPr sz="900"/>
+            </a:lvl9pPr>
+          </a:lstStyle>
+          <a:p>
+            <a:pPr lvl="0"/>
+            <a:r>
+              <a:rPr lang="ru-RU"/>
+              <a:t>Образец текста</a:t>
+            </a:r>
+          </a:p>
+        </p:txBody>
+      </p:sp>
+      <p:cxnSp>
+        <p:nvCxnSpPr>
+          <p:cNvPr id="17" name="Straight Connector 16"/>
+          <p:cNvCxnSpPr/>
+          <p:nvPr/>
+        </p:nvCxnSpPr>
+        <p:spPr>
+          <a:xfrm>
+            <a:off x="3726142" y="2133600"/>
+            <a:ext cx="0" cy="3962400"/>
+          </a:xfrm>
+          <a:prstGeom prst="line">
+            <a:avLst/>
+          </a:prstGeom>
+          <a:ln w="12700" cmpd="sng">
+            <a:solidFill>
+              <a:schemeClr val="bg2">
+                <a:lumMod val="40000"/>
+                <a:lumOff val="60000"/>
+                <a:alpha val="40000"/>
+              </a:schemeClr>
+            </a:solidFill>
+          </a:ln>
+        </p:spPr>
+        <p:style>
+          <a:lnRef idx="2">
+            <a:schemeClr val="accent1"/>
+          </a:lnRef>
+          <a:fillRef idx="0">
+            <a:schemeClr val="accent1"/>
+          </a:fillRef>
+          <a:effectRef idx="1">
+            <a:schemeClr val="accent1"/>
+          </a:effectRef>
+          <a:fontRef idx="minor">
+            <a:schemeClr val="tx1"/>
+          </a:fontRef>
+        </p:style>
+      </p:cxnSp>
+      <p:cxnSp>
+        <p:nvCxnSpPr>
+          <p:cNvPr id="18" name="Straight Connector 17"/>
+          <p:cNvCxnSpPr/>
+          <p:nvPr/>
+        </p:nvCxnSpPr>
+        <p:spPr>
+          <a:xfrm>
+            <a:off x="6962227" y="2133600"/>
+            <a:ext cx="0" cy="3966882"/>
+          </a:xfrm>
+          <a:prstGeom prst="line">
+            <a:avLst/>
+          </a:prstGeom>
+          <a:ln w="12700" cmpd="sng">
+            <a:solidFill>
+              <a:schemeClr val="bg2">
+                <a:lumMod val="40000"/>
+                <a:lumOff val="60000"/>
+                <a:alpha val="40000"/>
+              </a:schemeClr>
+            </a:solidFill>
+          </a:ln>
+        </p:spPr>
+        <p:style>
+          <a:lnRef idx="2">
+            <a:schemeClr val="accent1"/>
+          </a:lnRef>
+          <a:fillRef idx="0">
+            <a:schemeClr val="accent1"/>
+          </a:fillRef>
+          <a:effectRef idx="1">
+            <a:schemeClr val="accent1"/>
+          </a:effectRef>
+          <a:fontRef idx="minor">
+            <a:schemeClr val="tx1"/>
+          </a:fontRef>
+        </p:style>
+      </p:cxnSp>
+      <p:sp>
+        <p:nvSpPr>
+          <p:cNvPr id="7" name="Date Placeholder 3"/>
+          <p:cNvSpPr>
+            <a:spLocks noGrp="1"/>
+          </p:cNvSpPr>
+          <p:nvPr>
+            <p:ph type="dt" sz="half" idx="10"/>
+          </p:nvPr>
+        </p:nvSpPr>
+        <p:spPr/>
+        <p:txBody>
+          <a:bodyPr/>
+          <a:lstStyle/>
+          <a:p>
+            <a:fld id="{760FBDFE-C587-4B4C-A407-44438C67B59E}" type="datetimeFigureOut">
+              <a:rPr lang="en-US" smtClean="0"/>
+              <a:t>1/28/2025</a:t>
+            </a:fld>
+            <a:endParaRPr lang="en-US" dirty="0"/>
+          </a:p>
+        </p:txBody>
+      </p:sp>
+      <p:sp>
+        <p:nvSpPr>
+          <p:cNvPr id="4" name="Footer Placeholder 4"/>
+          <p:cNvSpPr>
+            <a:spLocks noGrp="1"/>
+          </p:cNvSpPr>
+          <p:nvPr>
+            <p:ph type="ftr" sz="quarter" idx="11"/>
+          </p:nvPr>
+        </p:nvSpPr>
+        <p:spPr/>
+        <p:txBody>
+          <a:bodyPr/>
+          <a:lstStyle/>
+          <a:p>
+            <a:endParaRPr lang="en-US"/>
+          </a:p>
+        </p:txBody>
+      </p:sp>
+      <p:sp>
+        <p:nvSpPr>
+          <p:cNvPr id="6" name="Slide Number Placeholder 5"/>
+          <p:cNvSpPr>
+            <a:spLocks noGrp="1"/>
+          </p:cNvSpPr>
+          <p:nvPr>
+            <p:ph type="sldNum" sz="quarter" idx="12"/>
+          </p:nvPr>
+        </p:nvSpPr>
+        <p:spPr/>
+        <p:txBody>
+          <a:bodyPr/>
+          <a:lstStyle/>
+          <a:p>
+            <a:fld id="{49AE70B2-8BF9-45C0-BB95-33D1B9D3A854}" type="slidenum">
+              <a:rPr lang="en-US" smtClean="0"/>
+              <a:t>‹#›</a:t>
+            </a:fld>
+            <a:endParaRPr lang="en-US" dirty="0"/>
+          </a:p>
+        </p:txBody>
+      </p:sp>
+    </p:spTree>
+    <p:extLst>
+      <p:ext uri="{BB962C8B-B14F-4D97-AF65-F5344CB8AC3E}">
+        <p14:creationId xmlns:p14="http://schemas.microsoft.com/office/powerpoint/2010/main" val="1284306469"/>
+      </p:ext>
+    </p:extLst>
+  </p:cSld>
+  <p:clrMapOvr>
+    <a:masterClrMapping/>
+  </p:clrMapOvr>
+</p:sldLayout>
+</file>
+
+<file path=ppt/slideLayouts/slideLayout15.xml><?xml version="1.0" encoding="utf-8"?>
+<p:sldLayout xmlns:a="http://schemas.openxmlformats.org/drawingml/2006/main" xmlns:r="http://schemas.openxmlformats.org/officeDocument/2006/relationships" xmlns:p="http://schemas.openxmlformats.org/presentationml/2006/main" preserve="1">
+  <p:cSld name="Столбец с тремя рисунками">
+    <p:spTree>
+      <p:nvGrpSpPr>
+        <p:cNvPr id="1" name=""/>
+        <p:cNvGrpSpPr/>
+        <p:nvPr/>
+      </p:nvGrpSpPr>
+      <p:grpSpPr>
+        <a:xfrm>
+          <a:off x="0" y="0"/>
+          <a:ext cx="0" cy="0"/>
+          <a:chOff x="0" y="0"/>
+          <a:chExt cx="0" cy="0"/>
+        </a:xfrm>
+      </p:grpSpPr>
+      <p:sp>
+        <p:nvSpPr>
+          <p:cNvPr id="2" name="Title 1"/>
+          <p:cNvSpPr>
+            <a:spLocks noGrp="1"/>
+          </p:cNvSpPr>
+          <p:nvPr>
+            <p:ph type="title"/>
+          </p:nvPr>
+        </p:nvSpPr>
+        <p:spPr/>
+        <p:txBody>
+          <a:bodyPr/>
+          <a:lstStyle>
+            <a:lvl1pPr>
+              <a:defRPr sz="4200"/>
+            </a:lvl1pPr>
+          </a:lstStyle>
+          <a:p>
+            <a:r>
+              <a:rPr lang="ru-RU"/>
+              <a:t>Образец заголовка</a:t>
+            </a:r>
+            <a:endParaRPr lang="en-US" dirty="0"/>
+          </a:p>
+        </p:txBody>
+      </p:sp>
+      <p:sp>
+        <p:nvSpPr>
+          <p:cNvPr id="3" name="Text Placeholder 2"/>
+          <p:cNvSpPr>
+            <a:spLocks noGrp="1"/>
+          </p:cNvSpPr>
+          <p:nvPr>
+            <p:ph type="body" idx="1"/>
+          </p:nvPr>
+        </p:nvSpPr>
+        <p:spPr>
+          <a:xfrm>
+            <a:off x="652463" y="4250949"/>
+            <a:ext cx="2940050" cy="576262"/>
+          </a:xfrm>
+        </p:spPr>
+        <p:txBody>
+          <a:bodyPr anchor="b">
+            <a:noAutofit/>
+          </a:bodyPr>
+          <a:lstStyle>
+            <a:lvl1pPr marL="0" indent="0">
+              <a:buNone/>
+              <a:defRPr sz="2400" b="0">
+                <a:solidFill>
+                  <a:schemeClr val="bg2">
+                    <a:lumMod val="40000"/>
+                    <a:lumOff val="60000"/>
+                  </a:schemeClr>
+                </a:solidFill>
+              </a:defRPr>
+            </a:lvl1pPr>
+            <a:lvl2pPr marL="457200" indent="0">
+              <a:buNone/>
+              <a:defRPr sz="2000" b="1"/>
+            </a:lvl2pPr>
+            <a:lvl3pPr marL="914400" indent="0">
+              <a:buNone/>
+              <a:defRPr sz="1800" b="1"/>
+            </a:lvl3pPr>
+            <a:lvl4pPr marL="1371600" indent="0">
+              <a:buNone/>
+              <a:defRPr sz="1600" b="1"/>
+            </a:lvl4pPr>
+            <a:lvl5pPr marL="1828800" indent="0">
+              <a:buNone/>
+              <a:defRPr sz="1600" b="1"/>
+            </a:lvl5pPr>
+            <a:lvl6pPr marL="2286000" indent="0">
+              <a:buNone/>
+              <a:defRPr sz="1600" b="1"/>
+            </a:lvl6pPr>
+            <a:lvl7pPr marL="2743200" indent="0">
+              <a:buNone/>
+              <a:defRPr sz="1600" b="1"/>
+            </a:lvl7pPr>
+            <a:lvl8pPr marL="3200400" indent="0">
+              <a:buNone/>
+              <a:defRPr sz="1600" b="1"/>
+            </a:lvl8pPr>
+            <a:lvl9pPr marL="3657600" indent="0">
+              <a:buNone/>
+              <a:defRPr sz="1600" b="1"/>
+            </a:lvl9pPr>
+          </a:lstStyle>
+          <a:p>
+            <a:pPr lvl="0"/>
+            <a:r>
+              <a:rPr lang="ru-RU"/>
+              <a:t>Образец текста</a:t>
+            </a:r>
+          </a:p>
+        </p:txBody>
+      </p:sp>
+      <p:sp>
+        <p:nvSpPr>
+          <p:cNvPr id="29" name="Picture Placeholder 2"/>
+          <p:cNvSpPr>
+            <a:spLocks noGrp="1" noChangeAspect="1"/>
+          </p:cNvSpPr>
+          <p:nvPr>
+            <p:ph type="pic" idx="15"/>
+          </p:nvPr>
+        </p:nvSpPr>
+        <p:spPr>
+          <a:xfrm>
+            <a:off x="652463" y="2209800"/>
+            <a:ext cx="2940050" cy="1524000"/>
+          </a:xfrm>
+          <a:prstGeom prst="roundRect">
+            <a:avLst>
+              <a:gd name="adj" fmla="val 1858"/>
+            </a:avLst>
+          </a:prstGeom>
+          <a:effectLst>
+            <a:outerShdw blurRad="50800" dist="50800" dir="5400000" algn="tl" rotWithShape="0">
+              <a:srgbClr val="000000">
+                <a:alpha val="43000"/>
+              </a:srgbClr>
+            </a:outerShdw>
+          </a:effectLst>
+        </p:spPr>
+        <p:txBody>
+          <a:bodyPr anchor="t">
+            <a:normAutofit/>
+          </a:bodyPr>
+          <a:lstStyle>
+            <a:lvl1pPr marL="0" indent="0" algn="ctr">
+              <a:buNone/>
+              <a:defRPr sz="1600"/>
+            </a:lvl1pPr>
+            <a:lvl2pPr marL="457200" indent="0">
+              <a:buNone/>
+              <a:defRPr sz="1600"/>
+            </a:lvl2pPr>
+            <a:lvl3pPr marL="914400" indent="0">
+              <a:buNone/>
+              <a:defRPr sz="1600"/>
+            </a:lvl3pPr>
+            <a:lvl4pPr marL="1371600" indent="0">
+              <a:buNone/>
+              <a:defRPr sz="1600"/>
+            </a:lvl4pPr>
+            <a:lvl5pPr marL="1828800" indent="0">
+              <a:buNone/>
+              <a:defRPr sz="1600"/>
+            </a:lvl5pPr>
+            <a:lvl6pPr marL="2286000" indent="0">
+              <a:buNone/>
+              <a:defRPr sz="1600"/>
+            </a:lvl6pPr>
+            <a:lvl7pPr marL="2743200" indent="0">
+              <a:buNone/>
+              <a:defRPr sz="1600"/>
+            </a:lvl7pPr>
+            <a:lvl8pPr marL="3200400" indent="0">
+              <a:buNone/>
+              <a:defRPr sz="1600"/>
+            </a:lvl8pPr>
+            <a:lvl9pPr marL="3657600" indent="0">
+              <a:buNone/>
+              <a:defRPr sz="1600"/>
+            </a:lvl9pPr>
+          </a:lstStyle>
+          <a:p>
+            <a:r>
+              <a:rPr lang="ru-RU"/>
+              <a:t>Вставка рисунка</a:t>
+            </a:r>
+            <a:endParaRPr lang="en-US" dirty="0"/>
+          </a:p>
+        </p:txBody>
+      </p:sp>
+      <p:sp>
+        <p:nvSpPr>
+          <p:cNvPr id="22" name="Text Placeholder 3"/>
+          <p:cNvSpPr>
+            <a:spLocks noGrp="1"/>
+          </p:cNvSpPr>
+          <p:nvPr>
+            <p:ph type="body" sz="half" idx="18"/>
+          </p:nvPr>
+        </p:nvSpPr>
+        <p:spPr>
+          <a:xfrm>
+            <a:off x="652463" y="4827211"/>
+            <a:ext cx="2940050" cy="659189"/>
+          </a:xfrm>
+        </p:spPr>
+        <p:txBody>
+          <a:bodyPr anchor="t">
+            <a:normAutofit/>
+          </a:bodyPr>
+          <a:lstStyle>
+            <a:lvl1pPr marL="0" indent="0">
+              <a:buNone/>
+              <a:defRPr sz="1400"/>
+            </a:lvl1pPr>
+            <a:lvl2pPr marL="457200" indent="0">
+              <a:buNone/>
+              <a:defRPr sz="1200"/>
+            </a:lvl2pPr>
+            <a:lvl3pPr marL="914400" indent="0">
+              <a:buNone/>
+              <a:defRPr sz="1000"/>
+            </a:lvl3pPr>
+            <a:lvl4pPr marL="1371600" indent="0">
+              <a:buNone/>
+              <a:defRPr sz="900"/>
+            </a:lvl4pPr>
+            <a:lvl5pPr marL="1828800" indent="0">
+              <a:buNone/>
+              <a:defRPr sz="900"/>
+            </a:lvl5pPr>
+            <a:lvl6pPr marL="2286000" indent="0">
+              <a:buNone/>
+              <a:defRPr sz="900"/>
+            </a:lvl6pPr>
+            <a:lvl7pPr marL="2743200" indent="0">
+              <a:buNone/>
+              <a:defRPr sz="900"/>
+            </a:lvl7pPr>
+            <a:lvl8pPr marL="3200400" indent="0">
+              <a:buNone/>
+              <a:defRPr sz="900"/>
+            </a:lvl8pPr>
+            <a:lvl9pPr marL="3657600" indent="0">
+              <a:buNone/>
+              <a:defRPr sz="900"/>
+            </a:lvl9pPr>
+          </a:lstStyle>
+          <a:p>
+            <a:pPr lvl="0"/>
+            <a:r>
+              <a:rPr lang="ru-RU"/>
+              <a:t>Образец текста</a:t>
+            </a:r>
+          </a:p>
+        </p:txBody>
+      </p:sp>
+      <p:sp>
+        <p:nvSpPr>
+          <p:cNvPr id="5" name="Text Placeholder 4"/>
+          <p:cNvSpPr>
+            <a:spLocks noGrp="1"/>
+          </p:cNvSpPr>
+          <p:nvPr>
+            <p:ph type="body" sz="quarter" idx="3"/>
+          </p:nvPr>
+        </p:nvSpPr>
+        <p:spPr>
+          <a:xfrm>
+            <a:off x="3889375" y="4250949"/>
+            <a:ext cx="2930525" cy="576262"/>
+          </a:xfrm>
+        </p:spPr>
+        <p:txBody>
+          <a:bodyPr anchor="b">
+            <a:noAutofit/>
+          </a:bodyPr>
+          <a:lstStyle>
+            <a:lvl1pPr marL="0" indent="0">
+              <a:buNone/>
+              <a:defRPr sz="2400" b="0">
+                <a:solidFill>
+                  <a:schemeClr val="bg2">
+                    <a:lumMod val="40000"/>
+                    <a:lumOff val="60000"/>
+                  </a:schemeClr>
+                </a:solidFill>
+              </a:defRPr>
+            </a:lvl1pPr>
+            <a:lvl2pPr marL="457200" indent="0">
+              <a:buNone/>
+              <a:defRPr sz="2000" b="1"/>
+            </a:lvl2pPr>
+            <a:lvl3pPr marL="914400" indent="0">
+              <a:buNone/>
+              <a:defRPr sz="1800" b="1"/>
+            </a:lvl3pPr>
+            <a:lvl4pPr marL="1371600" indent="0">
+              <a:buNone/>
+              <a:defRPr sz="1600" b="1"/>
+            </a:lvl4pPr>
+            <a:lvl5pPr marL="1828800" indent="0">
+              <a:buNone/>
+              <a:defRPr sz="1600" b="1"/>
+            </a:lvl5pPr>
+            <a:lvl6pPr marL="2286000" indent="0">
+              <a:buNone/>
+              <a:defRPr sz="1600" b="1"/>
+            </a:lvl6pPr>
+            <a:lvl7pPr marL="2743200" indent="0">
+              <a:buNone/>
+              <a:defRPr sz="1600" b="1"/>
+            </a:lvl7pPr>
+            <a:lvl8pPr marL="3200400" indent="0">
+              <a:buNone/>
+              <a:defRPr sz="1600" b="1"/>
+            </a:lvl8pPr>
+            <a:lvl9pPr marL="3657600" indent="0">
+              <a:buNone/>
+              <a:defRPr sz="1600" b="1"/>
+            </a:lvl9pPr>
+          </a:lstStyle>
+          <a:p>
+            <a:pPr lvl="0"/>
+            <a:r>
+              <a:rPr lang="ru-RU"/>
+              <a:t>Образец текста</a:t>
+            </a:r>
+          </a:p>
+        </p:txBody>
+      </p:sp>
+      <p:sp>
+        <p:nvSpPr>
+          <p:cNvPr id="30" name="Picture Placeholder 2"/>
+          <p:cNvSpPr>
+            <a:spLocks noGrp="1" noChangeAspect="1"/>
+          </p:cNvSpPr>
+          <p:nvPr>
+            <p:ph type="pic" idx="21"/>
+          </p:nvPr>
+        </p:nvSpPr>
+        <p:spPr>
+          <a:xfrm>
+            <a:off x="3889374" y="2209800"/>
+            <a:ext cx="2930525" cy="1524000"/>
+          </a:xfrm>
+          <a:prstGeom prst="roundRect">
+            <a:avLst>
+              <a:gd name="adj" fmla="val 1858"/>
+            </a:avLst>
+          </a:prstGeom>
+          <a:effectLst>
+            <a:outerShdw blurRad="50800" dist="50800" dir="5400000" algn="tl" rotWithShape="0">
+              <a:srgbClr val="000000">
+                <a:alpha val="43000"/>
+              </a:srgbClr>
+            </a:outerShdw>
+          </a:effectLst>
+        </p:spPr>
+        <p:txBody>
+          <a:bodyPr anchor="t">
+            <a:normAutofit/>
+          </a:bodyPr>
+          <a:lstStyle>
+            <a:lvl1pPr marL="0" indent="0" algn="ctr">
+              <a:buNone/>
+              <a:defRPr sz="1600"/>
+            </a:lvl1pPr>
+            <a:lvl2pPr marL="457200" indent="0">
+              <a:buNone/>
+              <a:defRPr sz="1600"/>
+            </a:lvl2pPr>
+            <a:lvl3pPr marL="914400" indent="0">
+              <a:buNone/>
+              <a:defRPr sz="1600"/>
+            </a:lvl3pPr>
+            <a:lvl4pPr marL="1371600" indent="0">
+              <a:buNone/>
+              <a:defRPr sz="1600"/>
+            </a:lvl4pPr>
+            <a:lvl5pPr marL="1828800" indent="0">
+              <a:buNone/>
+              <a:defRPr sz="1600"/>
+            </a:lvl5pPr>
+            <a:lvl6pPr marL="2286000" indent="0">
+              <a:buNone/>
+              <a:defRPr sz="1600"/>
+            </a:lvl6pPr>
+            <a:lvl7pPr marL="2743200" indent="0">
+              <a:buNone/>
+              <a:defRPr sz="1600"/>
+            </a:lvl7pPr>
+            <a:lvl8pPr marL="3200400" indent="0">
+              <a:buNone/>
+              <a:defRPr sz="1600"/>
+            </a:lvl8pPr>
+            <a:lvl9pPr marL="3657600" indent="0">
+              <a:buNone/>
+              <a:defRPr sz="1600"/>
+            </a:lvl9pPr>
+          </a:lstStyle>
+          <a:p>
+            <a:r>
+              <a:rPr lang="ru-RU"/>
+              <a:t>Вставка рисунка</a:t>
+            </a:r>
+            <a:endParaRPr lang="en-US" dirty="0"/>
+          </a:p>
+        </p:txBody>
+      </p:sp>
+      <p:sp>
+        <p:nvSpPr>
+          <p:cNvPr id="23" name="Text Placeholder 3"/>
+          <p:cNvSpPr>
+            <a:spLocks noGrp="1"/>
+          </p:cNvSpPr>
+          <p:nvPr>
+            <p:ph type="body" sz="half" idx="19"/>
+          </p:nvPr>
+        </p:nvSpPr>
+        <p:spPr>
+          <a:xfrm>
+            <a:off x="3888022" y="4827210"/>
+            <a:ext cx="2934406" cy="659189"/>
+          </a:xfrm>
+        </p:spPr>
+        <p:txBody>
+          <a:bodyPr anchor="t">
+            <a:normAutofit/>
+          </a:bodyPr>
+          <a:lstStyle>
+            <a:lvl1pPr marL="0" indent="0">
+              <a:buNone/>
+              <a:defRPr sz="1400"/>
+            </a:lvl1pPr>
+            <a:lvl2pPr marL="457200" indent="0">
+              <a:buNone/>
+              <a:defRPr sz="1200"/>
+            </a:lvl2pPr>
+            <a:lvl3pPr marL="914400" indent="0">
+              <a:buNone/>
+              <a:defRPr sz="1000"/>
+            </a:lvl3pPr>
+            <a:lvl4pPr marL="1371600" indent="0">
+              <a:buNone/>
+              <a:defRPr sz="900"/>
+            </a:lvl4pPr>
+            <a:lvl5pPr marL="1828800" indent="0">
+              <a:buNone/>
+              <a:defRPr sz="900"/>
+            </a:lvl5pPr>
+            <a:lvl6pPr marL="2286000" indent="0">
+              <a:buNone/>
+              <a:defRPr sz="900"/>
+            </a:lvl6pPr>
+            <a:lvl7pPr marL="2743200" indent="0">
+              <a:buNone/>
+              <a:defRPr sz="900"/>
+            </a:lvl7pPr>
+            <a:lvl8pPr marL="3200400" indent="0">
+              <a:buNone/>
+              <a:defRPr sz="900"/>
+            </a:lvl8pPr>
+            <a:lvl9pPr marL="3657600" indent="0">
+              <a:buNone/>
+              <a:defRPr sz="900"/>
+            </a:lvl9pPr>
+          </a:lstStyle>
+          <a:p>
+            <a:pPr lvl="0"/>
+            <a:r>
+              <a:rPr lang="ru-RU"/>
+              <a:t>Образец текста</a:t>
+            </a:r>
+          </a:p>
+        </p:txBody>
+      </p:sp>
+      <p:sp>
+        <p:nvSpPr>
+          <p:cNvPr id="14" name="Text Placeholder 4"/>
+          <p:cNvSpPr>
+            <a:spLocks noGrp="1"/>
+          </p:cNvSpPr>
+          <p:nvPr>
+            <p:ph type="body" sz="quarter" idx="13"/>
+          </p:nvPr>
+        </p:nvSpPr>
+        <p:spPr>
+          <a:xfrm>
+            <a:off x="7124700" y="4250949"/>
+            <a:ext cx="2932113" cy="576262"/>
+          </a:xfrm>
+        </p:spPr>
+        <p:txBody>
+          <a:bodyPr anchor="b">
+            <a:noAutofit/>
+          </a:bodyPr>
+          <a:lstStyle>
+            <a:lvl1pPr marL="0" indent="0">
+              <a:buNone/>
+              <a:defRPr sz="2400" b="0">
+                <a:solidFill>
+                  <a:schemeClr val="bg2">
+                    <a:lumMod val="40000"/>
+                    <a:lumOff val="60000"/>
+                  </a:schemeClr>
+                </a:solidFill>
+              </a:defRPr>
+            </a:lvl1pPr>
+            <a:lvl2pPr marL="457200" indent="0">
+              <a:buNone/>
+              <a:defRPr sz="2000" b="1"/>
+            </a:lvl2pPr>
+            <a:lvl3pPr marL="914400" indent="0">
+              <a:buNone/>
+              <a:defRPr sz="1800" b="1"/>
+            </a:lvl3pPr>
+            <a:lvl4pPr marL="1371600" indent="0">
+              <a:buNone/>
+              <a:defRPr sz="1600" b="1"/>
+            </a:lvl4pPr>
+            <a:lvl5pPr marL="1828800" indent="0">
+              <a:buNone/>
+              <a:defRPr sz="1600" b="1"/>
+            </a:lvl5pPr>
+            <a:lvl6pPr marL="2286000" indent="0">
+              <a:buNone/>
+              <a:defRPr sz="1600" b="1"/>
+            </a:lvl6pPr>
+            <a:lvl7pPr marL="2743200" indent="0">
+              <a:buNone/>
+              <a:defRPr sz="1600" b="1"/>
+            </a:lvl7pPr>
+            <a:lvl8pPr marL="3200400" indent="0">
+              <a:buNone/>
+              <a:defRPr sz="1600" b="1"/>
+            </a:lvl8pPr>
+            <a:lvl9pPr marL="3657600" indent="0">
+              <a:buNone/>
+              <a:defRPr sz="1600" b="1"/>
+            </a:lvl9pPr>
+          </a:lstStyle>
+          <a:p>
+            <a:pPr lvl="0"/>
+            <a:r>
+              <a:rPr lang="ru-RU"/>
+              <a:t>Образец текста</a:t>
+            </a:r>
+          </a:p>
+        </p:txBody>
+      </p:sp>
+      <p:sp>
+        <p:nvSpPr>
+          <p:cNvPr id="31" name="Picture Placeholder 2"/>
+          <p:cNvSpPr>
+            <a:spLocks noGrp="1" noChangeAspect="1"/>
+          </p:cNvSpPr>
+          <p:nvPr>
+            <p:ph type="pic" idx="22"/>
+          </p:nvPr>
+        </p:nvSpPr>
+        <p:spPr>
+          <a:xfrm>
+            <a:off x="7124699" y="2209800"/>
+            <a:ext cx="2932113" cy="1524000"/>
+          </a:xfrm>
+          <a:prstGeom prst="roundRect">
+            <a:avLst>
+              <a:gd name="adj" fmla="val 1858"/>
+            </a:avLst>
+          </a:prstGeom>
+          <a:effectLst>
+            <a:outerShdw blurRad="50800" dist="50800" dir="5400000" algn="tl" rotWithShape="0">
+              <a:srgbClr val="000000">
+                <a:alpha val="43000"/>
+              </a:srgbClr>
+            </a:outerShdw>
+          </a:effectLst>
+        </p:spPr>
+        <p:txBody>
+          <a:bodyPr anchor="t">
+            <a:normAutofit/>
+          </a:bodyPr>
+          <a:lstStyle>
+            <a:lvl1pPr marL="0" indent="0" algn="ctr">
+              <a:buNone/>
+              <a:defRPr sz="1600"/>
+            </a:lvl1pPr>
+            <a:lvl2pPr marL="457200" indent="0">
+              <a:buNone/>
+              <a:defRPr sz="1600"/>
+            </a:lvl2pPr>
+            <a:lvl3pPr marL="914400" indent="0">
+              <a:buNone/>
+              <a:defRPr sz="1600"/>
+            </a:lvl3pPr>
+            <a:lvl4pPr marL="1371600" indent="0">
+              <a:buNone/>
+              <a:defRPr sz="1600"/>
+            </a:lvl4pPr>
+            <a:lvl5pPr marL="1828800" indent="0">
+              <a:buNone/>
+              <a:defRPr sz="1600"/>
+            </a:lvl5pPr>
+            <a:lvl6pPr marL="2286000" indent="0">
+              <a:buNone/>
+              <a:defRPr sz="1600"/>
+            </a:lvl6pPr>
+            <a:lvl7pPr marL="2743200" indent="0">
+              <a:buNone/>
+              <a:defRPr sz="1600"/>
+            </a:lvl7pPr>
+            <a:lvl8pPr marL="3200400" indent="0">
+              <a:buNone/>
+              <a:defRPr sz="1600"/>
+            </a:lvl8pPr>
+            <a:lvl9pPr marL="3657600" indent="0">
+              <a:buNone/>
+              <a:defRPr sz="1600"/>
+            </a:lvl9pPr>
+          </a:lstStyle>
+          <a:p>
+            <a:r>
+              <a:rPr lang="ru-RU"/>
+              <a:t>Вставка рисунка</a:t>
+            </a:r>
+            <a:endParaRPr lang="en-US" dirty="0"/>
+          </a:p>
+        </p:txBody>
+      </p:sp>
+      <p:sp>
+        <p:nvSpPr>
+          <p:cNvPr id="24" name="Text Placeholder 3"/>
+          <p:cNvSpPr>
+            <a:spLocks noGrp="1"/>
+          </p:cNvSpPr>
+          <p:nvPr>
+            <p:ph type="body" sz="half" idx="20"/>
+          </p:nvPr>
+        </p:nvSpPr>
+        <p:spPr>
+          <a:xfrm>
+            <a:off x="7124575" y="4827208"/>
+            <a:ext cx="2935997" cy="659189"/>
+          </a:xfrm>
+        </p:spPr>
+        <p:txBody>
+          <a:bodyPr anchor="t">
+            <a:normAutofit/>
+          </a:bodyPr>
+          <a:lstStyle>
+            <a:lvl1pPr marL="0" indent="0">
+              <a:buNone/>
+              <a:defRPr sz="1400"/>
+            </a:lvl1pPr>
+            <a:lvl2pPr marL="457200" indent="0">
+              <a:buNone/>
+              <a:defRPr sz="1200"/>
+            </a:lvl2pPr>
+            <a:lvl3pPr marL="914400" indent="0">
+              <a:buNone/>
+              <a:defRPr sz="1000"/>
+            </a:lvl3pPr>
+            <a:lvl4pPr marL="1371600" indent="0">
+              <a:buNone/>
+              <a:defRPr sz="900"/>
+            </a:lvl4pPr>
+            <a:lvl5pPr marL="1828800" indent="0">
+              <a:buNone/>
+              <a:defRPr sz="900"/>
+            </a:lvl5pPr>
+            <a:lvl6pPr marL="2286000" indent="0">
+              <a:buNone/>
+              <a:defRPr sz="900"/>
+            </a:lvl6pPr>
+            <a:lvl7pPr marL="2743200" indent="0">
+              <a:buNone/>
+              <a:defRPr sz="900"/>
+            </a:lvl7pPr>
+            <a:lvl8pPr marL="3200400" indent="0">
+              <a:buNone/>
+              <a:defRPr sz="900"/>
+            </a:lvl8pPr>
+            <a:lvl9pPr marL="3657600" indent="0">
+              <a:buNone/>
+              <a:defRPr sz="900"/>
+            </a:lvl9pPr>
+          </a:lstStyle>
+          <a:p>
+            <a:pPr lvl="0"/>
+            <a:r>
+              <a:rPr lang="ru-RU"/>
+              <a:t>Образец текста</a:t>
+            </a:r>
+          </a:p>
+        </p:txBody>
+      </p:sp>
+      <p:cxnSp>
+        <p:nvCxnSpPr>
+          <p:cNvPr id="19" name="Straight Connector 18"/>
+          <p:cNvCxnSpPr/>
+          <p:nvPr/>
+        </p:nvCxnSpPr>
+        <p:spPr>
+          <a:xfrm>
+            <a:off x="3726142" y="2133600"/>
+            <a:ext cx="0" cy="3962400"/>
+          </a:xfrm>
+          <a:prstGeom prst="line">
+            <a:avLst/>
+          </a:prstGeom>
+          <a:ln w="12700" cmpd="sng">
+            <a:solidFill>
+              <a:schemeClr val="bg2">
+                <a:lumMod val="40000"/>
+                <a:lumOff val="60000"/>
+                <a:alpha val="40000"/>
+              </a:schemeClr>
+            </a:solidFill>
+          </a:ln>
+        </p:spPr>
+        <p:style>
+          <a:lnRef idx="2">
+            <a:schemeClr val="accent1"/>
+          </a:lnRef>
+          <a:fillRef idx="0">
+            <a:schemeClr val="accent1"/>
+          </a:fillRef>
+          <a:effectRef idx="1">
+            <a:schemeClr val="accent1"/>
+          </a:effectRef>
+          <a:fontRef idx="minor">
+            <a:schemeClr val="tx1"/>
+          </a:fontRef>
+        </p:style>
+      </p:cxnSp>
+      <p:cxnSp>
+        <p:nvCxnSpPr>
+          <p:cNvPr id="20" name="Straight Connector 19"/>
+          <p:cNvCxnSpPr/>
+          <p:nvPr/>
+        </p:nvCxnSpPr>
+        <p:spPr>
+          <a:xfrm>
+            <a:off x="6962227" y="2133600"/>
+            <a:ext cx="0" cy="3966882"/>
+          </a:xfrm>
+          <a:prstGeom prst="line">
+            <a:avLst/>
+          </a:prstGeom>
+          <a:ln w="12700" cmpd="sng">
+            <a:solidFill>
+              <a:schemeClr val="bg2">
+                <a:lumMod val="40000"/>
+                <a:lumOff val="60000"/>
+                <a:alpha val="40000"/>
+              </a:schemeClr>
+            </a:solidFill>
+          </a:ln>
+        </p:spPr>
+        <p:style>
+          <a:lnRef idx="2">
+            <a:schemeClr val="accent1"/>
+          </a:lnRef>
+          <a:fillRef idx="0">
+            <a:schemeClr val="accent1"/>
+          </a:fillRef>
+          <a:effectRef idx="1">
+            <a:schemeClr val="accent1"/>
+          </a:effectRef>
+          <a:fontRef idx="minor">
+            <a:schemeClr val="tx1"/>
+          </a:fontRef>
+        </p:style>
+      </p:cxnSp>
+      <p:sp>
+        <p:nvSpPr>
+          <p:cNvPr id="7" name="Date Placeholder 3"/>
+          <p:cNvSpPr>
+            <a:spLocks noGrp="1"/>
+          </p:cNvSpPr>
+          <p:nvPr>
+            <p:ph type="dt" sz="half" idx="10"/>
+          </p:nvPr>
+        </p:nvSpPr>
+        <p:spPr/>
+        <p:txBody>
+          <a:bodyPr/>
+          <a:lstStyle/>
+          <a:p>
+            <a:fld id="{760FBDFE-C587-4B4C-A407-44438C67B59E}" type="datetimeFigureOut">
+              <a:rPr lang="en-US" smtClean="0"/>
+              <a:t>1/28/2025</a:t>
+            </a:fld>
+            <a:endParaRPr lang="en-US" dirty="0"/>
+          </a:p>
+        </p:txBody>
+      </p:sp>
+      <p:sp>
+        <p:nvSpPr>
+          <p:cNvPr id="4" name="Footer Placeholder 4"/>
+          <p:cNvSpPr>
+            <a:spLocks noGrp="1"/>
+          </p:cNvSpPr>
+          <p:nvPr>
+            <p:ph type="ftr" sz="quarter" idx="11"/>
+          </p:nvPr>
+        </p:nvSpPr>
+        <p:spPr/>
+        <p:txBody>
+          <a:bodyPr/>
+          <a:lstStyle/>
+          <a:p>
+            <a:endParaRPr lang="en-US"/>
+          </a:p>
+        </p:txBody>
+      </p:sp>
+      <p:sp>
+        <p:nvSpPr>
+          <p:cNvPr id="6" name="Slide Number Placeholder 5"/>
+          <p:cNvSpPr>
+            <a:spLocks noGrp="1"/>
+          </p:cNvSpPr>
+          <p:nvPr>
+            <p:ph type="sldNum" sz="quarter" idx="12"/>
+          </p:nvPr>
+        </p:nvSpPr>
+        <p:spPr/>
+        <p:txBody>
+          <a:bodyPr/>
+          <a:lstStyle/>
+          <a:p>
+            <a:fld id="{49AE70B2-8BF9-45C0-BB95-33D1B9D3A854}" type="slidenum">
+              <a:rPr lang="en-US" smtClean="0"/>
+              <a:t>‹#›</a:t>
+            </a:fld>
+            <a:endParaRPr lang="en-US" dirty="0"/>
+          </a:p>
+        </p:txBody>
+      </p:sp>
+    </p:spTree>
+    <p:extLst>
+      <p:ext uri="{BB962C8B-B14F-4D97-AF65-F5344CB8AC3E}">
+        <p14:creationId xmlns:p14="http://schemas.microsoft.com/office/powerpoint/2010/main" val="513971507"/>
+      </p:ext>
+    </p:extLst>
+  </p:cSld>
+  <p:clrMapOvr>
+    <a:masterClrMapping/>
+  </p:clrMapOvr>
+</p:sldLayout>
+</file>
+
+<file path=ppt/slideLayouts/slideLayout16.xml><?xml version="1.0" encoding="utf-8"?>
+<p:sldLayout xmlns:a="http://schemas.openxmlformats.org/drawingml/2006/main" xmlns:r="http://schemas.openxmlformats.org/officeDocument/2006/relationships" xmlns:p="http://schemas.openxmlformats.org/presentationml/2006/main" type="vertTx" preserve="1">
+  <p:cSld name="Заголовок и вертикальный текст">
+    <p:spTree>
+      <p:nvGrpSpPr>
+        <p:cNvPr id="1" name=""/>
+        <p:cNvGrpSpPr/>
+        <p:nvPr/>
+      </p:nvGrpSpPr>
+      <p:grpSpPr>
+        <a:xfrm>
+          <a:off x="0" y="0"/>
+          <a:ext cx="0" cy="0"/>
+          <a:chOff x="0" y="0"/>
+          <a:chExt cx="0" cy="0"/>
+        </a:xfrm>
+      </p:grpSpPr>
+      <p:sp>
+        <p:nvSpPr>
+          <p:cNvPr id="2" name="Title 1"/>
+          <p:cNvSpPr>
+            <a:spLocks noGrp="1"/>
+          </p:cNvSpPr>
+          <p:nvPr>
+            <p:ph type="title"/>
+          </p:nvPr>
+        </p:nvSpPr>
+        <p:spPr/>
+        <p:txBody>
+          <a:bodyPr/>
+          <a:lstStyle/>
+          <a:p>
+            <a:r>
+              <a:rPr lang="ru-RU"/>
+              <a:t>Образец заголовка</a:t>
+            </a:r>
+            <a:endParaRPr lang="en-US" dirty="0"/>
+          </a:p>
+        </p:txBody>
+      </p:sp>
+      <p:sp>
+        <p:nvSpPr>
+          <p:cNvPr id="3" name="Vertical Text Placeholder 2"/>
+          <p:cNvSpPr>
+            <a:spLocks noGrp="1"/>
+          </p:cNvSpPr>
+          <p:nvPr>
+            <p:ph type="body" orient="vert" idx="1"/>
+          </p:nvPr>
+        </p:nvSpPr>
+        <p:spPr/>
+        <p:txBody>
+          <a:bodyPr vert="eaVert" anchor="t" anchorCtr="0"/>
+          <a:lstStyle/>
+          <a:p>
+            <a:pPr lvl="0"/>
+            <a:r>
+              <a:rPr lang="ru-RU"/>
+              <a:t>Образец текста</a:t>
+            </a:r>
+          </a:p>
+          <a:p>
+            <a:pPr lvl="1"/>
+            <a:r>
+              <a:rPr lang="ru-RU"/>
+              <a:t>Второй уровень</a:t>
+            </a:r>
+          </a:p>
+          <a:p>
+            <a:pPr lvl="2"/>
+            <a:r>
+              <a:rPr lang="ru-RU"/>
+              <a:t>Третий уровень</a:t>
+            </a:r>
+          </a:p>
+          <a:p>
+            <a:pPr lvl="3"/>
+            <a:r>
+              <a:rPr lang="ru-RU"/>
+              <a:t>Четвертый уровень</a:t>
+            </a:r>
+          </a:p>
+          <a:p>
+            <a:pPr lvl="4"/>
+            <a:r>
+              <a:rPr lang="ru-RU"/>
+              <a:t>Пятый уровень</a:t>
+            </a:r>
+            <a:endParaRPr lang="en-US" dirty="0"/>
+          </a:p>
+        </p:txBody>
+      </p:sp>
+      <p:sp>
+        <p:nvSpPr>
+          <p:cNvPr id="4" name="Date Placeholder 3"/>
+          <p:cNvSpPr>
+            <a:spLocks noGrp="1"/>
+          </p:cNvSpPr>
+          <p:nvPr>
+            <p:ph type="dt" sz="half" idx="10"/>
+          </p:nvPr>
+        </p:nvSpPr>
+        <p:spPr/>
+        <p:txBody>
+          <a:bodyPr/>
+          <a:lstStyle/>
+          <a:p>
+            <a:fld id="{760FBDFE-C587-4B4C-A407-44438C67B59E}" type="datetimeFigureOut">
+              <a:rPr lang="en-US" smtClean="0"/>
+              <a:t>1/28/2025</a:t>
+            </a:fld>
+            <a:endParaRPr lang="en-US" dirty="0"/>
+          </a:p>
+        </p:txBody>
+      </p:sp>
+      <p:sp>
+        <p:nvSpPr>
+          <p:cNvPr id="5" name="Footer Placeholder 4"/>
+          <p:cNvSpPr>
+            <a:spLocks noGrp="1"/>
+          </p:cNvSpPr>
+          <p:nvPr>
+            <p:ph type="ftr" sz="quarter" idx="11"/>
+          </p:nvPr>
+        </p:nvSpPr>
+        <p:spPr/>
+        <p:txBody>
+          <a:bodyPr/>
+          <a:lstStyle/>
+          <a:p>
+            <a:endParaRPr lang="en-US"/>
+          </a:p>
+        </p:txBody>
+      </p:sp>
+      <p:sp>
+        <p:nvSpPr>
+          <p:cNvPr id="6" name="Slide Number Placeholder 5"/>
+          <p:cNvSpPr>
+            <a:spLocks noGrp="1"/>
+          </p:cNvSpPr>
+          <p:nvPr>
+            <p:ph type="sldNum" sz="quarter" idx="12"/>
+          </p:nvPr>
+        </p:nvSpPr>
+        <p:spPr/>
+        <p:txBody>
+          <a:bodyPr/>
+          <a:lstStyle/>
+          <a:p>
+            <a:fld id="{49AE70B2-8BF9-45C0-BB95-33D1B9D3A854}" type="slidenum">
+              <a:rPr lang="en-US" smtClean="0"/>
+              <a:t>‹#›</a:t>
+            </a:fld>
+            <a:endParaRPr lang="en-US" dirty="0"/>
+          </a:p>
+        </p:txBody>
+      </p:sp>
+    </p:spTree>
+    <p:extLst>
+      <p:ext uri="{BB962C8B-B14F-4D97-AF65-F5344CB8AC3E}">
+        <p14:creationId xmlns:p14="http://schemas.microsoft.com/office/powerpoint/2010/main" val="4134792794"/>
+      </p:ext>
+    </p:extLst>
+  </p:cSld>
+  <p:clrMapOvr>
+    <a:masterClrMapping/>
+  </p:clrMapOvr>
+</p:sldLayout>
+</file>
+
+<file path=ppt/slideLayouts/slideLayout17.xml><?xml version="1.0" encoding="utf-8"?>
+<p:sldLayout xmlns:a="http://schemas.openxmlformats.org/drawingml/2006/main" xmlns:r="http://schemas.openxmlformats.org/officeDocument/2006/relationships" xmlns:p="http://schemas.openxmlformats.org/presentationml/2006/main" type="vertTitleAndTx" preserve="1">
+  <p:cSld name="Вертикальный заголовок и текст">
+    <p:spTree>
+      <p:nvGrpSpPr>
+        <p:cNvPr id="1" name=""/>
+        <p:cNvGrpSpPr/>
+        <p:nvPr/>
+      </p:nvGrpSpPr>
+      <p:grpSpPr>
+        <a:xfrm>
+          <a:off x="0" y="0"/>
+          <a:ext cx="0" cy="0"/>
+          <a:chOff x="0" y="0"/>
+          <a:chExt cx="0" cy="0"/>
+        </a:xfrm>
+      </p:grpSpPr>
+      <p:sp>
+        <p:nvSpPr>
+          <p:cNvPr id="2" name="Vertical Title 1"/>
+          <p:cNvSpPr>
+            <a:spLocks noGrp="1"/>
+          </p:cNvSpPr>
+          <p:nvPr>
+            <p:ph type="title" orient="vert"/>
+          </p:nvPr>
+        </p:nvSpPr>
+        <p:spPr>
+          <a:xfrm>
+            <a:off x="8304212" y="430213"/>
+            <a:ext cx="1752601" cy="5826125"/>
+          </a:xfrm>
+        </p:spPr>
+        <p:txBody>
+          <a:bodyPr vert="eaVert" anchor="b" anchorCtr="0"/>
+          <a:lstStyle/>
+          <a:p>
+            <a:r>
+              <a:rPr lang="ru-RU"/>
+              <a:t>Образец заголовка</a:t>
+            </a:r>
+            <a:endParaRPr lang="en-US" dirty="0"/>
+          </a:p>
+        </p:txBody>
+      </p:sp>
+      <p:sp>
+        <p:nvSpPr>
+          <p:cNvPr id="3" name="Vertical Text Placeholder 2"/>
+          <p:cNvSpPr>
+            <a:spLocks noGrp="1"/>
+          </p:cNvSpPr>
+          <p:nvPr>
+            <p:ph type="body" orient="vert" idx="1"/>
+          </p:nvPr>
+        </p:nvSpPr>
+        <p:spPr>
+          <a:xfrm>
+            <a:off x="652463" y="887414"/>
+            <a:ext cx="7423149" cy="5368924"/>
+          </a:xfrm>
+        </p:spPr>
+        <p:txBody>
+          <a:bodyPr vert="eaVert"/>
+          <a:lstStyle/>
+          <a:p>
+            <a:pPr lvl="0"/>
+            <a:r>
+              <a:rPr lang="ru-RU"/>
+              <a:t>Образец текста</a:t>
+            </a:r>
+          </a:p>
+          <a:p>
+            <a:pPr lvl="1"/>
+            <a:r>
+              <a:rPr lang="ru-RU"/>
+              <a:t>Второй уровень</a:t>
+            </a:r>
+          </a:p>
+          <a:p>
+            <a:pPr lvl="2"/>
+            <a:r>
+              <a:rPr lang="ru-RU"/>
+              <a:t>Третий уровень</a:t>
+            </a:r>
+          </a:p>
+          <a:p>
+            <a:pPr lvl="3"/>
+            <a:r>
+              <a:rPr lang="ru-RU"/>
+              <a:t>Четвертый уровень</a:t>
+            </a:r>
+          </a:p>
+          <a:p>
+            <a:pPr lvl="4"/>
+            <a:r>
+              <a:rPr lang="ru-RU"/>
+              <a:t>Пятый уровень</a:t>
+            </a:r>
+            <a:endParaRPr lang="en-US" dirty="0"/>
+          </a:p>
+        </p:txBody>
+      </p:sp>
+      <p:sp>
+        <p:nvSpPr>
+          <p:cNvPr id="4" name="Date Placeholder 3"/>
+          <p:cNvSpPr>
+            <a:spLocks noGrp="1"/>
+          </p:cNvSpPr>
+          <p:nvPr>
+            <p:ph type="dt" sz="half" idx="10"/>
+          </p:nvPr>
+        </p:nvSpPr>
+        <p:spPr/>
+        <p:txBody>
+          <a:bodyPr/>
+          <a:lstStyle/>
+          <a:p>
+            <a:fld id="{760FBDFE-C587-4B4C-A407-44438C67B59E}" type="datetimeFigureOut">
+              <a:rPr lang="en-US" smtClean="0"/>
+              <a:t>1/28/2025</a:t>
+            </a:fld>
+            <a:endParaRPr lang="en-US" dirty="0"/>
+          </a:p>
+        </p:txBody>
+      </p:sp>
+      <p:sp>
+        <p:nvSpPr>
+          <p:cNvPr id="5" name="Footer Placeholder 4"/>
+          <p:cNvSpPr>
+            <a:spLocks noGrp="1"/>
+          </p:cNvSpPr>
+          <p:nvPr>
+            <p:ph type="ftr" sz="quarter" idx="11"/>
+          </p:nvPr>
+        </p:nvSpPr>
+        <p:spPr/>
+        <p:txBody>
+          <a:bodyPr/>
+          <a:lstStyle/>
+          <a:p>
+            <a:endParaRPr lang="en-US"/>
+          </a:p>
+        </p:txBody>
+      </p:sp>
+      <p:sp>
+        <p:nvSpPr>
+          <p:cNvPr id="6" name="Slide Number Placeholder 5"/>
+          <p:cNvSpPr>
+            <a:spLocks noGrp="1"/>
+          </p:cNvSpPr>
+          <p:nvPr>
+            <p:ph type="sldNum" sz="quarter" idx="12"/>
+          </p:nvPr>
+        </p:nvSpPr>
+        <p:spPr/>
+        <p:txBody>
+          <a:bodyPr/>
+          <a:lstStyle/>
+          <a:p>
+            <a:fld id="{49AE70B2-8BF9-45C0-BB95-33D1B9D3A854}" type="slidenum">
+              <a:rPr lang="en-US" smtClean="0"/>
+              <a:t>‹#›</a:t>
+            </a:fld>
+            <a:endParaRPr lang="en-US" dirty="0"/>
+          </a:p>
+        </p:txBody>
+      </p:sp>
+    </p:spTree>
+    <p:extLst>
+      <p:ext uri="{BB962C8B-B14F-4D97-AF65-F5344CB8AC3E}">
+        <p14:creationId xmlns:p14="http://schemas.microsoft.com/office/powerpoint/2010/main" val="3525631930"/>
+      </p:ext>
+    </p:extLst>
+  </p:cSld>
+  <p:clrMapOvr>
+    <a:masterClrMapping/>
+  </p:clrMapOvr>
+</p:sldLayout>
+</file>
+
+<file path=ppt/slideLayouts/slideLayout18.xml><?xml version="1.0" encoding="utf-8"?>
 <p:sldLayout xmlns:a="http://schemas.openxmlformats.org/drawingml/2006/main" xmlns:r="http://schemas.openxmlformats.org/officeDocument/2006/relationships" xmlns:p="http://schemas.openxmlformats.org/presentationml/2006/main" preserve="1" userDrawn="1">
   <p:cSld name="Content">
     <p:spTree>
@@ -877,6 +3834,7 @@
           <a:p>
             <a:fld id="{760FBDFE-C587-4B4C-A407-44438C67B59E}" type="datetimeFigureOut">
               <a:rPr lang="en-US" smtClean="0"/>
+              <a:t>1/28/2025</a:t>
             </a:fld>
             <a:endParaRPr lang="en-US"/>
           </a:p>
@@ -918,6 +3876,7 @@
           <a:p>
             <a:fld id="{49AE70B2-8BF9-45C0-BB95-33D1B9D3A854}" type="slidenum">
               <a:rPr lang="en-US" smtClean="0"/>
+              <a:t>‹#›</a:t>
             </a:fld>
             <a:endParaRPr lang="en-US"/>
           </a:p>
@@ -1004,7 +3963,7 @@
 
 <file path=ppt/slideLayouts/slideLayout2.xml><?xml version="1.0" encoding="utf-8"?>
 <p:sldLayout xmlns:a="http://schemas.openxmlformats.org/drawingml/2006/main" xmlns:r="http://schemas.openxmlformats.org/officeDocument/2006/relationships" xmlns:p="http://schemas.openxmlformats.org/presentationml/2006/main" type="obj" preserve="1">
-  <p:cSld name="Title and Content">
+  <p:cSld name="Заголовок и объект">
     <p:spTree>
       <p:nvGrpSpPr>
         <p:cNvPr id="1" name=""/>
@@ -1029,176 +3988,91 @@
             <p:ph type="title"/>
           </p:nvPr>
         </p:nvSpPr>
-        <p:spPr>
-          <a:xfrm>
-            <a:off x="647700" y="258445"/>
-            <a:ext cx="10515600" cy="1325563"/>
-          </a:xfrm>
-        </p:spPr>
-        <p:txBody>
-          <a:bodyPr anchor="ctr" anchorCtr="0">
-            <a:normAutofit/>
-          </a:bodyPr>
-          <a:lstStyle>
-            <a:lvl1pPr>
-              <a:defRPr sz="4400" b="1">
-                <a:effectLst/>
-                <a:latin typeface="Calibri Light" panose="020F0302020204030204" pitchFamily="34" charset="0"/>
-              </a:defRPr>
-            </a:lvl1pPr>
-          </a:lstStyle>
-          <a:p>
-            <a:r>
-              <a:rPr lang="en-US" dirty="0" smtClean="0"/>
-              <a:t>Click to edit Master title style</a:t>
-            </a:r>
-            <a:endParaRPr lang="en-US" dirty="0"/>
-          </a:p>
-        </p:txBody>
-      </p:sp>
-      <p:sp>
-        <p:nvSpPr>
-          <p:cNvPr id="3" name="Content Placeholder 2"/>
-          <p:cNvSpPr>
-            <a:spLocks noGrp="1"/>
-          </p:cNvSpPr>
-          <p:nvPr>
-            <p:ph idx="1"/>
-          </p:nvPr>
-        </p:nvSpPr>
-        <p:spPr>
-          <a:xfrm>
-            <a:off x="647700" y="1825625"/>
-            <a:ext cx="10515600" cy="4351338"/>
-          </a:xfrm>
-        </p:spPr>
-        <p:txBody>
-          <a:bodyPr>
-            <a:normAutofit/>
-          </a:bodyPr>
-          <a:lstStyle>
-            <a:lvl1pPr>
-              <a:defRPr sz="2800">
-                <a:solidFill>
-                  <a:schemeClr val="tx1">
-                    <a:lumMod val="75000"/>
-                    <a:lumOff val="25000"/>
-                  </a:schemeClr>
-                </a:solidFill>
-                <a:latin typeface="Calibri Light" panose="020F0302020204030204" pitchFamily="34" charset="0"/>
-                <a:cs typeface="Calibri Light" panose="020F0302020204030204" pitchFamily="34" charset="0"/>
-              </a:defRPr>
-            </a:lvl1pPr>
-            <a:lvl2pPr>
-              <a:defRPr sz="2400">
-                <a:solidFill>
-                  <a:schemeClr val="tx1">
-                    <a:lumMod val="75000"/>
-                    <a:lumOff val="25000"/>
-                  </a:schemeClr>
-                </a:solidFill>
-                <a:latin typeface="Calibri Light" panose="020F0302020204030204" pitchFamily="34" charset="0"/>
-                <a:cs typeface="Calibri Light" panose="020F0302020204030204" pitchFamily="34" charset="0"/>
-              </a:defRPr>
-            </a:lvl2pPr>
-            <a:lvl3pPr>
-              <a:defRPr sz="2000">
-                <a:solidFill>
-                  <a:schemeClr val="tx1">
-                    <a:lumMod val="75000"/>
-                    <a:lumOff val="25000"/>
-                  </a:schemeClr>
-                </a:solidFill>
-                <a:latin typeface="Calibri Light" panose="020F0302020204030204" pitchFamily="34" charset="0"/>
-                <a:cs typeface="Calibri Light" panose="020F0302020204030204" pitchFamily="34" charset="0"/>
-              </a:defRPr>
-            </a:lvl3pPr>
-            <a:lvl4pPr>
-              <a:defRPr sz="1800">
-                <a:solidFill>
-                  <a:schemeClr val="tx1">
-                    <a:lumMod val="75000"/>
-                    <a:lumOff val="25000"/>
-                  </a:schemeClr>
-                </a:solidFill>
-                <a:latin typeface="Calibri Light" panose="020F0302020204030204" pitchFamily="34" charset="0"/>
-                <a:cs typeface="Calibri Light" panose="020F0302020204030204" pitchFamily="34" charset="0"/>
-              </a:defRPr>
-            </a:lvl4pPr>
-            <a:lvl5pPr>
-              <a:defRPr sz="1800">
-                <a:solidFill>
-                  <a:schemeClr val="tx1">
-                    <a:lumMod val="75000"/>
-                    <a:lumOff val="25000"/>
-                  </a:schemeClr>
-                </a:solidFill>
-                <a:latin typeface="Calibri Light" panose="020F0302020204030204" pitchFamily="34" charset="0"/>
-                <a:cs typeface="Calibri Light" panose="020F0302020204030204" pitchFamily="34" charset="0"/>
-              </a:defRPr>
-            </a:lvl5pPr>
-          </a:lstStyle>
-          <a:p>
-            <a:pPr lvl="0"/>
-            <a:r>
-              <a:rPr lang="en-US" dirty="0" smtClean="0"/>
-              <a:t>Click to edit Master text styles</a:t>
-            </a:r>
-            <a:endParaRPr lang="en-US" dirty="0" smtClean="0"/>
-          </a:p>
-          <a:p>
-            <a:pPr lvl="1"/>
-            <a:r>
-              <a:rPr lang="en-US" dirty="0"/>
-              <a:t>Second level </a:t>
-            </a:r>
-            <a:endParaRPr lang="en-US" dirty="0"/>
-          </a:p>
-          <a:p>
-            <a:pPr lvl="2"/>
-            <a:r>
-              <a:rPr lang="en-US" dirty="0"/>
-              <a:t>Third level</a:t>
-            </a:r>
-            <a:endParaRPr lang="en-US" dirty="0"/>
-          </a:p>
-          <a:p>
-            <a:pPr lvl="3"/>
-            <a:r>
-              <a:rPr lang="en-US" dirty="0"/>
-              <a:t>Fourth level</a:t>
-            </a:r>
-            <a:endParaRPr lang="en-US" dirty="0"/>
-          </a:p>
-          <a:p>
-            <a:pPr lvl="4"/>
-            <a:r>
-              <a:rPr lang="en-US" dirty="0"/>
-              <a:t>Fifth level</a:t>
-            </a:r>
-            <a:endParaRPr lang="en-US" dirty="0"/>
-          </a:p>
-        </p:txBody>
-      </p:sp>
-      <p:sp>
-        <p:nvSpPr>
-          <p:cNvPr id="4" name="Date Placeholder 3"/>
-          <p:cNvSpPr>
-            <a:spLocks noGrp="1"/>
-          </p:cNvSpPr>
-          <p:nvPr>
-            <p:ph type="dt" sz="half" idx="10"/>
-          </p:nvPr>
-        </p:nvSpPr>
         <p:spPr/>
         <p:txBody>
           <a:bodyPr/>
           <a:lstStyle/>
           <a:p>
+            <a:r>
+              <a:rPr lang="ru-RU"/>
+              <a:t>Образец заголовка</a:t>
+            </a:r>
+            <a:endParaRPr lang="en-US" dirty="0"/>
+          </a:p>
+        </p:txBody>
+      </p:sp>
+      <p:sp>
+        <p:nvSpPr>
+          <p:cNvPr id="3" name="Content Placeholder 2"/>
+          <p:cNvSpPr>
+            <a:spLocks noGrp="1"/>
+          </p:cNvSpPr>
+          <p:nvPr>
+            <p:ph idx="1"/>
+          </p:nvPr>
+        </p:nvSpPr>
+        <p:spPr/>
+        <p:txBody>
+          <a:bodyPr/>
+          <a:lstStyle/>
+          <a:p>
+            <a:pPr lvl="0"/>
+            <a:r>
+              <a:rPr lang="ru-RU"/>
+              <a:t>Образец текста</a:t>
+            </a:r>
+          </a:p>
+          <a:p>
+            <a:pPr lvl="1"/>
+            <a:r>
+              <a:rPr lang="ru-RU"/>
+              <a:t>Второй уровень</a:t>
+            </a:r>
+          </a:p>
+          <a:p>
+            <a:pPr lvl="2"/>
+            <a:r>
+              <a:rPr lang="ru-RU"/>
+              <a:t>Третий уровень</a:t>
+            </a:r>
+          </a:p>
+          <a:p>
+            <a:pPr lvl="3"/>
+            <a:r>
+              <a:rPr lang="ru-RU"/>
+              <a:t>Четвертый уровень</a:t>
+            </a:r>
+          </a:p>
+          <a:p>
+            <a:pPr lvl="4"/>
+            <a:r>
+              <a:rPr lang="ru-RU"/>
+              <a:t>Пятый уровень</a:t>
+            </a:r>
+            <a:endParaRPr lang="en-US" dirty="0"/>
+          </a:p>
+        </p:txBody>
+      </p:sp>
+      <p:sp>
+        <p:nvSpPr>
+          <p:cNvPr id="7" name="Date Placeholder 3"/>
+          <p:cNvSpPr>
+            <a:spLocks noGrp="1"/>
+          </p:cNvSpPr>
+          <p:nvPr>
+            <p:ph type="dt" sz="half" idx="10"/>
+          </p:nvPr>
+        </p:nvSpPr>
+        <p:spPr/>
+        <p:txBody>
+          <a:bodyPr/>
+          <a:lstStyle/>
+          <a:p>
             <a:fld id="{760FBDFE-C587-4B4C-A407-44438C67B59E}" type="datetimeFigureOut">
               <a:rPr lang="en-US" smtClean="0"/>
+              <a:t>1/28/2025</a:t>
             </a:fld>
-            <a:endParaRPr lang="en-US"/>
+            <a:endParaRPr lang="en-US" dirty="0"/>
           </a:p>
         </p:txBody>
       </p:sp>
@@ -1223,7 +4097,7 @@
       </p:sp>
       <p:sp>
         <p:nvSpPr>
-          <p:cNvPr id="6" name="Slide Number Placeholder  5"/>
+          <p:cNvPr id="6" name="Slide Number Placeholder 5"/>
           <p:cNvSpPr>
             <a:spLocks noGrp="1"/>
           </p:cNvSpPr>
@@ -1238,12 +4112,18 @@
           <a:p>
             <a:fld id="{49AE70B2-8BF9-45C0-BB95-33D1B9D3A854}" type="slidenum">
               <a:rPr lang="en-US" smtClean="0"/>
+              <a:t>‹#›</a:t>
             </a:fld>
-            <a:endParaRPr lang="en-US"/>
+            <a:endParaRPr lang="en-US" dirty="0"/>
           </a:p>
         </p:txBody>
       </p:sp>
     </p:spTree>
+    <p:extLst>
+      <p:ext uri="{BB962C8B-B14F-4D97-AF65-F5344CB8AC3E}">
+        <p14:creationId xmlns:p14="http://schemas.microsoft.com/office/powerpoint/2010/main" val="1397014484"/>
+      </p:ext>
+    </p:extLst>
   </p:cSld>
   <p:clrMapOvr>
     <a:masterClrMapping/>
@@ -1253,7 +4133,7 @@
 
 <file path=ppt/slideLayouts/slideLayout3.xml><?xml version="1.0" encoding="utf-8"?>
 <p:sldLayout xmlns:a="http://schemas.openxmlformats.org/drawingml/2006/main" xmlns:r="http://schemas.openxmlformats.org/officeDocument/2006/relationships" xmlns:p="http://schemas.openxmlformats.org/presentationml/2006/main" type="secHead" preserve="1">
-  <p:cSld name="Section Header">
+  <p:cSld name="Заголовок раздела">
     <p:spTree>
       <p:nvGrpSpPr>
         <p:cNvPr id="1" name=""/>
@@ -1280,31 +4160,23 @@
         </p:nvSpPr>
         <p:spPr>
           <a:xfrm>
-            <a:off x="831850" y="3750945"/>
-            <a:ext cx="9843135" cy="811530"/>
+            <a:off x="1154956" y="2861733"/>
+            <a:ext cx="8825657" cy="1915647"/>
           </a:xfrm>
         </p:spPr>
         <p:txBody>
-          <a:bodyPr anchor="b">
-            <a:noAutofit/>
-          </a:bodyPr>
+          <a:bodyPr anchor="b"/>
           <a:lstStyle>
-            <a:lvl1pPr>
-              <a:defRPr sz="6000">
-                <a:effectLst/>
-              </a:defRPr>
+            <a:lvl1pPr algn="l">
+              <a:defRPr sz="4000" b="0" cap="none"/>
             </a:lvl1pPr>
           </a:lstStyle>
           <a:p>
             <a:r>
-              <a:rPr lang="en-US" dirty="0" smtClean="0">
-                <a:sym typeface="+mn-ea"/>
-              </a:rPr>
-              <a:t>Click to edit Master title style</a:t>
-            </a:r>
-            <a:endParaRPr lang="en-US" dirty="0" smtClean="0">
-              <a:sym typeface="+mn-ea"/>
-            </a:endParaRPr>
+              <a:rPr lang="ru-RU"/>
+              <a:t>Образец заголовка</a:t>
+            </a:r>
+            <a:endParaRPr lang="en-US" dirty="0"/>
           </a:p>
         </p:txBody>
       </p:sp>
@@ -1320,28 +4192,27 @@
         </p:nvSpPr>
         <p:spPr>
           <a:xfrm>
-            <a:off x="831850" y="4610028"/>
-            <a:ext cx="7321550" cy="647555"/>
+            <a:off x="1154955" y="4777381"/>
+            <a:ext cx="8825658" cy="860400"/>
           </a:xfrm>
         </p:spPr>
         <p:txBody>
-          <a:bodyPr>
-            <a:noAutofit/>
-          </a:bodyPr>
+          <a:bodyPr anchor="t"/>
           <a:lstStyle>
-            <a:lvl1pPr marL="0" indent="0">
-              <a:buNone/>
-              <a:defRPr sz="2400">
+            <a:lvl1pPr marL="0" indent="0" algn="l">
+              <a:buNone/>
+              <a:defRPr sz="2000" cap="all">
                 <a:solidFill>
-                  <a:schemeClr val="bg1">
-                    <a:lumMod val="50000"/>
+                  <a:schemeClr val="bg2">
+                    <a:lumMod val="40000"/>
+                    <a:lumOff val="60000"/>
                   </a:schemeClr>
                 </a:solidFill>
               </a:defRPr>
             </a:lvl1pPr>
             <a:lvl2pPr marL="457200" indent="0">
               <a:buNone/>
-              <a:defRPr sz="2000">
+              <a:defRPr sz="1800">
                 <a:solidFill>
                   <a:schemeClr val="tx1">
                     <a:tint val="75000"/>
@@ -1351,7 +4222,7 @@
             </a:lvl2pPr>
             <a:lvl3pPr marL="914400" indent="0">
               <a:buNone/>
-              <a:defRPr sz="1800">
+              <a:defRPr sz="1600">
                 <a:solidFill>
                   <a:schemeClr val="tx1">
                     <a:tint val="75000"/>
@@ -1361,7 +4232,7 @@
             </a:lvl3pPr>
             <a:lvl4pPr marL="1371600" indent="0">
               <a:buNone/>
-              <a:defRPr sz="1600">
+              <a:defRPr sz="1400">
                 <a:solidFill>
                   <a:schemeClr val="tx1">
                     <a:tint val="75000"/>
@@ -1371,7 +4242,7 @@
             </a:lvl4pPr>
             <a:lvl5pPr marL="1828800" indent="0">
               <a:buNone/>
-              <a:defRPr sz="1600">
+              <a:defRPr sz="1400">
                 <a:solidFill>
                   <a:schemeClr val="tx1">
                     <a:tint val="75000"/>
@@ -1381,7 +4252,7 @@
             </a:lvl5pPr>
             <a:lvl6pPr marL="2286000" indent="0">
               <a:buNone/>
-              <a:defRPr sz="1600">
+              <a:defRPr sz="1400">
                 <a:solidFill>
                   <a:schemeClr val="tx1">
                     <a:tint val="75000"/>
@@ -1391,7 +4262,7 @@
             </a:lvl6pPr>
             <a:lvl7pPr marL="2743200" indent="0">
               <a:buNone/>
-              <a:defRPr sz="1600">
+              <a:defRPr sz="1400">
                 <a:solidFill>
                   <a:schemeClr val="tx1">
                     <a:tint val="75000"/>
@@ -1401,7 +4272,7 @@
             </a:lvl7pPr>
             <a:lvl8pPr marL="3200400" indent="0">
               <a:buNone/>
-              <a:defRPr sz="1600">
+              <a:defRPr sz="1400">
                 <a:solidFill>
                   <a:schemeClr val="tx1">
                     <a:tint val="75000"/>
@@ -1411,7 +4282,7 @@
             </a:lvl8pPr>
             <a:lvl9pPr marL="3657600" indent="0">
               <a:buNone/>
-              <a:defRPr sz="1600">
+              <a:defRPr sz="1400">
                 <a:solidFill>
                   <a:schemeClr val="tx1">
                     <a:tint val="75000"/>
@@ -1423,16 +4294,15 @@
           <a:p>
             <a:pPr lvl="0"/>
             <a:r>
-              <a:rPr lang="en-US" dirty="0"/>
-              <a:t>Click to edit Master text styles</a:t>
-            </a:r>
-            <a:endParaRPr lang="en-US" dirty="0"/>
-          </a:p>
-        </p:txBody>
-      </p:sp>
-      <p:sp>
-        <p:nvSpPr>
-          <p:cNvPr id="4" name="Slide Number Placeholder 3"/>
+              <a:rPr lang="ru-RU"/>
+              <a:t>Образец текста</a:t>
+            </a:r>
+          </a:p>
+        </p:txBody>
+      </p:sp>
+      <p:sp>
+        <p:nvSpPr>
+          <p:cNvPr id="4" name="Date Placeholder 3"/>
           <p:cNvSpPr>
             <a:spLocks noGrp="1"/>
           </p:cNvSpPr>
@@ -1447,8 +4317,9 @@
           <a:p>
             <a:fld id="{760FBDFE-C587-4B4C-A407-44438C67B59E}" type="datetimeFigureOut">
               <a:rPr lang="en-US" smtClean="0"/>
+              <a:t>1/28/2025</a:t>
             </a:fld>
-            <a:endParaRPr lang="en-US"/>
+            <a:endParaRPr lang="en-US" dirty="0"/>
           </a:p>
         </p:txBody>
       </p:sp>
@@ -1488,12 +4359,18 @@
           <a:p>
             <a:fld id="{49AE70B2-8BF9-45C0-BB95-33D1B9D3A854}" type="slidenum">
               <a:rPr lang="en-US" smtClean="0"/>
+              <a:t>‹#›</a:t>
             </a:fld>
-            <a:endParaRPr lang="en-US"/>
+            <a:endParaRPr lang="en-US" dirty="0"/>
           </a:p>
         </p:txBody>
       </p:sp>
     </p:spTree>
+    <p:extLst>
+      <p:ext uri="{BB962C8B-B14F-4D97-AF65-F5344CB8AC3E}">
+        <p14:creationId xmlns:p14="http://schemas.microsoft.com/office/powerpoint/2010/main" val="3572274848"/>
+      </p:ext>
+    </p:extLst>
   </p:cSld>
   <p:clrMapOvr>
     <a:masterClrMapping/>
@@ -1503,7 +4380,7 @@
 
 <file path=ppt/slideLayouts/slideLayout4.xml><?xml version="1.0" encoding="utf-8"?>
 <p:sldLayout xmlns:a="http://schemas.openxmlformats.org/drawingml/2006/main" xmlns:r="http://schemas.openxmlformats.org/officeDocument/2006/relationships" xmlns:p="http://schemas.openxmlformats.org/presentationml/2006/main" type="twoObj" preserve="1">
-  <p:cSld name="Two Content">
+  <p:cSld name="Два объекта">
     <p:spTree>
       <p:nvGrpSpPr>
         <p:cNvPr id="1" name=""/>
@@ -1528,10 +4405,33 @@
             <p:ph type="title"/>
           </p:nvPr>
         </p:nvSpPr>
+        <p:spPr/>
+        <p:txBody>
+          <a:bodyPr/>
+          <a:lstStyle/>
+          <a:p>
+            <a:r>
+              <a:rPr lang="ru-RU"/>
+              <a:t>Образец заголовка</a:t>
+            </a:r>
+            <a:endParaRPr lang="en-US" dirty="0"/>
+          </a:p>
+        </p:txBody>
+      </p:sp>
+      <p:sp>
+        <p:nvSpPr>
+          <p:cNvPr id="3" name="Content Placeholder 2"/>
+          <p:cNvSpPr>
+            <a:spLocks noGrp="1"/>
+          </p:cNvSpPr>
+          <p:nvPr>
+            <p:ph sz="half" idx="1"/>
+          </p:nvPr>
+        </p:nvSpPr>
         <p:spPr>
           <a:xfrm>
-            <a:off x="647700" y="258445"/>
-            <a:ext cx="10515600" cy="1325563"/>
+            <a:off x="1103312" y="2060575"/>
+            <a:ext cx="4396339" cy="4195763"/>
           </a:xfrm>
         </p:spPr>
         <p:txBody>
@@ -1540,17 +4440,66 @@
           </a:bodyPr>
           <a:lstStyle>
             <a:lvl1pPr>
-              <a:defRPr sz="4400" b="0" i="0">
-                <a:effectLst/>
-              </a:defRPr>
+              <a:defRPr sz="1800"/>
             </a:lvl1pPr>
+            <a:lvl2pPr>
+              <a:defRPr sz="1600"/>
+            </a:lvl2pPr>
+            <a:lvl3pPr>
+              <a:defRPr sz="1400"/>
+            </a:lvl3pPr>
+            <a:lvl4pPr>
+              <a:defRPr sz="1200"/>
+            </a:lvl4pPr>
+            <a:lvl5pPr>
+              <a:defRPr sz="1200"/>
+            </a:lvl5pPr>
+            <a:lvl6pPr>
+              <a:defRPr sz="1200"/>
+            </a:lvl6pPr>
+            <a:lvl7pPr>
+              <a:defRPr sz="1200"/>
+            </a:lvl7pPr>
+            <a:lvl8pPr>
+              <a:defRPr sz="1200"/>
+            </a:lvl8pPr>
+            <a:lvl9pPr>
+              <a:defRPr sz="1200"/>
+            </a:lvl9pPr>
           </a:lstStyle>
           <a:p>
-            <a:r>
-              <a:rPr lang="en-US" dirty="0" smtClean="0">
-                <a:sym typeface="+mn-ea"/>
-              </a:rPr>
-              <a:t>Click to edit Master title style</a:t>
+            <a:pPr lvl="0"/>
+            <a:r>
+              <a:rPr lang="ru-RU"/>
+              <a:t>Образец текста</a:t>
+            </a:r>
+          </a:p>
+          <a:p>
+            <a:pPr lvl="1"/>
+            <a:r>
+              <a:rPr lang="ru-RU"/>
+              <a:t>Второй уровень</a:t>
+            </a:r>
+          </a:p>
+          <a:p>
+            <a:pPr lvl="2"/>
+            <a:r>
+              <a:rPr lang="ru-RU"/>
+              <a:t>Третий уровень</a:t>
+            </a:r>
+          </a:p>
+          <a:p>
+            <a:pPr lvl="3"/>
+            <a:r>
+              <a:rPr lang="ru-RU"/>
+              <a:t>Четвертый уровень</a:t>
+            </a:r>
+          </a:p>
+          <a:p>
+            <a:pPr lvl="4"/>
+            <a:r>
+              <a:rPr lang="ru-RU"/>
+              <a:t>Пятый уровень</a:t>
             </a:r>
             <a:endParaRPr lang="en-US" dirty="0"/>
           </a:p>
@@ -1558,18 +4507,18 @@
       </p:sp>
       <p:sp>
         <p:nvSpPr>
-          <p:cNvPr id="3" name="Content Placeholder 2"/>
-          <p:cNvSpPr>
-            <a:spLocks noGrp="1"/>
-          </p:cNvSpPr>
-          <p:nvPr>
-            <p:ph sz="half" idx="1"/>
+          <p:cNvPr id="4" name="Content Placeholder 3"/>
+          <p:cNvSpPr>
+            <a:spLocks noGrp="1"/>
+          </p:cNvSpPr>
+          <p:nvPr>
+            <p:ph sz="half" idx="2"/>
           </p:nvPr>
         </p:nvSpPr>
         <p:spPr>
           <a:xfrm>
-            <a:off x="647700" y="1825625"/>
-            <a:ext cx="5181600" cy="4351338"/>
+            <a:off x="5654493" y="2056092"/>
+            <a:ext cx="4396341" cy="4200245"/>
           </a:xfrm>
         </p:spPr>
         <p:txBody>
@@ -1578,258 +4527,66 @@
           </a:bodyPr>
           <a:lstStyle>
             <a:lvl1pPr>
-              <a:lnSpc>
-                <a:spcPct val="150000"/>
-              </a:lnSpc>
-              <a:defRPr sz="2800">
-                <a:solidFill>
-                  <a:schemeClr val="tx1">
-                    <a:lumMod val="75000"/>
-                    <a:lumOff val="25000"/>
-                  </a:schemeClr>
-                </a:solidFill>
-                <a:latin typeface="Calibri Light" panose="020F0302020204030204" pitchFamily="34" charset="0"/>
-                <a:cs typeface="Calibri Light" panose="020F0302020204030204" pitchFamily="34" charset="0"/>
-              </a:defRPr>
+              <a:defRPr sz="1800"/>
             </a:lvl1pPr>
             <a:lvl2pPr>
-              <a:lnSpc>
-                <a:spcPct val="150000"/>
-              </a:lnSpc>
-              <a:defRPr sz="2400">
-                <a:solidFill>
-                  <a:schemeClr val="tx1">
-                    <a:lumMod val="75000"/>
-                    <a:lumOff val="25000"/>
-                  </a:schemeClr>
-                </a:solidFill>
-                <a:latin typeface="Calibri Light" panose="020F0302020204030204" pitchFamily="34" charset="0"/>
-                <a:cs typeface="Calibri Light" panose="020F0302020204030204" pitchFamily="34" charset="0"/>
-              </a:defRPr>
+              <a:defRPr sz="1600"/>
             </a:lvl2pPr>
             <a:lvl3pPr>
-              <a:lnSpc>
-                <a:spcPct val="150000"/>
-              </a:lnSpc>
-              <a:defRPr sz="2000">
-                <a:solidFill>
-                  <a:schemeClr val="tx1">
-                    <a:lumMod val="75000"/>
-                    <a:lumOff val="25000"/>
-                  </a:schemeClr>
-                </a:solidFill>
-                <a:latin typeface="Calibri Light" panose="020F0302020204030204" pitchFamily="34" charset="0"/>
-                <a:cs typeface="Calibri Light" panose="020F0302020204030204" pitchFamily="34" charset="0"/>
-              </a:defRPr>
+              <a:defRPr sz="1400"/>
             </a:lvl3pPr>
             <a:lvl4pPr>
-              <a:lnSpc>
-                <a:spcPct val="150000"/>
-              </a:lnSpc>
-              <a:defRPr sz="1800">
-                <a:solidFill>
-                  <a:schemeClr val="tx1">
-                    <a:lumMod val="75000"/>
-                    <a:lumOff val="25000"/>
-                  </a:schemeClr>
-                </a:solidFill>
-                <a:latin typeface="Calibri Light" panose="020F0302020204030204" pitchFamily="34" charset="0"/>
-                <a:cs typeface="Calibri Light" panose="020F0302020204030204" pitchFamily="34" charset="0"/>
-              </a:defRPr>
+              <a:defRPr sz="1200"/>
             </a:lvl4pPr>
             <a:lvl5pPr>
-              <a:lnSpc>
-                <a:spcPct val="150000"/>
-              </a:lnSpc>
-              <a:defRPr sz="1800">
-                <a:solidFill>
-                  <a:schemeClr val="tx1">
-                    <a:lumMod val="75000"/>
-                    <a:lumOff val="25000"/>
-                  </a:schemeClr>
-                </a:solidFill>
-                <a:latin typeface="Calibri Light" panose="020F0302020204030204" pitchFamily="34" charset="0"/>
-                <a:cs typeface="Calibri Light" panose="020F0302020204030204" pitchFamily="34" charset="0"/>
-              </a:defRPr>
+              <a:defRPr sz="1200"/>
             </a:lvl5pPr>
+            <a:lvl6pPr>
+              <a:defRPr sz="1200"/>
+            </a:lvl6pPr>
+            <a:lvl7pPr>
+              <a:defRPr sz="1200"/>
+            </a:lvl7pPr>
+            <a:lvl8pPr>
+              <a:defRPr sz="1200"/>
+            </a:lvl8pPr>
+            <a:lvl9pPr>
+              <a:defRPr sz="1200"/>
+            </a:lvl9pPr>
           </a:lstStyle>
           <a:p>
             <a:pPr lvl="0"/>
             <a:r>
-              <a:rPr lang="en-US" dirty="0"/>
-              <a:t>Click to edit Master text styles</a:t>
-            </a:r>
-            <a:endParaRPr lang="en-US" dirty="0"/>
+              <a:rPr lang="ru-RU"/>
+              <a:t>Образец текста</a:t>
+            </a:r>
           </a:p>
           <a:p>
             <a:pPr lvl="1"/>
             <a:r>
-              <a:rPr lang="en-US" dirty="0"/>
-              <a:t>Second level</a:t>
-            </a:r>
-            <a:endParaRPr lang="en-US" dirty="0"/>
+              <a:rPr lang="ru-RU"/>
+              <a:t>Второй уровень</a:t>
+            </a:r>
           </a:p>
           <a:p>
             <a:pPr lvl="2"/>
             <a:r>
-              <a:rPr lang="en-US" dirty="0"/>
-              <a:t>Third level</a:t>
-            </a:r>
-            <a:endParaRPr lang="en-US" dirty="0"/>
+              <a:rPr lang="ru-RU"/>
+              <a:t>Третий уровень</a:t>
+            </a:r>
           </a:p>
           <a:p>
             <a:pPr lvl="3"/>
             <a:r>
-              <a:rPr lang="en-US" dirty="0"/>
-              <a:t>Fourth level</a:t>
-            </a:r>
-            <a:endParaRPr lang="en-US" dirty="0"/>
+              <a:rPr lang="ru-RU"/>
+              <a:t>Четвертый уровень</a:t>
+            </a:r>
           </a:p>
           <a:p>
             <a:pPr lvl="4"/>
             <a:r>
-              <a:rPr lang="en-US" dirty="0"/>
-              <a:t>Fifth level</a:t>
-            </a:r>
-            <a:endParaRPr lang="en-US" dirty="0"/>
-          </a:p>
-        </p:txBody>
-      </p:sp>
-      <p:sp>
-        <p:nvSpPr>
-          <p:cNvPr id="4" name="Content Placeholder 3"/>
-          <p:cNvSpPr>
-            <a:spLocks noGrp="1"/>
-          </p:cNvSpPr>
-          <p:nvPr>
-            <p:ph sz="half" idx="2"/>
-          </p:nvPr>
-        </p:nvSpPr>
-        <p:spPr>
-          <a:xfrm>
-            <a:off x="5981700" y="1825625"/>
-            <a:ext cx="5181600" cy="4351338"/>
-          </a:xfrm>
-        </p:spPr>
-        <p:txBody>
-          <a:bodyPr>
-            <a:normAutofit/>
-          </a:bodyPr>
-          <a:lstStyle>
-            <a:lvl1pPr>
-              <a:lnSpc>
-                <a:spcPct val="150000"/>
-              </a:lnSpc>
-              <a:defRPr kumimoji="0" lang="en-US" sz="2800" b="0" i="0" u="none" strike="noStrike" kern="1200" cap="none" spc="0" normalizeH="0" baseline="0" noProof="1" dirty="0">
-                <a:solidFill>
-                  <a:schemeClr val="tx1">
-                    <a:lumMod val="75000"/>
-                    <a:lumOff val="25000"/>
-                  </a:schemeClr>
-                </a:solidFill>
-                <a:latin typeface="Calibri Light" panose="020F0302020204030204" pitchFamily="34" charset="0"/>
-                <a:ea typeface="+mn-ea"/>
-                <a:cs typeface="+mn-cs"/>
-              </a:defRPr>
-            </a:lvl1pPr>
-            <a:lvl2pPr>
-              <a:lnSpc>
-                <a:spcPct val="150000"/>
-              </a:lnSpc>
-              <a:defRPr sz="2400">
-                <a:solidFill>
-                  <a:schemeClr val="tx1">
-                    <a:lumMod val="75000"/>
-                    <a:lumOff val="25000"/>
-                  </a:schemeClr>
-                </a:solidFill>
-              </a:defRPr>
-            </a:lvl2pPr>
-            <a:lvl3pPr>
-              <a:lnSpc>
-                <a:spcPct val="150000"/>
-              </a:lnSpc>
-              <a:defRPr sz="2000">
-                <a:solidFill>
-                  <a:schemeClr val="tx1">
-                    <a:lumMod val="75000"/>
-                    <a:lumOff val="25000"/>
-                  </a:schemeClr>
-                </a:solidFill>
-              </a:defRPr>
-            </a:lvl3pPr>
-            <a:lvl4pPr>
-              <a:lnSpc>
-                <a:spcPct val="150000"/>
-              </a:lnSpc>
-              <a:defRPr sz="2000">
-                <a:solidFill>
-                  <a:schemeClr val="tx1">
-                    <a:lumMod val="75000"/>
-                    <a:lumOff val="25000"/>
-                  </a:schemeClr>
-                </a:solidFill>
-              </a:defRPr>
-            </a:lvl4pPr>
-            <a:lvl5pPr>
-              <a:lnSpc>
-                <a:spcPct val="150000"/>
-              </a:lnSpc>
-              <a:defRPr sz="2000">
-                <a:solidFill>
-                  <a:schemeClr val="tx1">
-                    <a:lumMod val="75000"/>
-                    <a:lumOff val="25000"/>
-                  </a:schemeClr>
-                </a:solidFill>
-              </a:defRPr>
-            </a:lvl5pPr>
-          </a:lstStyle>
-          <a:p>
-            <a:pPr lvl="0"/>
-            <a:r>
-              <a:rPr lang="en-US" dirty="0"/>
-              <a:t>Click to edit Master text styles</a:t>
-            </a:r>
-            <a:endParaRPr lang="en-US" dirty="0"/>
-          </a:p>
-          <a:p>
-            <a:pPr lvl="1"/>
-            <a:r>
-              <a:rPr lang="en-US" dirty="0">
-                <a:sym typeface="+mn-ea"/>
-              </a:rPr>
-              <a:t>Second level</a:t>
-            </a:r>
-            <a:endParaRPr lang="en-US" dirty="0"/>
-          </a:p>
-          <a:p>
-            <a:pPr lvl="2"/>
-            <a:r>
-              <a:rPr lang="en-US" dirty="0">
-                <a:sym typeface="+mn-ea"/>
-              </a:rPr>
-              <a:t>Third level</a:t>
-            </a:r>
-            <a:endParaRPr lang="en-US" dirty="0"/>
-          </a:p>
-          <a:p>
-            <a:pPr lvl="3"/>
-            <a:r>
-              <a:rPr lang="en-US" dirty="0">
-                <a:sym typeface="+mn-ea"/>
-              </a:rPr>
-              <a:t>Fourth level</a:t>
-            </a:r>
-            <a:endParaRPr lang="en-US" dirty="0"/>
-          </a:p>
-          <a:p>
-            <a:pPr lvl="4"/>
-            <a:r>
-              <a:rPr lang="en-US" dirty="0">
-                <a:sym typeface="+mn-ea"/>
-              </a:rPr>
-              <a:t>Fifth level</a:t>
+              <a:rPr lang="ru-RU"/>
+              <a:t>Пятый уровень</a:t>
             </a:r>
             <a:endParaRPr lang="en-US" dirty="0"/>
           </a:p>
@@ -1852,8 +4609,9 @@
           <a:p>
             <a:fld id="{760FBDFE-C587-4B4C-A407-44438C67B59E}" type="datetimeFigureOut">
               <a:rPr lang="en-US" smtClean="0"/>
+              <a:t>1/28/2025</a:t>
             </a:fld>
-            <a:endParaRPr lang="en-US"/>
+            <a:endParaRPr lang="en-US" dirty="0"/>
           </a:p>
         </p:txBody>
       </p:sp>
@@ -1893,12 +4651,18 @@
           <a:p>
             <a:fld id="{49AE70B2-8BF9-45C0-BB95-33D1B9D3A854}" type="slidenum">
               <a:rPr lang="en-US" smtClean="0"/>
+              <a:t>‹#›</a:t>
             </a:fld>
-            <a:endParaRPr lang="en-US"/>
+            <a:endParaRPr lang="en-US" dirty="0"/>
           </a:p>
         </p:txBody>
       </p:sp>
     </p:spTree>
+    <p:extLst>
+      <p:ext uri="{BB962C8B-B14F-4D97-AF65-F5344CB8AC3E}">
+        <p14:creationId xmlns:p14="http://schemas.microsoft.com/office/powerpoint/2010/main" val="1694860214"/>
+      </p:ext>
+    </p:extLst>
   </p:cSld>
   <p:clrMapOvr>
     <a:masterClrMapping/>
@@ -1908,7 +4672,7 @@
 
 <file path=ppt/slideLayouts/slideLayout5.xml><?xml version="1.0" encoding="utf-8"?>
 <p:sldLayout xmlns:a="http://schemas.openxmlformats.org/drawingml/2006/main" xmlns:r="http://schemas.openxmlformats.org/officeDocument/2006/relationships" xmlns:p="http://schemas.openxmlformats.org/presentationml/2006/main" type="twoTxTwoObj" preserve="1">
-  <p:cSld name="Comparison">
+  <p:cSld name="Сравнение">
     <p:spTree>
       <p:nvGrpSpPr>
         <p:cNvPr id="1" name=""/>
@@ -1933,27 +4697,20 @@
             <p:ph type="title"/>
           </p:nvPr>
         </p:nvSpPr>
-        <p:spPr>
-          <a:xfrm>
-            <a:off x="839788" y="365125"/>
-            <a:ext cx="10515600" cy="1325563"/>
-          </a:xfrm>
-        </p:spPr>
+        <p:spPr/>
         <p:txBody>
           <a:bodyPr/>
           <a:lstStyle>
             <a:lvl1pPr>
-              <a:defRPr sz="4400"/>
+              <a:defRPr/>
             </a:lvl1pPr>
           </a:lstStyle>
           <a:p>
             <a:r>
-              <a:rPr lang="en-US" dirty="0" smtClean="0">
-                <a:sym typeface="+mn-ea"/>
-              </a:rPr>
-              <a:t>Click to edit Master title style</a:t>
-            </a:r>
-            <a:endParaRPr lang="en-US"/>
+              <a:rPr lang="ru-RU"/>
+              <a:t>Образец заголовка</a:t>
+            </a:r>
+            <a:endParaRPr lang="en-US" dirty="0"/>
           </a:p>
         </p:txBody>
       </p:sp>
@@ -1969,18 +4726,24 @@
         </p:nvSpPr>
         <p:spPr>
           <a:xfrm>
-            <a:off x="839788" y="1744961"/>
-            <a:ext cx="5157787" cy="823912"/>
+            <a:off x="1103313" y="1905000"/>
+            <a:ext cx="4396338" cy="576262"/>
           </a:xfrm>
         </p:spPr>
         <p:txBody>
-          <a:bodyPr anchor="b"/>
+          <a:bodyPr anchor="b">
+            <a:noAutofit/>
+          </a:bodyPr>
           <a:lstStyle>
             <a:lvl1pPr marL="0" indent="0">
               <a:buNone/>
-              <a:defRPr sz="2400" b="1">
-                <a:latin typeface="Calibri Light" panose="020F0302020204030204" pitchFamily="34" charset="0"/>
-                <a:cs typeface="Calibri Light" panose="020F0302020204030204" pitchFamily="34" charset="0"/>
+              <a:defRPr sz="2400" b="0">
+                <a:solidFill>
+                  <a:schemeClr val="bg2">
+                    <a:lumMod val="40000"/>
+                    <a:lumOff val="60000"/>
+                  </a:schemeClr>
+                </a:solidFill>
               </a:defRPr>
             </a:lvl1pPr>
             <a:lvl2pPr marL="457200" indent="0">
@@ -2019,10 +4782,9 @@
           <a:p>
             <a:pPr lvl="0"/>
             <a:r>
-              <a:rPr lang="en-US" dirty="0"/>
-              <a:t>Click to edit Master text styles</a:t>
-            </a:r>
-            <a:endParaRPr lang="en-US" dirty="0"/>
+              <a:rPr lang="ru-RU"/>
+              <a:t>Образец текста</a:t>
+            </a:r>
           </a:p>
         </p:txBody>
       </p:sp>
@@ -2038,58 +4800,84 @@
         </p:nvSpPr>
         <p:spPr>
           <a:xfrm>
-            <a:off x="839788" y="2615609"/>
-            <a:ext cx="5157787" cy="3574054"/>
+            <a:off x="1103312" y="2514600"/>
+            <a:ext cx="4396339" cy="3741738"/>
           </a:xfrm>
         </p:spPr>
         <p:txBody>
-          <a:bodyPr/>
-          <a:lstStyle/>
+          <a:bodyPr>
+            <a:normAutofit/>
+          </a:bodyPr>
+          <a:lstStyle>
+            <a:lvl1pPr>
+              <a:defRPr sz="1800"/>
+            </a:lvl1pPr>
+            <a:lvl2pPr>
+              <a:defRPr sz="1600"/>
+            </a:lvl2pPr>
+            <a:lvl3pPr>
+              <a:defRPr sz="1400"/>
+            </a:lvl3pPr>
+            <a:lvl4pPr>
+              <a:defRPr sz="1200"/>
+            </a:lvl4pPr>
+            <a:lvl5pPr>
+              <a:defRPr sz="1200"/>
+            </a:lvl5pPr>
+            <a:lvl6pPr>
+              <a:defRPr sz="1200"/>
+            </a:lvl6pPr>
+            <a:lvl7pPr>
+              <a:defRPr sz="1200"/>
+            </a:lvl7pPr>
+            <a:lvl8pPr>
+              <a:defRPr sz="1200"/>
+            </a:lvl8pPr>
+            <a:lvl9pPr>
+              <a:defRPr sz="1200"/>
+            </a:lvl9pPr>
+          </a:lstStyle>
           <a:p>
             <a:pPr lvl="0"/>
             <a:r>
-              <a:rPr lang="en-US" dirty="0"/>
-              <a:t>Click to edit Master text styles</a:t>
+              <a:rPr lang="ru-RU"/>
+              <a:t>Образец текста</a:t>
+            </a:r>
+          </a:p>
+          <a:p>
+            <a:pPr lvl="1"/>
+            <a:r>
+              <a:rPr lang="ru-RU"/>
+              <a:t>Второй уровень</a:t>
+            </a:r>
+          </a:p>
+          <a:p>
+            <a:pPr lvl="2"/>
+            <a:r>
+              <a:rPr lang="ru-RU"/>
+              <a:t>Третий уровень</a:t>
+            </a:r>
+          </a:p>
+          <a:p>
+            <a:pPr lvl="3"/>
+            <a:r>
+              <a:rPr lang="ru-RU"/>
+              <a:t>Четвертый уровень</a:t>
+            </a:r>
+          </a:p>
+          <a:p>
+            <a:pPr lvl="4"/>
+            <a:r>
+              <a:rPr lang="ru-RU"/>
+              <a:t>Пятый уровень</a:t>
             </a:r>
             <a:endParaRPr lang="en-US" dirty="0"/>
           </a:p>
-          <a:p>
-            <a:pPr lvl="1"/>
-            <a:r>
-              <a:rPr lang="en-US" dirty="0"/>
-              <a:t>Second level</a:t>
-            </a:r>
-            <a:endParaRPr lang="en-US" dirty="0"/>
-          </a:p>
-          <a:p>
-            <a:pPr lvl="2"/>
-            <a:r>
-              <a:rPr lang="en-US" dirty="0"/>
-              <a:t>Third level</a:t>
-            </a:r>
-            <a:endParaRPr lang="en-US" dirty="0"/>
-          </a:p>
-          <a:p>
-            <a:pPr lvl="3"/>
-            <a:r>
-              <a:rPr lang="en-US" dirty="0"/>
-              <a:t>Fourth level</a:t>
-            </a:r>
-            <a:endParaRPr lang="en-US" dirty="0"/>
-          </a:p>
-          <a:p>
-            <a:pPr lvl="4"/>
-            <a:r>
-              <a:rPr lang="en-US" dirty="0"/>
-              <a:t>Fifth level</a:t>
-            </a:r>
-            <a:endParaRPr lang="en-US" dirty="0"/>
-          </a:p>
-        </p:txBody>
-      </p:sp>
-      <p:sp>
-        <p:nvSpPr>
-          <p:cNvPr id="5" name="文本占位符 4"/>
+        </p:txBody>
+      </p:sp>
+      <p:sp>
+        <p:nvSpPr>
+          <p:cNvPr id="5" name="Text Placeholder 4"/>
           <p:cNvSpPr>
             <a:spLocks noGrp="1"/>
           </p:cNvSpPr>
@@ -2099,18 +4887,24 @@
         </p:nvSpPr>
         <p:spPr>
           <a:xfrm>
-            <a:off x="6172200" y="1744961"/>
-            <a:ext cx="5183188" cy="823912"/>
+            <a:off x="5654495" y="1905000"/>
+            <a:ext cx="4396339" cy="576262"/>
           </a:xfrm>
         </p:spPr>
         <p:txBody>
-          <a:bodyPr anchor="b"/>
+          <a:bodyPr anchor="b">
+            <a:noAutofit/>
+          </a:bodyPr>
           <a:lstStyle>
             <a:lvl1pPr marL="0" indent="0">
               <a:buNone/>
-              <a:defRPr sz="2400" b="1">
-                <a:latin typeface="Calibri Light" panose="020F0302020204030204" pitchFamily="34" charset="0"/>
-                <a:cs typeface="Calibri Light" panose="020F0302020204030204" pitchFamily="34" charset="0"/>
+              <a:defRPr sz="2400" b="0">
+                <a:solidFill>
+                  <a:schemeClr val="bg2">
+                    <a:lumMod val="40000"/>
+                    <a:lumOff val="60000"/>
+                  </a:schemeClr>
+                </a:solidFill>
               </a:defRPr>
             </a:lvl1pPr>
             <a:lvl2pPr marL="457200" indent="0">
@@ -2149,16 +4943,15 @@
           <a:p>
             <a:pPr lvl="0"/>
             <a:r>
-              <a:rPr lang="en-US" dirty="0"/>
-              <a:t>Click to edit Master text styles</a:t>
-            </a:r>
-            <a:endParaRPr lang="en-US" dirty="0"/>
-          </a:p>
-        </p:txBody>
-      </p:sp>
-      <p:sp>
-        <p:nvSpPr>
-          <p:cNvPr id="6" name="内容占位符 5"/>
+              <a:rPr lang="ru-RU"/>
+              <a:t>Образец текста</a:t>
+            </a:r>
+          </a:p>
+        </p:txBody>
+      </p:sp>
+      <p:sp>
+        <p:nvSpPr>
+          <p:cNvPr id="6" name="Content Placeholder 5"/>
           <p:cNvSpPr>
             <a:spLocks noGrp="1"/>
           </p:cNvSpPr>
@@ -2168,65 +4961,112 @@
         </p:nvSpPr>
         <p:spPr>
           <a:xfrm>
-            <a:off x="6172200" y="2615609"/>
-            <a:ext cx="5183188" cy="3574054"/>
+            <a:off x="5654495" y="2514600"/>
+            <a:ext cx="4396339" cy="3741738"/>
           </a:xfrm>
         </p:spPr>
         <p:txBody>
+          <a:bodyPr>
+            <a:normAutofit/>
+          </a:bodyPr>
+          <a:lstStyle>
+            <a:lvl1pPr>
+              <a:defRPr sz="1800"/>
+            </a:lvl1pPr>
+            <a:lvl2pPr>
+              <a:defRPr sz="1600"/>
+            </a:lvl2pPr>
+            <a:lvl3pPr>
+              <a:defRPr sz="1400"/>
+            </a:lvl3pPr>
+            <a:lvl4pPr>
+              <a:defRPr sz="1200"/>
+            </a:lvl4pPr>
+            <a:lvl5pPr>
+              <a:defRPr sz="1200"/>
+            </a:lvl5pPr>
+            <a:lvl6pPr>
+              <a:defRPr sz="1200"/>
+            </a:lvl6pPr>
+            <a:lvl7pPr>
+              <a:defRPr sz="1200"/>
+            </a:lvl7pPr>
+            <a:lvl8pPr>
+              <a:defRPr sz="1200"/>
+            </a:lvl8pPr>
+            <a:lvl9pPr>
+              <a:defRPr sz="1200"/>
+            </a:lvl9pPr>
+          </a:lstStyle>
+          <a:p>
+            <a:pPr lvl="0"/>
+            <a:r>
+              <a:rPr lang="ru-RU"/>
+              <a:t>Образец текста</a:t>
+            </a:r>
+          </a:p>
+          <a:p>
+            <a:pPr lvl="1"/>
+            <a:r>
+              <a:rPr lang="ru-RU"/>
+              <a:t>Второй уровень</a:t>
+            </a:r>
+          </a:p>
+          <a:p>
+            <a:pPr lvl="2"/>
+            <a:r>
+              <a:rPr lang="ru-RU"/>
+              <a:t>Третий уровень</a:t>
+            </a:r>
+          </a:p>
+          <a:p>
+            <a:pPr lvl="3"/>
+            <a:r>
+              <a:rPr lang="ru-RU"/>
+              <a:t>Четвертый уровень</a:t>
+            </a:r>
+          </a:p>
+          <a:p>
+            <a:pPr lvl="4"/>
+            <a:r>
+              <a:rPr lang="ru-RU"/>
+              <a:t>Пятый уровень</a:t>
+            </a:r>
+            <a:endParaRPr lang="en-US" dirty="0"/>
+          </a:p>
+        </p:txBody>
+      </p:sp>
+      <p:sp>
+        <p:nvSpPr>
+          <p:cNvPr id="7" name="Date Placeholder 6"/>
+          <p:cNvSpPr>
+            <a:spLocks noGrp="1"/>
+          </p:cNvSpPr>
+          <p:nvPr>
+            <p:ph type="dt" sz="half" idx="10"/>
+          </p:nvPr>
+        </p:nvSpPr>
+        <p:spPr/>
+        <p:txBody>
           <a:bodyPr/>
           <a:lstStyle/>
           <a:p>
-            <a:pPr lvl="0"/>
-            <a:r>
-              <a:rPr lang="en-US" dirty="0">
-                <a:sym typeface="+mn-ea"/>
-              </a:rPr>
-              <a:t>Click to edit Master text styles</a:t>
-            </a:r>
+            <a:fld id="{760FBDFE-C587-4B4C-A407-44438C67B59E}" type="datetimeFigureOut">
+              <a:rPr lang="en-US" smtClean="0"/>
+              <a:t>1/28/2025</a:t>
+            </a:fld>
             <a:endParaRPr lang="en-US" dirty="0"/>
           </a:p>
-          <a:p>
-            <a:pPr lvl="1"/>
-            <a:r>
-              <a:rPr lang="en-US" dirty="0"/>
-              <a:t>Second level</a:t>
-            </a:r>
-            <a:endParaRPr lang="en-US" dirty="0"/>
-          </a:p>
-          <a:p>
-            <a:pPr lvl="2"/>
-            <a:r>
-              <a:rPr lang="en-US" dirty="0"/>
-              <a:t>Third level</a:t>
-            </a:r>
-            <a:endParaRPr lang="en-US" dirty="0"/>
-          </a:p>
-          <a:p>
-            <a:pPr lvl="3"/>
-            <a:r>
-              <a:rPr lang="en-US" dirty="0"/>
-              <a:t>Fourth level</a:t>
-            </a:r>
-            <a:endParaRPr lang="en-US" dirty="0"/>
-          </a:p>
-          <a:p>
-            <a:pPr lvl="4"/>
-            <a:r>
-              <a:rPr lang="en-US" dirty="0"/>
-              <a:t>Fifth level</a:t>
-            </a:r>
-            <a:endParaRPr lang="en-US" dirty="0"/>
-          </a:p>
-        </p:txBody>
-      </p:sp>
-      <p:sp>
-        <p:nvSpPr>
-          <p:cNvPr id="7" name="Date Placeholder 6"/>
-          <p:cNvSpPr>
-            <a:spLocks noGrp="1"/>
-          </p:cNvSpPr>
-          <p:nvPr>
-            <p:ph type="dt" sz="half" idx="10"/>
+        </p:txBody>
+      </p:sp>
+      <p:sp>
+        <p:nvSpPr>
+          <p:cNvPr id="8" name="Footer Placeholder 7"/>
+          <p:cNvSpPr>
+            <a:spLocks noGrp="1"/>
+          </p:cNvSpPr>
+          <p:nvPr>
+            <p:ph type="ftr" sz="quarter" idx="11"/>
           </p:nvPr>
         </p:nvSpPr>
         <p:spPr/>
@@ -2234,21 +5074,18 @@
           <a:bodyPr/>
           <a:lstStyle/>
           <a:p>
-            <a:fld id="{760FBDFE-C587-4B4C-A407-44438C67B59E}" type="datetimeFigureOut">
-              <a:rPr lang="en-US" smtClean="0"/>
-            </a:fld>
             <a:endParaRPr lang="en-US"/>
           </a:p>
         </p:txBody>
       </p:sp>
       <p:sp>
         <p:nvSpPr>
-          <p:cNvPr id="8" name="Footer Placeholder 7"/>
-          <p:cNvSpPr>
-            <a:spLocks noGrp="1"/>
-          </p:cNvSpPr>
-          <p:nvPr>
-            <p:ph type="ftr" sz="quarter" idx="11"/>
+          <p:cNvPr id="9" name="Slide Number Placeholder 8"/>
+          <p:cNvSpPr>
+            <a:spLocks noGrp="1"/>
+          </p:cNvSpPr>
+          <p:nvPr>
+            <p:ph type="sldNum" sz="quarter" idx="12"/>
           </p:nvPr>
         </p:nvSpPr>
         <p:spPr/>
@@ -2256,33 +5093,20 @@
           <a:bodyPr/>
           <a:lstStyle/>
           <a:p>
-            <a:endParaRPr lang="en-US"/>
-          </a:p>
-        </p:txBody>
-      </p:sp>
-      <p:sp>
-        <p:nvSpPr>
-          <p:cNvPr id="9" name="Slide Number Placeholder 8"/>
-          <p:cNvSpPr>
-            <a:spLocks noGrp="1"/>
-          </p:cNvSpPr>
-          <p:nvPr>
-            <p:ph type="sldNum" sz="quarter" idx="12"/>
-          </p:nvPr>
-        </p:nvSpPr>
-        <p:spPr/>
-        <p:txBody>
-          <a:bodyPr/>
-          <a:lstStyle/>
-          <a:p>
             <a:fld id="{49AE70B2-8BF9-45C0-BB95-33D1B9D3A854}" type="slidenum">
               <a:rPr lang="en-US" smtClean="0"/>
+              <a:t>‹#›</a:t>
             </a:fld>
-            <a:endParaRPr lang="en-US"/>
+            <a:endParaRPr lang="en-US" dirty="0"/>
           </a:p>
         </p:txBody>
       </p:sp>
     </p:spTree>
+    <p:extLst>
+      <p:ext uri="{BB962C8B-B14F-4D97-AF65-F5344CB8AC3E}">
+        <p14:creationId xmlns:p14="http://schemas.microsoft.com/office/powerpoint/2010/main" val="2426377792"/>
+      </p:ext>
+    </p:extLst>
   </p:cSld>
   <p:clrMapOvr>
     <a:masterClrMapping/>
@@ -2292,7 +5116,7 @@
 
 <file path=ppt/slideLayouts/slideLayout6.xml><?xml version="1.0" encoding="utf-8"?>
 <p:sldLayout xmlns:a="http://schemas.openxmlformats.org/drawingml/2006/main" xmlns:r="http://schemas.openxmlformats.org/officeDocument/2006/relationships" xmlns:p="http://schemas.openxmlformats.org/presentationml/2006/main" type="titleOnly" preserve="1">
-  <p:cSld name="Title Only">
+  <p:cSld name="Только заголовок">
     <p:spTree>
       <p:nvGrpSpPr>
         <p:cNvPr id="1" name=""/>
@@ -2317,59 +5141,45 @@
             <p:ph type="title"/>
           </p:nvPr>
         </p:nvSpPr>
-        <p:spPr>
-          <a:xfrm>
-            <a:off x="838200" y="2766219"/>
-            <a:ext cx="10515600" cy="1325563"/>
-          </a:xfrm>
-        </p:spPr>
-        <p:txBody>
-          <a:bodyPr>
-            <a:normAutofit/>
-          </a:bodyPr>
-          <a:lstStyle>
-            <a:lvl1pPr algn="ctr">
-              <a:defRPr sz="4400" b="0">
-                <a:effectLst/>
-                <a:latin typeface="Calibri Light" panose="020F0302020204030204" pitchFamily="34" charset="0"/>
-                <a:cs typeface="Calibri Light" panose="020F0302020204030204" pitchFamily="34" charset="0"/>
-              </a:defRPr>
-            </a:lvl1pPr>
-          </a:lstStyle>
-          <a:p>
-            <a:r>
-              <a:rPr lang="en-US" dirty="0"/>
-              <a:t>Click to edit Master title style</a:t>
-            </a:r>
-            <a:endParaRPr lang="en-US" dirty="0"/>
-          </a:p>
-        </p:txBody>
-      </p:sp>
-      <p:sp>
-        <p:nvSpPr>
-          <p:cNvPr id="3" name="Date Placeholder 2"/>
-          <p:cNvSpPr>
-            <a:spLocks noGrp="1"/>
-          </p:cNvSpPr>
-          <p:nvPr>
-            <p:ph type="dt" sz="half" idx="10"/>
-          </p:nvPr>
-        </p:nvSpPr>
         <p:spPr/>
         <p:txBody>
           <a:bodyPr/>
           <a:lstStyle/>
           <a:p>
+            <a:r>
+              <a:rPr lang="ru-RU"/>
+              <a:t>Образец заголовка</a:t>
+            </a:r>
+            <a:endParaRPr lang="en-US" dirty="0"/>
+          </a:p>
+        </p:txBody>
+      </p:sp>
+      <p:sp>
+        <p:nvSpPr>
+          <p:cNvPr id="7" name="Date Placeholder 2"/>
+          <p:cNvSpPr>
+            <a:spLocks noGrp="1"/>
+          </p:cNvSpPr>
+          <p:nvPr>
+            <p:ph type="dt" sz="half" idx="10"/>
+          </p:nvPr>
+        </p:nvSpPr>
+        <p:spPr/>
+        <p:txBody>
+          <a:bodyPr/>
+          <a:lstStyle/>
+          <a:p>
             <a:fld id="{760FBDFE-C587-4B4C-A407-44438C67B59E}" type="datetimeFigureOut">
               <a:rPr lang="en-US" smtClean="0"/>
+              <a:t>1/28/2025</a:t>
             </a:fld>
-            <a:endParaRPr lang="en-US"/>
-          </a:p>
-        </p:txBody>
-      </p:sp>
-      <p:sp>
-        <p:nvSpPr>
-          <p:cNvPr id="4" name="Footer Placeholder 3"/>
+            <a:endParaRPr lang="en-US" dirty="0"/>
+          </a:p>
+        </p:txBody>
+      </p:sp>
+      <p:sp>
+        <p:nvSpPr>
+          <p:cNvPr id="5" name="Footer Placeholder 3"/>
           <p:cNvSpPr>
             <a:spLocks noGrp="1"/>
           </p:cNvSpPr>
@@ -2388,7 +5198,7 @@
       </p:sp>
       <p:sp>
         <p:nvSpPr>
-          <p:cNvPr id="5" name="Slide Number Placeholder 4"/>
+          <p:cNvPr id="6" name="Slide Number Placeholder 4"/>
           <p:cNvSpPr>
             <a:spLocks noGrp="1"/>
           </p:cNvSpPr>
@@ -2403,12 +5213,18 @@
           <a:p>
             <a:fld id="{49AE70B2-8BF9-45C0-BB95-33D1B9D3A854}" type="slidenum">
               <a:rPr lang="en-US" smtClean="0"/>
+              <a:t>‹#›</a:t>
             </a:fld>
-            <a:endParaRPr lang="en-US"/>
+            <a:endParaRPr lang="en-US" dirty="0"/>
           </a:p>
         </p:txBody>
       </p:sp>
     </p:spTree>
+    <p:extLst>
+      <p:ext uri="{BB962C8B-B14F-4D97-AF65-F5344CB8AC3E}">
+        <p14:creationId xmlns:p14="http://schemas.microsoft.com/office/powerpoint/2010/main" val="1871182849"/>
+      </p:ext>
+    </p:extLst>
   </p:cSld>
   <p:clrMapOvr>
     <a:masterClrMapping/>
@@ -2418,7 +5234,7 @@
 
 <file path=ppt/slideLayouts/slideLayout7.xml><?xml version="1.0" encoding="utf-8"?>
 <p:sldLayout xmlns:a="http://schemas.openxmlformats.org/drawingml/2006/main" xmlns:r="http://schemas.openxmlformats.org/officeDocument/2006/relationships" xmlns:p="http://schemas.openxmlformats.org/presentationml/2006/main" type="blank" preserve="1">
-  <p:cSld name="Blank">
+  <p:cSld name="Пустой слайд">
     <p:spTree>
       <p:nvGrpSpPr>
         <p:cNvPr id="1" name=""/>
@@ -2435,7 +5251,7 @@
       </p:grpSpPr>
       <p:sp>
         <p:nvSpPr>
-          <p:cNvPr id="2" name="Date Placeholder 1"/>
+          <p:cNvPr id="7" name="Date Placeholder 1"/>
           <p:cNvSpPr>
             <a:spLocks noGrp="1"/>
           </p:cNvSpPr>
@@ -2450,14 +5266,15 @@
           <a:p>
             <a:fld id="{760FBDFE-C587-4B4C-A407-44438C67B59E}" type="datetimeFigureOut">
               <a:rPr lang="en-US" smtClean="0"/>
+              <a:t>1/28/2025</a:t>
             </a:fld>
-            <a:endParaRPr lang="en-US"/>
-          </a:p>
-        </p:txBody>
-      </p:sp>
-      <p:sp>
-        <p:nvSpPr>
-          <p:cNvPr id="3" name="Footer Placeholder 2"/>
+            <a:endParaRPr lang="en-US" dirty="0"/>
+          </a:p>
+        </p:txBody>
+      </p:sp>
+      <p:sp>
+        <p:nvSpPr>
+          <p:cNvPr id="5" name="Footer Placeholder 2"/>
           <p:cNvSpPr>
             <a:spLocks noGrp="1"/>
           </p:cNvSpPr>
@@ -2476,7 +5293,7 @@
       </p:sp>
       <p:sp>
         <p:nvSpPr>
-          <p:cNvPr id="4" name="Slide Number Placeholder 3"/>
+          <p:cNvPr id="6" name="Slide Number Placeholder 3"/>
           <p:cNvSpPr>
             <a:spLocks noGrp="1"/>
           </p:cNvSpPr>
@@ -2491,12 +5308,18 @@
           <a:p>
             <a:fld id="{49AE70B2-8BF9-45C0-BB95-33D1B9D3A854}" type="slidenum">
               <a:rPr lang="en-US" smtClean="0"/>
+              <a:t>‹#›</a:t>
             </a:fld>
-            <a:endParaRPr lang="en-US"/>
+            <a:endParaRPr lang="en-US" dirty="0"/>
           </a:p>
         </p:txBody>
       </p:sp>
     </p:spTree>
+    <p:extLst>
+      <p:ext uri="{BB962C8B-B14F-4D97-AF65-F5344CB8AC3E}">
+        <p14:creationId xmlns:p14="http://schemas.microsoft.com/office/powerpoint/2010/main" val="230087865"/>
+      </p:ext>
+    </p:extLst>
   </p:cSld>
   <p:clrMapOvr>
     <a:masterClrMapping/>
@@ -2505,8 +5328,8 @@
 </file>
 
 <file path=ppt/slideLayouts/slideLayout8.xml><?xml version="1.0" encoding="utf-8"?>
-<p:sldLayout xmlns:a="http://schemas.openxmlformats.org/drawingml/2006/main" xmlns:r="http://schemas.openxmlformats.org/officeDocument/2006/relationships" xmlns:p="http://schemas.openxmlformats.org/presentationml/2006/main" type="picTx" preserve="1">
-  <p:cSld name="Picture with Caption">
+<p:sldLayout xmlns:a="http://schemas.openxmlformats.org/drawingml/2006/main" xmlns:r="http://schemas.openxmlformats.org/officeDocument/2006/relationships" xmlns:p="http://schemas.openxmlformats.org/presentationml/2006/main" type="objTx" preserve="1">
+  <p:cSld name="Объект с подписью">
     <p:spTree>
       <p:nvGrpSpPr>
         <p:cNvPr id="1" name=""/>
@@ -2533,27 +5356,108 @@
         </p:nvSpPr>
         <p:spPr>
           <a:xfrm>
-            <a:off x="646747" y="127000"/>
-            <a:ext cx="4165200" cy="1600200"/>
+            <a:off x="1154953" y="1447800"/>
+            <a:ext cx="3401064" cy="1447800"/>
           </a:xfrm>
         </p:spPr>
         <p:txBody>
-          <a:bodyPr anchor="ctr" anchorCtr="0">
+          <a:bodyPr anchor="b"/>
+          <a:lstStyle>
+            <a:lvl1pPr algn="l">
+              <a:defRPr sz="2400" b="0"/>
+            </a:lvl1pPr>
+          </a:lstStyle>
+          <a:p>
+            <a:r>
+              <a:rPr lang="ru-RU"/>
+              <a:t>Образец заголовка</a:t>
+            </a:r>
+            <a:endParaRPr lang="en-US" dirty="0"/>
+          </a:p>
+        </p:txBody>
+      </p:sp>
+      <p:sp>
+        <p:nvSpPr>
+          <p:cNvPr id="3" name="Content Placeholder 2"/>
+          <p:cNvSpPr>
+            <a:spLocks noGrp="1"/>
+          </p:cNvSpPr>
+          <p:nvPr>
+            <p:ph idx="1"/>
+          </p:nvPr>
+        </p:nvSpPr>
+        <p:spPr>
+          <a:xfrm>
+            <a:off x="4784616" y="1447800"/>
+            <a:ext cx="5195997" cy="4572000"/>
+          </a:xfrm>
+        </p:spPr>
+        <p:txBody>
+          <a:bodyPr anchor="ctr">
             <a:normAutofit/>
           </a:bodyPr>
           <a:lstStyle>
             <a:lvl1pPr>
-              <a:defRPr sz="3200" b="0">
-                <a:effectLst/>
-                <a:latin typeface="Calibri Light" panose="020F0302020204030204" pitchFamily="34" charset="0"/>
-                <a:cs typeface="Calibri Light" panose="020F0302020204030204" pitchFamily="34" charset="0"/>
-              </a:defRPr>
+              <a:defRPr sz="2000"/>
             </a:lvl1pPr>
+            <a:lvl2pPr>
+              <a:defRPr sz="1800"/>
+            </a:lvl2pPr>
+            <a:lvl3pPr>
+              <a:defRPr sz="1600"/>
+            </a:lvl3pPr>
+            <a:lvl4pPr>
+              <a:defRPr sz="1400"/>
+            </a:lvl4pPr>
+            <a:lvl5pPr>
+              <a:defRPr sz="1400"/>
+            </a:lvl5pPr>
+            <a:lvl6pPr>
+              <a:defRPr sz="1400"/>
+            </a:lvl6pPr>
+            <a:lvl7pPr>
+              <a:defRPr sz="1400"/>
+            </a:lvl7pPr>
+            <a:lvl8pPr>
+              <a:defRPr sz="1400"/>
+            </a:lvl8pPr>
+            <a:lvl9pPr>
+              <a:defRPr sz="1400"/>
+            </a:lvl9pPr>
           </a:lstStyle>
           <a:p>
-            <a:r>
-              <a:rPr lang="en-US" dirty="0"/>
-              <a:t>Click to edit Master title style</a:t>
+            <a:pPr lvl="0"/>
+            <a:r>
+              <a:rPr lang="ru-RU"/>
+              <a:t>Образец текста</a:t>
+            </a:r>
+          </a:p>
+          <a:p>
+            <a:pPr lvl="1"/>
+            <a:r>
+              <a:rPr lang="ru-RU"/>
+              <a:t>Второй уровень</a:t>
+            </a:r>
+          </a:p>
+          <a:p>
+            <a:pPr lvl="2"/>
+            <a:r>
+              <a:rPr lang="ru-RU"/>
+              <a:t>Третий уровень</a:t>
+            </a:r>
+          </a:p>
+          <a:p>
+            <a:pPr lvl="3"/>
+            <a:r>
+              <a:rPr lang="ru-RU"/>
+              <a:t>Четвертый уровень</a:t>
+            </a:r>
+          </a:p>
+          <a:p>
+            <a:pPr lvl="4"/>
+            <a:r>
+              <a:rPr lang="ru-RU"/>
+              <a:t>Пятый уровень</a:t>
             </a:r>
             <a:endParaRPr lang="en-US" dirty="0"/>
           </a:p>
@@ -2561,18 +5465,18 @@
       </p:sp>
       <p:sp>
         <p:nvSpPr>
-          <p:cNvPr id="3" name="Picture Placeholder 2"/>
-          <p:cNvSpPr>
-            <a:spLocks noGrp="1" noChangeAspect="1"/>
-          </p:cNvSpPr>
-          <p:nvPr>
-            <p:ph type="pic" idx="1"/>
+          <p:cNvPr id="4" name="Text Placeholder 3"/>
+          <p:cNvSpPr>
+            <a:spLocks noGrp="1"/>
+          </p:cNvSpPr>
+          <p:nvPr>
+            <p:ph type="body" sz="half" idx="2"/>
           </p:nvPr>
         </p:nvSpPr>
         <p:spPr>
           <a:xfrm>
-            <a:off x="5184000" y="766354"/>
-            <a:ext cx="5817375" cy="5094446"/>
+            <a:off x="1154953" y="3129280"/>
+            <a:ext cx="3401063" cy="2895599"/>
           </a:xfrm>
         </p:spPr>
         <p:txBody>
@@ -2580,120 +5484,53 @@
           <a:lstStyle>
             <a:lvl1pPr marL="0" indent="0">
               <a:buNone/>
-              <a:defRPr sz="3200"/>
+              <a:defRPr sz="1400"/>
             </a:lvl1pPr>
             <a:lvl2pPr marL="457200" indent="0">
               <a:buNone/>
-              <a:defRPr sz="2800"/>
+              <a:defRPr sz="1200"/>
             </a:lvl2pPr>
             <a:lvl3pPr marL="914400" indent="0">
               <a:buNone/>
-              <a:defRPr sz="2400"/>
+              <a:defRPr sz="1000"/>
             </a:lvl3pPr>
             <a:lvl4pPr marL="1371600" indent="0">
               <a:buNone/>
-              <a:defRPr sz="2000"/>
+              <a:defRPr sz="900"/>
             </a:lvl4pPr>
             <a:lvl5pPr marL="1828800" indent="0">
               <a:buNone/>
-              <a:defRPr sz="2000"/>
+              <a:defRPr sz="900"/>
             </a:lvl5pPr>
             <a:lvl6pPr marL="2286000" indent="0">
               <a:buNone/>
-              <a:defRPr sz="2000"/>
+              <a:defRPr sz="900"/>
             </a:lvl6pPr>
             <a:lvl7pPr marL="2743200" indent="0">
               <a:buNone/>
-              <a:defRPr sz="2000"/>
+              <a:defRPr sz="900"/>
             </a:lvl7pPr>
             <a:lvl8pPr marL="3200400" indent="0">
               <a:buNone/>
-              <a:defRPr sz="2000"/>
+              <a:defRPr sz="900"/>
             </a:lvl8pPr>
             <a:lvl9pPr marL="3657600" indent="0">
               <a:buNone/>
-              <a:defRPr sz="2000"/>
+              <a:defRPr sz="900"/>
             </a:lvl9pPr>
           </a:lstStyle>
           <a:p>
-            <a:endParaRPr lang="en-US" dirty="0"/>
-          </a:p>
-        </p:txBody>
-      </p:sp>
-      <p:sp>
-        <p:nvSpPr>
-          <p:cNvPr id="4" name="Text Placeholder 3"/>
-          <p:cNvSpPr>
-            <a:spLocks noGrp="1"/>
-          </p:cNvSpPr>
-          <p:nvPr>
-            <p:ph type="body" sz="half" idx="2"/>
-          </p:nvPr>
-        </p:nvSpPr>
-        <p:spPr>
-          <a:xfrm>
-            <a:off x="651827" y="2057400"/>
-            <a:ext cx="4165200" cy="3811588"/>
-          </a:xfrm>
-        </p:spPr>
-        <p:txBody>
-          <a:bodyPr>
-            <a:normAutofit/>
-          </a:bodyPr>
-          <a:lstStyle>
-            <a:lvl1pPr marL="0" indent="0">
-              <a:lnSpc>
-                <a:spcPct val="150000"/>
-              </a:lnSpc>
-              <a:buNone/>
-              <a:defRPr sz="1600"/>
-            </a:lvl1pPr>
-            <a:lvl2pPr marL="457200" indent="0">
-              <a:buNone/>
-              <a:defRPr sz="1400"/>
-            </a:lvl2pPr>
-            <a:lvl3pPr marL="914400" indent="0">
-              <a:buNone/>
-              <a:defRPr sz="1200"/>
-            </a:lvl3pPr>
-            <a:lvl4pPr marL="1371600" indent="0">
-              <a:buNone/>
-              <a:defRPr sz="1000"/>
-            </a:lvl4pPr>
-            <a:lvl5pPr marL="1828800" indent="0">
-              <a:buNone/>
-              <a:defRPr sz="1000"/>
-            </a:lvl5pPr>
-            <a:lvl6pPr marL="2286000" indent="0">
-              <a:buNone/>
-              <a:defRPr sz="1000"/>
-            </a:lvl6pPr>
-            <a:lvl7pPr marL="2743200" indent="0">
-              <a:buNone/>
-              <a:defRPr sz="1000"/>
-            </a:lvl7pPr>
-            <a:lvl8pPr marL="3200400" indent="0">
-              <a:buNone/>
-              <a:defRPr sz="1000"/>
-            </a:lvl8pPr>
-            <a:lvl9pPr marL="3657600" indent="0">
-              <a:buNone/>
-              <a:defRPr sz="1000"/>
-            </a:lvl9pPr>
-          </a:lstStyle>
-          <a:p>
             <a:pPr lvl="0"/>
             <a:r>
-              <a:rPr lang="en-US" dirty="0"/>
-              <a:t>Click to edit Master text styles</a:t>
-            </a:r>
-            <a:endParaRPr lang="en-US" dirty="0"/>
-          </a:p>
-        </p:txBody>
-      </p:sp>
-      <p:sp>
-        <p:nvSpPr>
-          <p:cNvPr id="5" name="Date Placeholder 4"/>
+              <a:rPr lang="ru-RU"/>
+              <a:t>Образец текста</a:t>
+            </a:r>
+          </a:p>
+        </p:txBody>
+      </p:sp>
+      <p:sp>
+        <p:nvSpPr>
+          <p:cNvPr id="7" name="Date Placeholder 4"/>
           <p:cNvSpPr>
             <a:spLocks noGrp="1"/>
           </p:cNvSpPr>
@@ -2706,8 +5543,9 @@
           <a:bodyPr/>
           <a:lstStyle/>
           <a:p>
-            <a:fld id="{9EFD9D74-47D9-4702-A33C-335B63B48DBF}" type="datetimeFigureOut">
+            <a:fld id="{760FBDFE-C587-4B4C-A407-44438C67B59E}" type="datetimeFigureOut">
               <a:rPr lang="en-US" smtClean="0"/>
+              <a:t>1/28/2025</a:t>
             </a:fld>
             <a:endParaRPr lang="en-US" dirty="0"/>
           </a:p>
@@ -2715,7 +5553,7 @@
       </p:sp>
       <p:sp>
         <p:nvSpPr>
-          <p:cNvPr id="6" name="Footer Placeholder 5"/>
+          <p:cNvPr id="5" name="Footer Placeholder 5"/>
           <p:cNvSpPr>
             <a:spLocks noGrp="1"/>
           </p:cNvSpPr>
@@ -2728,13 +5566,13 @@
           <a:bodyPr/>
           <a:lstStyle/>
           <a:p>
-            <a:endParaRPr lang="en-US" dirty="0"/>
-          </a:p>
-        </p:txBody>
-      </p:sp>
-      <p:sp>
-        <p:nvSpPr>
-          <p:cNvPr id="7" name="Slide Number Placeholder 6"/>
+            <a:endParaRPr lang="en-US"/>
+          </a:p>
+        </p:txBody>
+      </p:sp>
+      <p:sp>
+        <p:nvSpPr>
+          <p:cNvPr id="6" name="Slide Number Placeholder 6"/>
           <p:cNvSpPr>
             <a:spLocks noGrp="1"/>
           </p:cNvSpPr>
@@ -2747,14 +5585,20 @@
           <a:bodyPr/>
           <a:lstStyle/>
           <a:p>
-            <a:fld id="{FABC47A4-756D-490B-A52F-7D9E2C9FC05F}" type="slidenum">
+            <a:fld id="{49AE70B2-8BF9-45C0-BB95-33D1B9D3A854}" type="slidenum">
               <a:rPr lang="en-US" smtClean="0"/>
+              <a:t>‹#›</a:t>
             </a:fld>
-            <a:endParaRPr lang="en-US"/>
+            <a:endParaRPr lang="en-US" dirty="0"/>
           </a:p>
         </p:txBody>
       </p:sp>
     </p:spTree>
+    <p:extLst>
+      <p:ext uri="{BB962C8B-B14F-4D97-AF65-F5344CB8AC3E}">
+        <p14:creationId xmlns:p14="http://schemas.microsoft.com/office/powerpoint/2010/main" val="826696401"/>
+      </p:ext>
+    </p:extLst>
   </p:cSld>
   <p:clrMapOvr>
     <a:masterClrMapping/>
@@ -2763,8 +5607,8 @@
 </file>
 
 <file path=ppt/slideLayouts/slideLayout9.xml><?xml version="1.0" encoding="utf-8"?>
-<p:sldLayout xmlns:a="http://schemas.openxmlformats.org/drawingml/2006/main" xmlns:r="http://schemas.openxmlformats.org/officeDocument/2006/relationships" xmlns:p="http://schemas.openxmlformats.org/presentationml/2006/main" type="vertTitleAndTx" preserve="1">
-  <p:cSld name="Vertical Title and Text">
+<p:sldLayout xmlns:a="http://schemas.openxmlformats.org/drawingml/2006/main" xmlns:r="http://schemas.openxmlformats.org/officeDocument/2006/relationships" xmlns:p="http://schemas.openxmlformats.org/presentationml/2006/main" type="picTx" preserve="1">
+  <p:cSld name="Рисунок с подписью">
     <p:spTree>
       <p:nvGrpSpPr>
         <p:cNvPr id="1" name=""/>
@@ -2781,102 +5625,187 @@
       </p:grpSpPr>
       <p:sp>
         <p:nvSpPr>
-          <p:cNvPr id="2" name="Vertical Title 1"/>
-          <p:cNvSpPr>
-            <a:spLocks noGrp="1"/>
-          </p:cNvSpPr>
-          <p:nvPr>
-            <p:ph type="title" orient="vert"/>
+          <p:cNvPr id="2" name="Title 1"/>
+          <p:cNvSpPr>
+            <a:spLocks noGrp="1"/>
+          </p:cNvSpPr>
+          <p:nvPr>
+            <p:ph type="title"/>
           </p:nvPr>
         </p:nvSpPr>
         <p:spPr>
           <a:xfrm>
-            <a:off x="9824484" y="365125"/>
-            <a:ext cx="1529316" cy="5811838"/>
+            <a:off x="1153907" y="1854192"/>
+            <a:ext cx="5092906" cy="1574808"/>
           </a:xfrm>
         </p:spPr>
         <p:txBody>
-          <a:bodyPr vert="eaVert">
+          <a:bodyPr anchor="b">
             <a:normAutofit/>
           </a:bodyPr>
           <a:lstStyle>
-            <a:lvl1pPr>
-              <a:defRPr sz="4400"/>
+            <a:lvl1pPr algn="l">
+              <a:defRPr sz="3600" b="0"/>
             </a:lvl1pPr>
           </a:lstStyle>
           <a:p>
             <a:r>
-              <a:rPr lang="en-US"/>
-              <a:t>Click to edit Master title style</a:t>
-            </a:r>
-            <a:endParaRPr lang="en-US"/>
-          </a:p>
-        </p:txBody>
-      </p:sp>
-      <p:sp>
-        <p:nvSpPr>
-          <p:cNvPr id="3" name="Vertical Text Placeholder 2"/>
-          <p:cNvSpPr>
-            <a:spLocks noGrp="1"/>
-          </p:cNvSpPr>
-          <p:nvPr>
-            <p:ph type="body" orient="vert" idx="1"/>
+              <a:rPr lang="ru-RU"/>
+              <a:t>Образец заголовка</a:t>
+            </a:r>
+            <a:endParaRPr lang="en-US" dirty="0"/>
+          </a:p>
+        </p:txBody>
+      </p:sp>
+      <p:sp>
+        <p:nvSpPr>
+          <p:cNvPr id="3" name="Picture Placeholder 2"/>
+          <p:cNvSpPr>
+            <a:spLocks noGrp="1" noChangeAspect="1"/>
+          </p:cNvSpPr>
+          <p:nvPr>
+            <p:ph type="pic" idx="1"/>
           </p:nvPr>
         </p:nvSpPr>
         <p:spPr>
           <a:xfrm>
-            <a:off x="838200" y="365125"/>
-            <a:ext cx="8879958" cy="5811838"/>
+            <a:off x="6949546" y="1143000"/>
+            <a:ext cx="3200400" cy="4572000"/>
+          </a:xfrm>
+          <a:prstGeom prst="roundRect">
+            <a:avLst>
+              <a:gd name="adj" fmla="val 1858"/>
+            </a:avLst>
+          </a:prstGeom>
+          <a:effectLst>
+            <a:outerShdw blurRad="50800" dist="50800" dir="5400000" algn="tl" rotWithShape="0">
+              <a:srgbClr val="000000">
+                <a:alpha val="43000"/>
+              </a:srgbClr>
+            </a:outerShdw>
+          </a:effectLst>
+        </p:spPr>
+        <p:txBody>
+          <a:bodyPr anchor="t">
+            <a:normAutofit/>
+          </a:bodyPr>
+          <a:lstStyle>
+            <a:lvl1pPr marL="0" indent="0" algn="ctr">
+              <a:buNone/>
+              <a:defRPr sz="1600"/>
+            </a:lvl1pPr>
+            <a:lvl2pPr marL="457200" indent="0">
+              <a:buNone/>
+              <a:defRPr sz="1600"/>
+            </a:lvl2pPr>
+            <a:lvl3pPr marL="914400" indent="0">
+              <a:buNone/>
+              <a:defRPr sz="1600"/>
+            </a:lvl3pPr>
+            <a:lvl4pPr marL="1371600" indent="0">
+              <a:buNone/>
+              <a:defRPr sz="1600"/>
+            </a:lvl4pPr>
+            <a:lvl5pPr marL="1828800" indent="0">
+              <a:buNone/>
+              <a:defRPr sz="1600"/>
+            </a:lvl5pPr>
+            <a:lvl6pPr marL="2286000" indent="0">
+              <a:buNone/>
+              <a:defRPr sz="1600"/>
+            </a:lvl6pPr>
+            <a:lvl7pPr marL="2743200" indent="0">
+              <a:buNone/>
+              <a:defRPr sz="1600"/>
+            </a:lvl7pPr>
+            <a:lvl8pPr marL="3200400" indent="0">
+              <a:buNone/>
+              <a:defRPr sz="1600"/>
+            </a:lvl8pPr>
+            <a:lvl9pPr marL="3657600" indent="0">
+              <a:buNone/>
+              <a:defRPr sz="1600"/>
+            </a:lvl9pPr>
+          </a:lstStyle>
+          <a:p>
+            <a:r>
+              <a:rPr lang="ru-RU"/>
+              <a:t>Вставка рисунка</a:t>
+            </a:r>
+            <a:endParaRPr lang="en-US" dirty="0"/>
+          </a:p>
+        </p:txBody>
+      </p:sp>
+      <p:sp>
+        <p:nvSpPr>
+          <p:cNvPr id="4" name="Text Placeholder 3"/>
+          <p:cNvSpPr>
+            <a:spLocks noGrp="1"/>
+          </p:cNvSpPr>
+          <p:nvPr>
+            <p:ph type="body" sz="half" idx="2"/>
+          </p:nvPr>
+        </p:nvSpPr>
+        <p:spPr>
+          <a:xfrm>
+            <a:off x="1154954" y="3657600"/>
+            <a:ext cx="5084979" cy="1371600"/>
           </a:xfrm>
         </p:spPr>
         <p:txBody>
-          <a:bodyPr vert="eaVert"/>
-          <a:lstStyle/>
+          <a:bodyPr>
+            <a:normAutofit/>
+          </a:bodyPr>
+          <a:lstStyle>
+            <a:lvl1pPr marL="0" indent="0">
+              <a:buNone/>
+              <a:defRPr sz="1400"/>
+            </a:lvl1pPr>
+            <a:lvl2pPr marL="457200" indent="0">
+              <a:buNone/>
+              <a:defRPr sz="1200"/>
+            </a:lvl2pPr>
+            <a:lvl3pPr marL="914400" indent="0">
+              <a:buNone/>
+              <a:defRPr sz="1000"/>
+            </a:lvl3pPr>
+            <a:lvl4pPr marL="1371600" indent="0">
+              <a:buNone/>
+              <a:defRPr sz="900"/>
+            </a:lvl4pPr>
+            <a:lvl5pPr marL="1828800" indent="0">
+              <a:buNone/>
+              <a:defRPr sz="900"/>
+            </a:lvl5pPr>
+            <a:lvl6pPr marL="2286000" indent="0">
+              <a:buNone/>
+              <a:defRPr sz="900"/>
+            </a:lvl6pPr>
+            <a:lvl7pPr marL="2743200" indent="0">
+              <a:buNone/>
+              <a:defRPr sz="900"/>
+            </a:lvl7pPr>
+            <a:lvl8pPr marL="3200400" indent="0">
+              <a:buNone/>
+              <a:defRPr sz="900"/>
+            </a:lvl8pPr>
+            <a:lvl9pPr marL="3657600" indent="0">
+              <a:buNone/>
+              <a:defRPr sz="900"/>
+            </a:lvl9pPr>
+          </a:lstStyle>
           <a:p>
             <a:pPr lvl="0"/>
             <a:r>
-              <a:rPr lang="en-US" dirty="0"/>
-              <a:t>Click to edit Master text styles</a:t>
-            </a:r>
-            <a:endParaRPr lang="en-US" dirty="0"/>
-          </a:p>
-          <a:p>
-            <a:pPr lvl="1"/>
-            <a:r>
-              <a:rPr lang="en-US" dirty="0"/>
-              <a:t>Second level</a:t>
-            </a:r>
-            <a:endParaRPr lang="en-US" dirty="0"/>
-          </a:p>
-          <a:p>
-            <a:pPr lvl="2"/>
-            <a:r>
-              <a:rPr lang="en-US" dirty="0"/>
-              <a:t>Third level</a:t>
-            </a:r>
-            <a:endParaRPr lang="en-US" dirty="0"/>
-          </a:p>
-          <a:p>
-            <a:pPr lvl="3"/>
-            <a:r>
-              <a:rPr lang="en-US" dirty="0"/>
-              <a:t>Fourth level</a:t>
-            </a:r>
-            <a:endParaRPr lang="en-US" dirty="0"/>
-          </a:p>
-          <a:p>
-            <a:pPr lvl="4"/>
-            <a:r>
-              <a:rPr lang="en-US" dirty="0"/>
-              <a:t>Fifth level</a:t>
-            </a:r>
-            <a:endParaRPr lang="en-US" dirty="0"/>
-          </a:p>
-        </p:txBody>
-      </p:sp>
-      <p:sp>
-        <p:nvSpPr>
-          <p:cNvPr id="4" name="Date Placeholder 3"/>
+              <a:rPr lang="ru-RU"/>
+              <a:t>Образец текста</a:t>
+            </a:r>
+          </a:p>
+        </p:txBody>
+      </p:sp>
+      <p:sp>
+        <p:nvSpPr>
+          <p:cNvPr id="5" name="Date Placeholder 4"/>
           <p:cNvSpPr>
             <a:spLocks noGrp="1"/>
           </p:cNvSpPr>
@@ -2891,14 +5820,15 @@
           <a:p>
             <a:fld id="{760FBDFE-C587-4B4C-A407-44438C67B59E}" type="datetimeFigureOut">
               <a:rPr lang="en-US" smtClean="0"/>
+              <a:t>1/28/2025</a:t>
             </a:fld>
-            <a:endParaRPr lang="en-US"/>
-          </a:p>
-        </p:txBody>
-      </p:sp>
-      <p:sp>
-        <p:nvSpPr>
-          <p:cNvPr id="5" name="Footer Placeholder 4"/>
+            <a:endParaRPr lang="en-US" dirty="0"/>
+          </a:p>
+        </p:txBody>
+      </p:sp>
+      <p:sp>
+        <p:nvSpPr>
+          <p:cNvPr id="6" name="Footer Placeholder 5"/>
           <p:cNvSpPr>
             <a:spLocks noGrp="1"/>
           </p:cNvSpPr>
@@ -2917,7 +5847,7 @@
       </p:sp>
       <p:sp>
         <p:nvSpPr>
-          <p:cNvPr id="6" name="Slide Number Placeholder 5"/>
+          <p:cNvPr id="7" name="Slide Number Placeholder 6"/>
           <p:cNvSpPr>
             <a:spLocks noGrp="1"/>
           </p:cNvSpPr>
@@ -2932,12 +5862,18 @@
           <a:p>
             <a:fld id="{49AE70B2-8BF9-45C0-BB95-33D1B9D3A854}" type="slidenum">
               <a:rPr lang="en-US" smtClean="0"/>
+              <a:t>‹#›</a:t>
             </a:fld>
-            <a:endParaRPr lang="en-US"/>
+            <a:endParaRPr lang="en-US" dirty="0"/>
           </a:p>
         </p:txBody>
       </p:sp>
     </p:spTree>
+    <p:extLst>
+      <p:ext uri="{BB962C8B-B14F-4D97-AF65-F5344CB8AC3E}">
+        <p14:creationId xmlns:p14="http://schemas.microsoft.com/office/powerpoint/2010/main" val="3267722203"/>
+      </p:ext>
+    </p:extLst>
   </p:cSld>
   <p:clrMapOvr>
     <a:masterClrMapping/>
@@ -2949,12 +5885,9 @@
 <p:sldMaster xmlns:a="http://schemas.openxmlformats.org/drawingml/2006/main" xmlns:r="http://schemas.openxmlformats.org/officeDocument/2006/relationships" xmlns:p="http://schemas.openxmlformats.org/presentationml/2006/main">
   <p:cSld>
     <p:bg>
-      <p:bgPr>
-        <a:solidFill>
-          <a:schemeClr val="bg1"/>
-        </a:solidFill>
-        <a:effectLst/>
-      </p:bgPr>
+      <p:bgRef idx="1003">
+        <a:schemeClr val="bg2"/>
+      </p:bgRef>
     </p:bg>
     <p:spTree>
       <p:nvGrpSpPr>
@@ -2970,146 +5903,420 @@
           <a:chExt cx="0" cy="0"/>
         </a:xfrm>
       </p:grpSpPr>
-      <p:sp>
-        <p:nvSpPr>
-          <p:cNvPr id="2" name="Title Placeholder 1"/>
-          <p:cNvSpPr>
-            <a:spLocks noGrp="1"/>
-          </p:cNvSpPr>
-          <p:nvPr>
-            <p:ph type="title"/>
-          </p:nvPr>
-        </p:nvSpPr>
+      <p:pic>
+        <p:nvPicPr>
+          <p:cNvPr id="8" name="Picture 7"/>
+          <p:cNvPicPr>
+            <a:picLocks noChangeAspect="1"/>
+          </p:cNvPicPr>
+          <p:nvPr/>
+        </p:nvPicPr>
+        <p:blipFill rotWithShape="1">
+          <a:blip r:embed="rId20">
+            <a:extLst>
+              <a:ext uri="{28A0092B-C50C-407E-A947-70E740481C1C}">
+                <a14:useLocalDpi xmlns:a14="http://schemas.microsoft.com/office/drawing/2010/main" val="0"/>
+              </a:ext>
+            </a:extLst>
+          </a:blip>
+          <a:srcRect l="3613"/>
+          <a:stretch/>
+        </p:blipFill>
         <p:spPr>
           <a:xfrm>
-            <a:off x="838200" y="365125"/>
-            <a:ext cx="10515600" cy="1325563"/>
+            <a:off x="0" y="2669685"/>
+            <a:ext cx="4037012" cy="4188315"/>
           </a:xfrm>
           <a:prstGeom prst="rect">
             <a:avLst/>
           </a:prstGeom>
         </p:spPr>
-        <p:txBody>
-          <a:bodyPr vert="horz" lIns="91440" tIns="45720" rIns="91440" bIns="45720" rtlCol="0" anchor="ctr">
-            <a:normAutofit/>
-          </a:bodyPr>
-          <a:lstStyle/>
-          <a:p>
-            <a:r>
-              <a:rPr lang="en-US" dirty="0" smtClean="0"/>
-              <a:t>Click to edit Master title style</a:t>
-            </a:r>
-            <a:endParaRPr lang="en-US" dirty="0"/>
-          </a:p>
-        </p:txBody>
-      </p:sp>
-      <p:sp>
-        <p:nvSpPr>
-          <p:cNvPr id="3" name="Text Placeholder 2"/>
-          <p:cNvSpPr>
-            <a:spLocks noGrp="1"/>
-          </p:cNvSpPr>
-          <p:nvPr>
-            <p:ph type="body" idx="1"/>
-          </p:nvPr>
-        </p:nvSpPr>
+      </p:pic>
+      <p:pic>
+        <p:nvPicPr>
+          <p:cNvPr id="7" name="Picture 6"/>
+          <p:cNvPicPr>
+            <a:picLocks noChangeAspect="1"/>
+          </p:cNvPicPr>
+          <p:nvPr/>
+        </p:nvPicPr>
+        <p:blipFill rotWithShape="1">
+          <a:blip r:embed="rId21">
+            <a:extLst>
+              <a:ext uri="{28A0092B-C50C-407E-A947-70E740481C1C}">
+                <a14:useLocalDpi xmlns:a14="http://schemas.microsoft.com/office/drawing/2010/main" val="0"/>
+              </a:ext>
+            </a:extLst>
+          </a:blip>
+          <a:srcRect l="35640"/>
+          <a:stretch/>
+        </p:blipFill>
         <p:spPr>
           <a:xfrm>
-            <a:off x="838200" y="1825625"/>
-            <a:ext cx="10515600" cy="4351338"/>
+            <a:off x="0" y="2892347"/>
+            <a:ext cx="1522412" cy="2365453"/>
           </a:xfrm>
           <a:prstGeom prst="rect">
             <a:avLst/>
           </a:prstGeom>
         </p:spPr>
-        <p:txBody>
-          <a:bodyPr vert="horz" lIns="91440" tIns="45720" rIns="91440" bIns="45720" rtlCol="0">
-            <a:normAutofit/>
-          </a:bodyPr>
-          <a:lstStyle/>
-          <a:p>
-            <a:pPr marL="228600" marR="0" lvl="0" indent="-228600" algn="l" defTabSz="914400" rtl="0" eaLnBrk="1" fontAlgn="auto" latinLnBrk="0" hangingPunct="1">
-              <a:lnSpc>
-                <a:spcPct val="90000"/>
-              </a:lnSpc>
-              <a:spcBef>
-                <a:spcPts val="1000"/>
-              </a:spcBef>
-              <a:spcAft>
-                <a:spcPts val="0"/>
-              </a:spcAft>
-              <a:buClrTx/>
-              <a:buSzTx/>
-              <a:buFont typeface="Arial" panose="020B0604020202020204" pitchFamily="34" charset="0"/>
-              <a:buChar char="•"/>
-              <a:defRPr/>
-            </a:pPr>
-            <a:r>
-              <a:rPr lang="en-US" dirty="0" smtClean="0"/>
-              <a:t>Click to edit Master text styles</a:t>
-            </a:r>
-            <a:endParaRPr lang="en-US" dirty="0" smtClean="0"/>
-          </a:p>
-          <a:p>
-            <a:pPr lvl="1"/>
-            <a:r>
-              <a:rPr lang="en-US" dirty="0" smtClean="0"/>
-              <a:t>Second level</a:t>
-            </a:r>
-            <a:endParaRPr lang="en-US" dirty="0" smtClean="0"/>
-          </a:p>
-          <a:p>
-            <a:pPr lvl="2"/>
-            <a:r>
-              <a:rPr lang="en-US" dirty="0" smtClean="0"/>
-              <a:t>Third level</a:t>
-            </a:r>
-            <a:endParaRPr lang="en-US" dirty="0"/>
-          </a:p>
-          <a:p>
-            <a:pPr lvl="3"/>
-            <a:r>
-              <a:rPr lang="en-US" dirty="0" smtClean="0"/>
-              <a:t>Fourth level</a:t>
-            </a:r>
-            <a:endParaRPr lang="en-US" dirty="0"/>
-          </a:p>
-          <a:p>
-            <a:pPr lvl="4"/>
-            <a:r>
-              <a:rPr lang="en-US" dirty="0" smtClean="0"/>
-              <a:t>Fifth level</a:t>
-            </a:r>
-            <a:endParaRPr lang="en-US" dirty="0"/>
-          </a:p>
-        </p:txBody>
-      </p:sp>
-      <p:sp>
-        <p:nvSpPr>
-          <p:cNvPr id="4" name="Date Placeholder 3"/>
-          <p:cNvSpPr>
-            <a:spLocks noGrp="1"/>
-          </p:cNvSpPr>
-          <p:nvPr>
-            <p:ph type="dt" sz="half" idx="2"/>
-          </p:nvPr>
+      </p:pic>
+      <p:sp>
+        <p:nvSpPr>
+          <p:cNvPr id="16" name="Oval 15"/>
+          <p:cNvSpPr/>
+          <p:nvPr/>
         </p:nvSpPr>
         <p:spPr>
           <a:xfrm>
-            <a:off x="838200" y="6356350"/>
-            <a:ext cx="2743200" cy="365125"/>
+            <a:off x="8609012" y="1676400"/>
+            <a:ext cx="2819400" cy="2819400"/>
+          </a:xfrm>
+          <a:prstGeom prst="ellipse">
+            <a:avLst/>
+          </a:prstGeom>
+          <a:gradFill flip="none" rotWithShape="1">
+            <a:gsLst>
+              <a:gs pos="0">
+                <a:schemeClr val="bg2">
+                  <a:lumMod val="60000"/>
+                  <a:lumOff val="40000"/>
+                  <a:alpha val="7000"/>
+                </a:schemeClr>
+              </a:gs>
+              <a:gs pos="69000">
+                <a:schemeClr val="bg2">
+                  <a:lumMod val="60000"/>
+                  <a:lumOff val="40000"/>
+                  <a:alpha val="0"/>
+                </a:schemeClr>
+              </a:gs>
+              <a:gs pos="36000">
+                <a:schemeClr val="bg2">
+                  <a:lumMod val="60000"/>
+                  <a:lumOff val="40000"/>
+                  <a:alpha val="6000"/>
+                </a:schemeClr>
+              </a:gs>
+            </a:gsLst>
+            <a:path path="circle">
+              <a:fillToRect l="50000" t="50000" r="50000" b="50000"/>
+            </a:path>
+            <a:tileRect/>
+          </a:gradFill>
+          <a:ln>
+            <a:noFill/>
+          </a:ln>
+          <a:effectLst/>
+        </p:spPr>
+        <p:style>
+          <a:lnRef idx="1">
+            <a:schemeClr val="accent1"/>
+          </a:lnRef>
+          <a:fillRef idx="3">
+            <a:schemeClr val="accent1"/>
+          </a:fillRef>
+          <a:effectRef idx="2">
+            <a:schemeClr val="accent1"/>
+          </a:effectRef>
+          <a:fontRef idx="minor">
+            <a:schemeClr val="lt1"/>
+          </a:fontRef>
+        </p:style>
+      </p:sp>
+      <p:pic>
+        <p:nvPicPr>
+          <p:cNvPr id="9" name="Picture 8"/>
+          <p:cNvPicPr>
+            <a:picLocks noChangeAspect="1"/>
+          </p:cNvPicPr>
+          <p:nvPr/>
+        </p:nvPicPr>
+        <p:blipFill rotWithShape="1">
+          <a:blip r:embed="rId22">
+            <a:extLst>
+              <a:ext uri="{28A0092B-C50C-407E-A947-70E740481C1C}">
+                <a14:useLocalDpi xmlns:a14="http://schemas.microsoft.com/office/drawing/2010/main" val="0"/>
+              </a:ext>
+            </a:extLst>
+          </a:blip>
+          <a:srcRect t="28813"/>
+          <a:stretch/>
+        </p:blipFill>
+        <p:spPr>
+          <a:xfrm>
+            <a:off x="7999412" y="0"/>
+            <a:ext cx="1603387" cy="1141407"/>
           </a:xfrm>
           <a:prstGeom prst="rect">
             <a:avLst/>
           </a:prstGeom>
         </p:spPr>
-        <p:txBody>
-          <a:bodyPr vert="horz" lIns="91440" tIns="45720" rIns="91440" bIns="45720" rtlCol="0" anchor="ctr">
+      </p:pic>
+      <p:pic>
+        <p:nvPicPr>
+          <p:cNvPr id="10" name="Picture 9"/>
+          <p:cNvPicPr>
+            <a:picLocks noChangeAspect="1"/>
+          </p:cNvPicPr>
+          <p:nvPr/>
+        </p:nvPicPr>
+        <p:blipFill rotWithShape="1">
+          <a:blip r:embed="rId23">
+            <a:extLst>
+              <a:ext uri="{28A0092B-C50C-407E-A947-70E740481C1C}">
+                <a14:useLocalDpi xmlns:a14="http://schemas.microsoft.com/office/drawing/2010/main" val="0"/>
+              </a:ext>
+            </a:extLst>
+          </a:blip>
+          <a:srcRect b="23320"/>
+          <a:stretch/>
+        </p:blipFill>
+        <p:spPr>
+          <a:xfrm>
+            <a:off x="8605878" y="6096000"/>
+            <a:ext cx="993734" cy="762000"/>
+          </a:xfrm>
+          <a:prstGeom prst="rect">
+            <a:avLst/>
+          </a:prstGeom>
+        </p:spPr>
+      </p:pic>
+      <p:sp>
+        <p:nvSpPr>
+          <p:cNvPr id="14" name="Rectangle 13"/>
+          <p:cNvSpPr/>
+          <p:nvPr/>
+        </p:nvSpPr>
+        <p:spPr>
+          <a:xfrm>
+            <a:off x="10437812" y="0"/>
+            <a:ext cx="685800" cy="1143000"/>
+          </a:xfrm>
+          <a:prstGeom prst="rect">
+            <a:avLst/>
+          </a:prstGeom>
+          <a:solidFill>
+            <a:schemeClr val="accent1"/>
+          </a:solidFill>
+          <a:ln>
+            <a:noFill/>
+          </a:ln>
+        </p:spPr>
+        <p:style>
+          <a:lnRef idx="1">
+            <a:schemeClr val="accent1"/>
+          </a:lnRef>
+          <a:fillRef idx="3">
+            <a:schemeClr val="accent1"/>
+          </a:fillRef>
+          <a:effectRef idx="2">
+            <a:schemeClr val="accent1"/>
+          </a:effectRef>
+          <a:fontRef idx="minor">
+            <a:schemeClr val="lt1"/>
+          </a:fontRef>
+        </p:style>
+      </p:sp>
+      <p:sp>
+        <p:nvSpPr>
+          <p:cNvPr id="2" name="Title Placeholder 1"/>
+          <p:cNvSpPr>
+            <a:spLocks noGrp="1"/>
+          </p:cNvSpPr>
+          <p:nvPr>
+            <p:ph type="title"/>
+          </p:nvPr>
+        </p:nvSpPr>
+        <p:spPr>
+          <a:xfrm>
+            <a:off x="646111" y="452718"/>
+            <a:ext cx="9404723" cy="1400530"/>
+          </a:xfrm>
+          <a:prstGeom prst="rect">
+            <a:avLst/>
+          </a:prstGeom>
+        </p:spPr>
+        <p:txBody>
+          <a:bodyPr vert="horz" lIns="91440" tIns="45720" rIns="91440" bIns="45720" rtlCol="0" anchor="t">
+            <a:noAutofit/>
+          </a:bodyPr>
+          <a:lstStyle/>
+          <a:p>
+            <a:r>
+              <a:rPr lang="ru-RU"/>
+              <a:t>Образец заголовка</a:t>
+            </a:r>
+            <a:endParaRPr lang="en-US" dirty="0"/>
+          </a:p>
+        </p:txBody>
+      </p:sp>
+      <p:sp>
+        <p:nvSpPr>
+          <p:cNvPr id="3" name="Text Placeholder 2"/>
+          <p:cNvSpPr>
+            <a:spLocks noGrp="1"/>
+          </p:cNvSpPr>
+          <p:nvPr>
+            <p:ph type="body" idx="1"/>
+          </p:nvPr>
+        </p:nvSpPr>
+        <p:spPr>
+          <a:xfrm>
+            <a:off x="1103312" y="2052918"/>
+            <a:ext cx="8946541" cy="4195481"/>
+          </a:xfrm>
+          <a:prstGeom prst="rect">
+            <a:avLst/>
+          </a:prstGeom>
+        </p:spPr>
+        <p:txBody>
+          <a:bodyPr vert="horz" lIns="91440" tIns="45720" rIns="91440" bIns="45720" rtlCol="0">
             <a:normAutofit/>
           </a:bodyPr>
+          <a:lstStyle/>
+          <a:p>
+            <a:pPr lvl="0"/>
+            <a:r>
+              <a:rPr lang="ru-RU"/>
+              <a:t>Образец текста</a:t>
+            </a:r>
+          </a:p>
+          <a:p>
+            <a:pPr lvl="1"/>
+            <a:r>
+              <a:rPr lang="ru-RU"/>
+              <a:t>Второй уровень</a:t>
+            </a:r>
+          </a:p>
+          <a:p>
+            <a:pPr lvl="2"/>
+            <a:r>
+              <a:rPr lang="ru-RU"/>
+              <a:t>Третий уровень</a:t>
+            </a:r>
+          </a:p>
+          <a:p>
+            <a:pPr lvl="3"/>
+            <a:r>
+              <a:rPr lang="ru-RU"/>
+              <a:t>Четвертый уровень</a:t>
+            </a:r>
+          </a:p>
+          <a:p>
+            <a:pPr lvl="4"/>
+            <a:r>
+              <a:rPr lang="ru-RU"/>
+              <a:t>Пятый уровень</a:t>
+            </a:r>
+            <a:endParaRPr lang="en-US" dirty="0"/>
+          </a:p>
+        </p:txBody>
+      </p:sp>
+      <p:sp>
+        <p:nvSpPr>
+          <p:cNvPr id="4" name="Date Placeholder 3"/>
+          <p:cNvSpPr>
+            <a:spLocks noGrp="1"/>
+          </p:cNvSpPr>
+          <p:nvPr>
+            <p:ph type="dt" sz="half" idx="2"/>
+          </p:nvPr>
+        </p:nvSpPr>
+        <p:spPr>
+          <a:xfrm rot="5400000">
+            <a:off x="10155639" y="1790701"/>
+            <a:ext cx="990599" cy="304799"/>
+          </a:xfrm>
+          <a:prstGeom prst="rect">
+            <a:avLst/>
+          </a:prstGeom>
+        </p:spPr>
+        <p:txBody>
+          <a:bodyPr vert="horz" lIns="91440" tIns="45720" rIns="91440" bIns="45720" rtlCol="0" anchor="t"/>
           <a:lstStyle>
             <a:lvl1pPr algn="l">
-              <a:defRPr sz="1200" baseline="0">
+              <a:defRPr sz="1100" b="0" i="0">
+                <a:solidFill>
+                  <a:schemeClr val="tx1">
+                    <a:tint val="75000"/>
+                    <a:alpha val="60000"/>
+                  </a:schemeClr>
+                </a:solidFill>
+              </a:defRPr>
+            </a:lvl1pPr>
+          </a:lstStyle>
+          <a:p>
+            <a:fld id="{760FBDFE-C587-4B4C-A407-44438C67B59E}" type="datetimeFigureOut">
+              <a:rPr lang="en-US" smtClean="0"/>
+              <a:t>1/28/2025</a:t>
+            </a:fld>
+            <a:endParaRPr lang="en-US" dirty="0"/>
+          </a:p>
+        </p:txBody>
+      </p:sp>
+      <p:sp>
+        <p:nvSpPr>
+          <p:cNvPr id="5" name="Footer Placeholder 4"/>
+          <p:cNvSpPr>
+            <a:spLocks noGrp="1"/>
+          </p:cNvSpPr>
+          <p:nvPr>
+            <p:ph type="ftr" sz="quarter" idx="3"/>
+          </p:nvPr>
+        </p:nvSpPr>
+        <p:spPr>
+          <a:xfrm rot="5400000">
+            <a:off x="8951573" y="3225297"/>
+            <a:ext cx="3859795" cy="304801"/>
+          </a:xfrm>
+          <a:prstGeom prst="rect">
+            <a:avLst/>
+          </a:prstGeom>
+        </p:spPr>
+        <p:txBody>
+          <a:bodyPr vert="horz" lIns="91440" tIns="45720" rIns="91440" bIns="45720" rtlCol="0" anchor="b"/>
+          <a:lstStyle>
+            <a:lvl1pPr algn="l">
+              <a:defRPr sz="1100" b="0" i="0">
+                <a:solidFill>
+                  <a:schemeClr val="tx1">
+                    <a:tint val="75000"/>
+                    <a:alpha val="60000"/>
+                  </a:schemeClr>
+                </a:solidFill>
+              </a:defRPr>
+            </a:lvl1pPr>
+          </a:lstStyle>
+          <a:p>
+            <a:endParaRPr lang="en-US"/>
+          </a:p>
+        </p:txBody>
+      </p:sp>
+      <p:sp>
+        <p:nvSpPr>
+          <p:cNvPr id="6" name="Slide Number Placeholder 5"/>
+          <p:cNvSpPr>
+            <a:spLocks noGrp="1"/>
+          </p:cNvSpPr>
+          <p:nvPr>
+            <p:ph type="sldNum" sz="quarter" idx="4"/>
+          </p:nvPr>
+        </p:nvSpPr>
+        <p:spPr bwMode="gray">
+          <a:xfrm>
+            <a:off x="10352540" y="295729"/>
+            <a:ext cx="838199" cy="767687"/>
+          </a:xfrm>
+          <a:prstGeom prst="rect">
+            <a:avLst/>
+          </a:prstGeom>
+        </p:spPr>
+        <p:txBody>
+          <a:bodyPr vert="horz" lIns="91440" tIns="45720" rIns="91440" bIns="45720" rtlCol="0" anchor="b"/>
+          <a:lstStyle>
+            <a:lvl1pPr algn="ctr">
+              <a:defRPr sz="2800" b="0" i="0">
                 <a:solidFill>
                   <a:schemeClr val="tx1">
                     <a:tint val="75000"/>
@@ -3119,241 +6326,397 @@
             </a:lvl1pPr>
           </a:lstStyle>
           <a:p>
-            <a:fld id="{760FBDFE-C587-4B4C-A407-44438C67B59E}" type="datetimeFigureOut">
+            <a:fld id="{49AE70B2-8BF9-45C0-BB95-33D1B9D3A854}" type="slidenum">
               <a:rPr lang="en-US" smtClean="0"/>
+              <a:t>‹#›</a:t>
             </a:fld>
             <a:endParaRPr lang="en-US" dirty="0"/>
           </a:p>
         </p:txBody>
       </p:sp>
-      <p:sp>
-        <p:nvSpPr>
-          <p:cNvPr id="5" name="Footer Placeholder 4"/>
-          <p:cNvSpPr>
-            <a:spLocks noGrp="1"/>
-          </p:cNvSpPr>
-          <p:nvPr>
-            <p:ph type="ftr" sz="quarter" idx="3"/>
-          </p:nvPr>
-        </p:nvSpPr>
-        <p:spPr>
-          <a:xfrm>
-            <a:off x="4038600" y="6356350"/>
-            <a:ext cx="4114800" cy="365125"/>
-          </a:xfrm>
-          <a:prstGeom prst="rect">
-            <a:avLst/>
-          </a:prstGeom>
-        </p:spPr>
-        <p:txBody>
-          <a:bodyPr vert="horz" lIns="91440" tIns="45720" rIns="91440" bIns="45720" rtlCol="0" anchor="ctr">
-            <a:normAutofit/>
-          </a:bodyPr>
-          <a:lstStyle>
-            <a:lvl1pPr algn="ctr">
-              <a:defRPr sz="1200">
-                <a:solidFill>
-                  <a:schemeClr val="tx1">
-                    <a:tint val="75000"/>
-                  </a:schemeClr>
-                </a:solidFill>
-                <a:latin typeface="Calibri Light" panose="020F0302020204030204" pitchFamily="34" charset="0"/>
-                <a:cs typeface="Calibri Light" panose="020F0302020204030204" pitchFamily="34" charset="0"/>
-              </a:defRPr>
-            </a:lvl1pPr>
-          </a:lstStyle>
-          <a:p>
-            <a:endParaRPr lang="en-US"/>
-          </a:p>
-        </p:txBody>
-      </p:sp>
-      <p:sp>
-        <p:nvSpPr>
-          <p:cNvPr id="6" name="Slide Number Placeholder 5"/>
-          <p:cNvSpPr>
-            <a:spLocks noGrp="1"/>
-          </p:cNvSpPr>
-          <p:nvPr>
-            <p:ph type="sldNum" sz="quarter" idx="4"/>
-          </p:nvPr>
-        </p:nvSpPr>
-        <p:spPr>
-          <a:xfrm>
-            <a:off x="8610600" y="6356350"/>
-            <a:ext cx="2743200" cy="365125"/>
-          </a:xfrm>
-          <a:prstGeom prst="rect">
-            <a:avLst/>
-          </a:prstGeom>
-        </p:spPr>
-        <p:txBody>
-          <a:bodyPr vert="horz" lIns="91440" tIns="45720" rIns="91440" bIns="45720" rtlCol="0" anchor="ctr">
-            <a:normAutofit/>
-          </a:bodyPr>
-          <a:lstStyle>
-            <a:lvl1pPr algn="r">
-              <a:defRPr sz="1200">
-                <a:solidFill>
-                  <a:schemeClr val="tx1">
-                    <a:tint val="75000"/>
-                  </a:schemeClr>
-                </a:solidFill>
-                <a:latin typeface="Calibri Light" panose="020F0302020204030204" pitchFamily="34" charset="0"/>
-                <a:cs typeface="Calibri Light" panose="020F0302020204030204" pitchFamily="34" charset="0"/>
-              </a:defRPr>
-            </a:lvl1pPr>
-          </a:lstStyle>
-          <a:p>
-            <a:fld id="{49AE70B2-8BF9-45C0-BB95-33D1B9D3A854}" type="slidenum">
-              <a:rPr lang="en-US" smtClean="0"/>
-            </a:fld>
-            <a:endParaRPr lang="en-US" dirty="0"/>
-          </a:p>
-        </p:txBody>
-      </p:sp>
     </p:spTree>
+    <p:extLst>
+      <p:ext uri="{BB962C8B-B14F-4D97-AF65-F5344CB8AC3E}">
+        <p14:creationId xmlns:p14="http://schemas.microsoft.com/office/powerpoint/2010/main" val="1406119444"/>
+      </p:ext>
+    </p:extLst>
   </p:cSld>
-  <p:clrMap bg1="lt1" tx1="dk1" bg2="lt2" tx2="dk2" accent1="accent1" accent2="accent2" accent3="accent3" accent4="accent4" accent5="accent5" accent6="accent6" hlink="hlink" folHlink="folHlink"/>
+  <p:clrMap bg1="dk1" tx1="lt1" bg2="dk2" tx2="lt2" accent1="accent1" accent2="accent2" accent3="accent3" accent4="accent4" accent5="accent5" accent6="accent6" hlink="hlink" folHlink="folHlink"/>
   <p:sldLayoutIdLst>
-    <p:sldLayoutId id="2147483649" r:id="rId1"/>
-    <p:sldLayoutId id="2147483650" r:id="rId2"/>
-    <p:sldLayoutId id="2147483651" r:id="rId3"/>
-    <p:sldLayoutId id="2147483652" r:id="rId4"/>
-    <p:sldLayoutId id="2147483653" r:id="rId5"/>
-    <p:sldLayoutId id="2147483654" r:id="rId6"/>
-    <p:sldLayoutId id="2147483655" r:id="rId7"/>
-    <p:sldLayoutId id="2147483656" r:id="rId8"/>
-    <p:sldLayoutId id="2147483657" r:id="rId9"/>
-    <p:sldLayoutId id="2147483658" r:id="rId10"/>
+    <p:sldLayoutId id="2147483695" r:id="rId1"/>
+    <p:sldLayoutId id="2147483696" r:id="rId2"/>
+    <p:sldLayoutId id="2147483697" r:id="rId3"/>
+    <p:sldLayoutId id="2147483698" r:id="rId4"/>
+    <p:sldLayoutId id="2147483699" r:id="rId5"/>
+    <p:sldLayoutId id="2147483700" r:id="rId6"/>
+    <p:sldLayoutId id="2147483701" r:id="rId7"/>
+    <p:sldLayoutId id="2147483702" r:id="rId8"/>
+    <p:sldLayoutId id="2147483703" r:id="rId9"/>
+    <p:sldLayoutId id="2147483704" r:id="rId10"/>
+    <p:sldLayoutId id="2147483705" r:id="rId11"/>
+    <p:sldLayoutId id="2147483706" r:id="rId12"/>
+    <p:sldLayoutId id="2147483707" r:id="rId13"/>
+    <p:sldLayoutId id="2147483708" r:id="rId14"/>
+    <p:sldLayoutId id="2147483709" r:id="rId15"/>
+    <p:sldLayoutId id="2147483710" r:id="rId16"/>
+    <p:sldLayoutId id="2147483711" r:id="rId17"/>
+    <p:sldLayoutId id="2147483658" r:id="rId18"/>
   </p:sldLayoutIdLst>
   <p:txStyles>
     <p:titleStyle>
-      <a:lvl1pPr algn="l" defTabSz="914400" rtl="0" eaLnBrk="1" latinLnBrk="0" hangingPunct="1">
-        <a:lnSpc>
-          <a:spcPct val="90000"/>
-        </a:lnSpc>
+      <a:lvl1pPr algn="l" defTabSz="457200" rtl="0" eaLnBrk="1" latinLnBrk="0" hangingPunct="1">
         <a:spcBef>
           <a:spcPct val="0"/>
         </a:spcBef>
         <a:buNone/>
-        <a:defRPr sz="4000" kern="1200">
+        <a:defRPr sz="4200" b="0" i="0" kern="1200">
           <a:solidFill>
-            <a:schemeClr val="tx1"/>
+            <a:schemeClr val="tx2"/>
           </a:solidFill>
-          <a:latin typeface="Calibri Light" panose="020F0302020204030204" pitchFamily="34" charset="0"/>
+          <a:latin typeface="+mj-lt"/>
           <a:ea typeface="+mj-ea"/>
           <a:cs typeface="+mj-cs"/>
         </a:defRPr>
       </a:lvl1pPr>
+      <a:lvl2pPr eaLnBrk="1" hangingPunct="1">
+        <a:defRPr>
+          <a:solidFill>
+            <a:schemeClr val="tx2"/>
+          </a:solidFill>
+        </a:defRPr>
+      </a:lvl2pPr>
+      <a:lvl3pPr eaLnBrk="1" hangingPunct="1">
+        <a:defRPr>
+          <a:solidFill>
+            <a:schemeClr val="tx2"/>
+          </a:solidFill>
+        </a:defRPr>
+      </a:lvl3pPr>
+      <a:lvl4pPr eaLnBrk="1" hangingPunct="1">
+        <a:defRPr>
+          <a:solidFill>
+            <a:schemeClr val="tx2"/>
+          </a:solidFill>
+        </a:defRPr>
+      </a:lvl4pPr>
+      <a:lvl5pPr eaLnBrk="1" hangingPunct="1">
+        <a:defRPr>
+          <a:solidFill>
+            <a:schemeClr val="tx2"/>
+          </a:solidFill>
+        </a:defRPr>
+      </a:lvl5pPr>
+      <a:lvl6pPr eaLnBrk="1" hangingPunct="1">
+        <a:defRPr>
+          <a:solidFill>
+            <a:schemeClr val="tx2"/>
+          </a:solidFill>
+        </a:defRPr>
+      </a:lvl6pPr>
+      <a:lvl7pPr eaLnBrk="1" hangingPunct="1">
+        <a:defRPr>
+          <a:solidFill>
+            <a:schemeClr val="tx2"/>
+          </a:solidFill>
+        </a:defRPr>
+      </a:lvl7pPr>
+      <a:lvl8pPr eaLnBrk="1" hangingPunct="1">
+        <a:defRPr>
+          <a:solidFill>
+            <a:schemeClr val="tx2"/>
+          </a:solidFill>
+        </a:defRPr>
+      </a:lvl8pPr>
+      <a:lvl9pPr eaLnBrk="1" hangingPunct="1">
+        <a:defRPr>
+          <a:solidFill>
+            <a:schemeClr val="tx2"/>
+          </a:solidFill>
+        </a:defRPr>
+      </a:lvl9pPr>
     </p:titleStyle>
     <p:bodyStyle>
-      <a:lvl1pPr marL="0" marR="0" indent="0" algn="l" defTabSz="914400" rtl="0" eaLnBrk="1" fontAlgn="auto" latinLnBrk="0" hangingPunct="1">
-        <a:lnSpc>
-          <a:spcPct val="90000"/>
-        </a:lnSpc>
+      <a:lvl1pPr marL="342900" indent="-342900" algn="l" defTabSz="457200" rtl="0" eaLnBrk="1" latinLnBrk="0" hangingPunct="1">
         <a:spcBef>
           <a:spcPts val="1000"/>
         </a:spcBef>
         <a:spcAft>
           <a:spcPts val="0"/>
         </a:spcAft>
-        <a:buClrTx/>
-        <a:buSzTx/>
-        <a:buFont typeface="Arial" panose="020B0604020202020204" pitchFamily="34" charset="0"/>
-        <a:buNone/>
-        <a:defRPr sz="2800" b="0" kern="1200">
+        <a:buClr>
+          <a:schemeClr val="bg2">
+            <a:lumMod val="40000"/>
+            <a:lumOff val="60000"/>
+          </a:schemeClr>
+        </a:buClr>
+        <a:buSzPct val="80000"/>
+        <a:buFont typeface="Wingdings 3" charset="2"/>
+        <a:buChar char=""/>
+        <a:defRPr sz="2000" b="0" i="0" kern="1200">
           <a:solidFill>
             <a:schemeClr val="tx1"/>
           </a:solidFill>
-          <a:latin typeface="Calibri Light" panose="020F0302020204030204" pitchFamily="34" charset="0"/>
+          <a:latin typeface="+mj-lt"/>
+          <a:ea typeface="+mj-ea"/>
+          <a:cs typeface="+mj-cs"/>
+        </a:defRPr>
+      </a:lvl1pPr>
+      <a:lvl2pPr marL="742950" indent="-285750" algn="l" defTabSz="457200" rtl="0" eaLnBrk="1" latinLnBrk="0" hangingPunct="1">
+        <a:spcBef>
+          <a:spcPts val="1000"/>
+        </a:spcBef>
+        <a:spcAft>
+          <a:spcPts val="0"/>
+        </a:spcAft>
+        <a:buClr>
+          <a:schemeClr val="bg2">
+            <a:lumMod val="40000"/>
+            <a:lumOff val="60000"/>
+          </a:schemeClr>
+        </a:buClr>
+        <a:buSzPct val="80000"/>
+        <a:buFont typeface="Wingdings 3" charset="2"/>
+        <a:buChar char=""/>
+        <a:defRPr sz="1800" b="0" i="0" kern="1200">
+          <a:solidFill>
+            <a:schemeClr val="tx1"/>
+          </a:solidFill>
+          <a:latin typeface="+mj-lt"/>
+          <a:ea typeface="+mj-ea"/>
+          <a:cs typeface="+mj-cs"/>
+        </a:defRPr>
+      </a:lvl2pPr>
+      <a:lvl3pPr marL="1143000" indent="-228600" algn="l" defTabSz="457200" rtl="0" eaLnBrk="1" latinLnBrk="0" hangingPunct="1">
+        <a:spcBef>
+          <a:spcPts val="1000"/>
+        </a:spcBef>
+        <a:spcAft>
+          <a:spcPts val="0"/>
+        </a:spcAft>
+        <a:buClr>
+          <a:schemeClr val="bg2">
+            <a:lumMod val="40000"/>
+            <a:lumOff val="60000"/>
+          </a:schemeClr>
+        </a:buClr>
+        <a:buSzPct val="80000"/>
+        <a:buFont typeface="Wingdings 3" charset="2"/>
+        <a:buChar char=""/>
+        <a:defRPr sz="1600" b="0" i="0" kern="1200">
+          <a:solidFill>
+            <a:schemeClr val="tx1"/>
+          </a:solidFill>
+          <a:latin typeface="+mj-lt"/>
+          <a:ea typeface="+mj-ea"/>
+          <a:cs typeface="+mj-cs"/>
+        </a:defRPr>
+      </a:lvl3pPr>
+      <a:lvl4pPr marL="1600200" indent="-228600" algn="l" defTabSz="457200" rtl="0" eaLnBrk="1" latinLnBrk="0" hangingPunct="1">
+        <a:spcBef>
+          <a:spcPts val="1000"/>
+        </a:spcBef>
+        <a:spcAft>
+          <a:spcPts val="0"/>
+        </a:spcAft>
+        <a:buClr>
+          <a:schemeClr val="bg2">
+            <a:lumMod val="40000"/>
+            <a:lumOff val="60000"/>
+          </a:schemeClr>
+        </a:buClr>
+        <a:buSzPct val="80000"/>
+        <a:buFont typeface="Wingdings 3" charset="2"/>
+        <a:buChar char=""/>
+        <a:defRPr sz="1400" b="0" i="0" kern="1200">
+          <a:solidFill>
+            <a:schemeClr val="tx1"/>
+          </a:solidFill>
+          <a:latin typeface="+mj-lt"/>
+          <a:ea typeface="+mj-ea"/>
+          <a:cs typeface="+mj-cs"/>
+        </a:defRPr>
+      </a:lvl4pPr>
+      <a:lvl5pPr marL="2057400" indent="-228600" algn="l" defTabSz="457200" rtl="0" eaLnBrk="1" latinLnBrk="0" hangingPunct="1">
+        <a:spcBef>
+          <a:spcPts val="1000"/>
+        </a:spcBef>
+        <a:spcAft>
+          <a:spcPts val="0"/>
+        </a:spcAft>
+        <a:buClr>
+          <a:schemeClr val="bg2">
+            <a:lumMod val="40000"/>
+            <a:lumOff val="60000"/>
+          </a:schemeClr>
+        </a:buClr>
+        <a:buSzPct val="80000"/>
+        <a:buFont typeface="Wingdings 3" charset="2"/>
+        <a:buChar char=""/>
+        <a:defRPr sz="1400" b="0" i="0" kern="1200">
+          <a:solidFill>
+            <a:schemeClr val="tx1"/>
+          </a:solidFill>
+          <a:latin typeface="+mj-lt"/>
+          <a:ea typeface="+mj-ea"/>
+          <a:cs typeface="+mj-cs"/>
+        </a:defRPr>
+      </a:lvl5pPr>
+      <a:lvl6pPr marL="2506000" indent="-228600" algn="l" defTabSz="457200" rtl="0" eaLnBrk="1" latinLnBrk="0" hangingPunct="1">
+        <a:spcBef>
+          <a:spcPts val="1000"/>
+        </a:spcBef>
+        <a:spcAft>
+          <a:spcPts val="0"/>
+        </a:spcAft>
+        <a:buClr>
+          <a:schemeClr val="bg2">
+            <a:lumMod val="40000"/>
+            <a:lumOff val="60000"/>
+          </a:schemeClr>
+        </a:buClr>
+        <a:buSzPct val="80000"/>
+        <a:buFont typeface="Wingdings 3" charset="2"/>
+        <a:buChar char=""/>
+        <a:defRPr sz="1400" b="0" i="0" kern="1200">
+          <a:solidFill>
+            <a:schemeClr val="tx1"/>
+          </a:solidFill>
+          <a:latin typeface="+mj-lt"/>
+          <a:ea typeface="+mj-ea"/>
+          <a:cs typeface="+mj-cs"/>
+        </a:defRPr>
+      </a:lvl6pPr>
+      <a:lvl7pPr marL="2971800" indent="-228600" algn="l" defTabSz="457200" rtl="0" eaLnBrk="1" latinLnBrk="0" hangingPunct="1">
+        <a:spcBef>
+          <a:spcPts val="1000"/>
+        </a:spcBef>
+        <a:spcAft>
+          <a:spcPts val="0"/>
+        </a:spcAft>
+        <a:buClr>
+          <a:schemeClr val="bg2">
+            <a:lumMod val="40000"/>
+            <a:lumOff val="60000"/>
+          </a:schemeClr>
+        </a:buClr>
+        <a:buSzPct val="80000"/>
+        <a:buFont typeface="Wingdings 3" charset="2"/>
+        <a:buChar char=""/>
+        <a:defRPr sz="1400" b="0" i="0" kern="1200">
+          <a:solidFill>
+            <a:schemeClr val="tx1"/>
+          </a:solidFill>
+          <a:latin typeface="+mj-lt"/>
+          <a:ea typeface="+mj-ea"/>
+          <a:cs typeface="+mj-cs"/>
+        </a:defRPr>
+      </a:lvl7pPr>
+      <a:lvl8pPr marL="3429000" indent="-228600" algn="l" defTabSz="457200" rtl="0" eaLnBrk="1" latinLnBrk="0" hangingPunct="1">
+        <a:spcBef>
+          <a:spcPts val="1000"/>
+        </a:spcBef>
+        <a:spcAft>
+          <a:spcPts val="0"/>
+        </a:spcAft>
+        <a:buClr>
+          <a:schemeClr val="bg2">
+            <a:lumMod val="40000"/>
+            <a:lumOff val="60000"/>
+          </a:schemeClr>
+        </a:buClr>
+        <a:buSzPct val="80000"/>
+        <a:buFont typeface="Wingdings 3" charset="2"/>
+        <a:buChar char=""/>
+        <a:defRPr sz="1400" b="0" i="0" kern="1200">
+          <a:solidFill>
+            <a:schemeClr val="tx1"/>
+          </a:solidFill>
+          <a:latin typeface="+mj-lt"/>
+          <a:ea typeface="+mj-ea"/>
+          <a:cs typeface="+mj-cs"/>
+        </a:defRPr>
+      </a:lvl8pPr>
+      <a:lvl9pPr marL="3886200" indent="-228600" algn="l" defTabSz="457200" rtl="0" eaLnBrk="1" latinLnBrk="0" hangingPunct="1">
+        <a:spcBef>
+          <a:spcPts val="1000"/>
+        </a:spcBef>
+        <a:spcAft>
+          <a:spcPts val="0"/>
+        </a:spcAft>
+        <a:buClr>
+          <a:schemeClr val="bg2">
+            <a:lumMod val="40000"/>
+            <a:lumOff val="60000"/>
+          </a:schemeClr>
+        </a:buClr>
+        <a:buSzPct val="80000"/>
+        <a:buFont typeface="Wingdings 3" charset="2"/>
+        <a:buChar char=""/>
+        <a:defRPr sz="1400" b="0" i="0" kern="1200">
+          <a:solidFill>
+            <a:schemeClr val="tx1"/>
+          </a:solidFill>
+          <a:latin typeface="+mj-lt"/>
+          <a:ea typeface="+mj-ea"/>
+          <a:cs typeface="+mj-cs"/>
+        </a:defRPr>
+      </a:lvl9pPr>
+    </p:bodyStyle>
+    <p:otherStyle>
+      <a:defPPr>
+        <a:defRPr lang="en-US"/>
+      </a:defPPr>
+      <a:lvl1pPr marL="0" algn="l" defTabSz="457200" rtl="0" eaLnBrk="1" latinLnBrk="0" hangingPunct="1">
+        <a:defRPr sz="1800" kern="1200">
+          <a:solidFill>
+            <a:schemeClr val="tx1"/>
+          </a:solidFill>
+          <a:latin typeface="+mn-lt"/>
           <a:ea typeface="+mn-ea"/>
           <a:cs typeface="+mn-cs"/>
         </a:defRPr>
       </a:lvl1pPr>
-      <a:lvl2pPr marL="685800" indent="-228600" algn="l" defTabSz="914400" rtl="0" eaLnBrk="1" latinLnBrk="0" hangingPunct="1">
-        <a:lnSpc>
-          <a:spcPct val="90000"/>
-        </a:lnSpc>
-        <a:spcBef>
-          <a:spcPts val="500"/>
-        </a:spcBef>
-        <a:buFont typeface="Arial" panose="020B0604020202020204" pitchFamily="34" charset="0"/>
-        <a:buChar char="•"/>
-        <a:defRPr sz="2400" kern="1200" baseline="0">
+      <a:lvl2pPr marL="457200" algn="l" defTabSz="457200" rtl="0" eaLnBrk="1" latinLnBrk="0" hangingPunct="1">
+        <a:defRPr sz="1800" kern="1200">
           <a:solidFill>
             <a:schemeClr val="tx1"/>
           </a:solidFill>
-          <a:latin typeface="Calibri Light" panose="020F0302020204030204" pitchFamily="34" charset="0"/>
+          <a:latin typeface="+mn-lt"/>
           <a:ea typeface="+mn-ea"/>
           <a:cs typeface="+mn-cs"/>
         </a:defRPr>
       </a:lvl2pPr>
-      <a:lvl3pPr marL="1143000" indent="-228600" algn="l" defTabSz="914400" rtl="0" eaLnBrk="1" latinLnBrk="0" hangingPunct="1">
-        <a:lnSpc>
-          <a:spcPct val="90000"/>
-        </a:lnSpc>
-        <a:spcBef>
-          <a:spcPts val="500"/>
-        </a:spcBef>
-        <a:buFont typeface="Arial" panose="020B0604020202020204" pitchFamily="34" charset="0"/>
-        <a:buChar char="•"/>
-        <a:defRPr sz="2000" kern="1200" baseline="0">
+      <a:lvl3pPr marL="914400" algn="l" defTabSz="457200" rtl="0" eaLnBrk="1" latinLnBrk="0" hangingPunct="1">
+        <a:defRPr sz="1800" kern="1200">
           <a:solidFill>
             <a:schemeClr val="tx1"/>
           </a:solidFill>
-          <a:effectLst/>
-          <a:latin typeface="Calibri Light" panose="020F0302020204030204" pitchFamily="34" charset="0"/>
+          <a:latin typeface="+mn-lt"/>
           <a:ea typeface="+mn-ea"/>
-          <a:cs typeface="Calibri Light" panose="020F0302020204030204" pitchFamily="34" charset="0"/>
+          <a:cs typeface="+mn-cs"/>
         </a:defRPr>
       </a:lvl3pPr>
-      <a:lvl4pPr marL="1600200" indent="-228600" algn="l" defTabSz="914400" rtl="0" eaLnBrk="1" latinLnBrk="0" hangingPunct="1">
-        <a:lnSpc>
-          <a:spcPct val="90000"/>
-        </a:lnSpc>
-        <a:spcBef>
-          <a:spcPts val="500"/>
-        </a:spcBef>
-        <a:buFont typeface="Arial" panose="020B0604020202020204" pitchFamily="34" charset="0"/>
-        <a:buChar char="•"/>
-        <a:defRPr sz="1800" kern="1200" baseline="0">
+      <a:lvl4pPr marL="1371600" algn="l" defTabSz="457200" rtl="0" eaLnBrk="1" latinLnBrk="0" hangingPunct="1">
+        <a:defRPr sz="1800" kern="1200">
           <a:solidFill>
             <a:schemeClr val="tx1"/>
           </a:solidFill>
-          <a:effectLst/>
-          <a:latin typeface="Calibri Light" panose="020F0302020204030204" pitchFamily="34" charset="0"/>
+          <a:latin typeface="+mn-lt"/>
           <a:ea typeface="+mn-ea"/>
-          <a:cs typeface="Calibri Light" panose="020F0302020204030204" pitchFamily="34" charset="0"/>
+          <a:cs typeface="+mn-cs"/>
         </a:defRPr>
       </a:lvl4pPr>
-      <a:lvl5pPr marL="2057400" indent="-228600" algn="l" defTabSz="914400" rtl="0" eaLnBrk="1" latinLnBrk="0" hangingPunct="1">
-        <a:lnSpc>
-          <a:spcPct val="90000"/>
-        </a:lnSpc>
-        <a:spcBef>
-          <a:spcPts val="500"/>
-        </a:spcBef>
-        <a:buFont typeface="Arial" panose="020B0604020202020204" pitchFamily="34" charset="0"/>
-        <a:buChar char="•"/>
-        <a:defRPr sz="1800" kern="1200" baseline="0">
+      <a:lvl5pPr marL="1828800" algn="l" defTabSz="457200" rtl="0" eaLnBrk="1" latinLnBrk="0" hangingPunct="1">
+        <a:defRPr sz="1800" kern="1200">
           <a:solidFill>
             <a:schemeClr val="tx1"/>
           </a:solidFill>
-          <a:effectLst/>
-          <a:latin typeface="Calibri Light" panose="020F0302020204030204" pitchFamily="34" charset="0"/>
+          <a:latin typeface="+mn-lt"/>
           <a:ea typeface="+mn-ea"/>
-          <a:cs typeface="Calibri Light" panose="020F0302020204030204" pitchFamily="34" charset="0"/>
+          <a:cs typeface="+mn-cs"/>
         </a:defRPr>
       </a:lvl5pPr>
-      <a:lvl6pPr marL="2514600" indent="-228600" algn="l" defTabSz="914400" rtl="0" eaLnBrk="1" latinLnBrk="0" hangingPunct="1">
-        <a:lnSpc>
-          <a:spcPct val="90000"/>
-        </a:lnSpc>
-        <a:spcBef>
-          <a:spcPts val="500"/>
-        </a:spcBef>
-        <a:buFont typeface="Arial" panose="020B0604020202020204" pitchFamily="34" charset="0"/>
-        <a:buChar char="•"/>
+      <a:lvl6pPr marL="2286000" algn="l" defTabSz="457200" rtl="0" eaLnBrk="1" latinLnBrk="0" hangingPunct="1">
         <a:defRPr sz="1800" kern="1200">
           <a:solidFill>
             <a:schemeClr val="tx1"/>
@@ -3363,15 +6726,7 @@
           <a:cs typeface="+mn-cs"/>
         </a:defRPr>
       </a:lvl6pPr>
-      <a:lvl7pPr marL="2971800" indent="-228600" algn="l" defTabSz="914400" rtl="0" eaLnBrk="1" latinLnBrk="0" hangingPunct="1">
-        <a:lnSpc>
-          <a:spcPct val="90000"/>
-        </a:lnSpc>
-        <a:spcBef>
-          <a:spcPts val="500"/>
-        </a:spcBef>
-        <a:buFont typeface="Arial" panose="020B0604020202020204" pitchFamily="34" charset="0"/>
-        <a:buChar char="•"/>
+      <a:lvl7pPr marL="2743200" algn="l" defTabSz="457200" rtl="0" eaLnBrk="1" latinLnBrk="0" hangingPunct="1">
         <a:defRPr sz="1800" kern="1200">
           <a:solidFill>
             <a:schemeClr val="tx1"/>
@@ -3381,15 +6736,7 @@
           <a:cs typeface="+mn-cs"/>
         </a:defRPr>
       </a:lvl7pPr>
-      <a:lvl8pPr marL="3429000" indent="-228600" algn="l" defTabSz="914400" rtl="0" eaLnBrk="1" latinLnBrk="0" hangingPunct="1">
-        <a:lnSpc>
-          <a:spcPct val="90000"/>
-        </a:lnSpc>
-        <a:spcBef>
-          <a:spcPts val="500"/>
-        </a:spcBef>
-        <a:buFont typeface="Arial" panose="020B0604020202020204" pitchFamily="34" charset="0"/>
-        <a:buChar char="•"/>
+      <a:lvl8pPr marL="3200400" algn="l" defTabSz="457200" rtl="0" eaLnBrk="1" latinLnBrk="0" hangingPunct="1">
         <a:defRPr sz="1800" kern="1200">
           <a:solidFill>
             <a:schemeClr val="tx1"/>
@@ -3399,110 +6746,7 @@
           <a:cs typeface="+mn-cs"/>
         </a:defRPr>
       </a:lvl8pPr>
-      <a:lvl9pPr marL="3886200" indent="-228600" algn="l" defTabSz="914400" rtl="0" eaLnBrk="1" latinLnBrk="0" hangingPunct="1">
-        <a:lnSpc>
-          <a:spcPct val="90000"/>
-        </a:lnSpc>
-        <a:spcBef>
-          <a:spcPts val="500"/>
-        </a:spcBef>
-        <a:buFont typeface="Arial" panose="020B0604020202020204" pitchFamily="34" charset="0"/>
-        <a:buChar char="•"/>
-        <a:defRPr sz="1800" kern="1200">
-          <a:solidFill>
-            <a:schemeClr val="tx1"/>
-          </a:solidFill>
-          <a:latin typeface="+mn-lt"/>
-          <a:ea typeface="+mn-ea"/>
-          <a:cs typeface="+mn-cs"/>
-        </a:defRPr>
-      </a:lvl9pPr>
-    </p:bodyStyle>
-    <p:otherStyle>
-      <a:defPPr>
-        <a:defRPr lang="en-US"/>
-      </a:defPPr>
-      <a:lvl1pPr marL="0" algn="l" defTabSz="914400" rtl="0" eaLnBrk="1" latinLnBrk="0" hangingPunct="1">
-        <a:defRPr sz="1800" kern="1200">
-          <a:solidFill>
-            <a:schemeClr val="tx1"/>
-          </a:solidFill>
-          <a:latin typeface="+mn-lt"/>
-          <a:ea typeface="+mn-ea"/>
-          <a:cs typeface="+mn-cs"/>
-        </a:defRPr>
-      </a:lvl1pPr>
-      <a:lvl2pPr marL="457200" algn="l" defTabSz="914400" rtl="0" eaLnBrk="1" latinLnBrk="0" hangingPunct="1">
-        <a:defRPr sz="1800" kern="1200">
-          <a:solidFill>
-            <a:schemeClr val="tx1"/>
-          </a:solidFill>
-          <a:latin typeface="+mn-lt"/>
-          <a:ea typeface="+mn-ea"/>
-          <a:cs typeface="+mn-cs"/>
-        </a:defRPr>
-      </a:lvl2pPr>
-      <a:lvl3pPr marL="914400" algn="l" defTabSz="914400" rtl="0" eaLnBrk="1" latinLnBrk="0" hangingPunct="1">
-        <a:defRPr sz="1800" kern="1200">
-          <a:solidFill>
-            <a:schemeClr val="tx1"/>
-          </a:solidFill>
-          <a:latin typeface="+mn-lt"/>
-          <a:ea typeface="+mn-ea"/>
-          <a:cs typeface="+mn-cs"/>
-        </a:defRPr>
-      </a:lvl3pPr>
-      <a:lvl4pPr marL="1371600" algn="l" defTabSz="914400" rtl="0" eaLnBrk="1" latinLnBrk="0" hangingPunct="1">
-        <a:defRPr sz="1800" kern="1200">
-          <a:solidFill>
-            <a:schemeClr val="tx1"/>
-          </a:solidFill>
-          <a:latin typeface="+mn-lt"/>
-          <a:ea typeface="+mn-ea"/>
-          <a:cs typeface="+mn-cs"/>
-        </a:defRPr>
-      </a:lvl4pPr>
-      <a:lvl5pPr marL="1828800" algn="l" defTabSz="914400" rtl="0" eaLnBrk="1" latinLnBrk="0" hangingPunct="1">
-        <a:defRPr sz="1800" kern="1200">
-          <a:solidFill>
-            <a:schemeClr val="tx1"/>
-          </a:solidFill>
-          <a:latin typeface="+mn-lt"/>
-          <a:ea typeface="+mn-ea"/>
-          <a:cs typeface="+mn-cs"/>
-        </a:defRPr>
-      </a:lvl5pPr>
-      <a:lvl6pPr marL="2286000" algn="l" defTabSz="914400" rtl="0" eaLnBrk="1" latinLnBrk="0" hangingPunct="1">
-        <a:defRPr sz="1800" kern="1200">
-          <a:solidFill>
-            <a:schemeClr val="tx1"/>
-          </a:solidFill>
-          <a:latin typeface="+mn-lt"/>
-          <a:ea typeface="+mn-ea"/>
-          <a:cs typeface="+mn-cs"/>
-        </a:defRPr>
-      </a:lvl6pPr>
-      <a:lvl7pPr marL="2743200" algn="l" defTabSz="914400" rtl="0" eaLnBrk="1" latinLnBrk="0" hangingPunct="1">
-        <a:defRPr sz="1800" kern="1200">
-          <a:solidFill>
-            <a:schemeClr val="tx1"/>
-          </a:solidFill>
-          <a:latin typeface="+mn-lt"/>
-          <a:ea typeface="+mn-ea"/>
-          <a:cs typeface="+mn-cs"/>
-        </a:defRPr>
-      </a:lvl7pPr>
-      <a:lvl8pPr marL="3200400" algn="l" defTabSz="914400" rtl="0" eaLnBrk="1" latinLnBrk="0" hangingPunct="1">
-        <a:defRPr sz="1800" kern="1200">
-          <a:solidFill>
-            <a:schemeClr val="tx1"/>
-          </a:solidFill>
-          <a:latin typeface="+mn-lt"/>
-          <a:ea typeface="+mn-ea"/>
-          <a:cs typeface="+mn-cs"/>
-        </a:defRPr>
-      </a:lvl8pPr>
-      <a:lvl9pPr marL="3657600" algn="l" defTabSz="914400" rtl="0" eaLnBrk="1" latinLnBrk="0" hangingPunct="1">
+      <a:lvl9pPr marL="3657600" algn="l" defTabSz="457200" rtl="0" eaLnBrk="1" latinLnBrk="0" hangingPunct="1">
         <a:defRPr sz="1800" kern="1200">
           <a:solidFill>
             <a:schemeClr val="tx1"/>
@@ -3526,7 +6770,14 @@
         <p:cNvGrpSpPr/>
         <p:nvPr/>
       </p:nvGrpSpPr>
-      <p:grpSpPr/>
+      <p:grpSpPr>
+        <a:xfrm>
+          <a:off x="0" y="0"/>
+          <a:ext cx="0" cy="0"/>
+          <a:chOff x="0" y="0"/>
+          <a:chExt cx="0" cy="0"/>
+        </a:xfrm>
+      </p:grpSpPr>
       <p:sp>
         <p:nvSpPr>
           <p:cNvPr id="2" name="Заголовок 1"/>
@@ -3540,12 +6791,33 @@
         <p:spPr/>
         <p:txBody>
           <a:bodyPr/>
-          <a:p>
-            <a:r>
-              <a:rPr lang="ru-RU" altLang="ru-RU"/>
-              <a:t>титульный</a:t>
-            </a:r>
-            <a:endParaRPr lang="ru-RU" altLang="ru-RU"/>
+          <a:lstStyle/>
+          <a:p>
+            <a:r>
+              <a:rPr lang="ru-RU" altLang="ru-RU" dirty="0"/>
+              <a:t>Игра жанра</a:t>
+            </a:r>
+            <a:r>
+              <a:rPr lang="en-US" altLang="ru-RU" dirty="0"/>
+              <a:t> “</a:t>
+            </a:r>
+            <a:r>
+              <a:rPr lang="ru-RU" altLang="ru-RU" dirty="0" err="1"/>
+              <a:t>Арканоид</a:t>
+            </a:r>
+            <a:r>
+              <a:rPr lang="en-US" altLang="ru-RU" dirty="0"/>
+              <a:t>” </a:t>
+            </a:r>
+            <a:r>
+              <a:rPr lang="ru-RU" altLang="ru-RU" dirty="0"/>
+              <a:t>на </a:t>
+            </a:r>
+            <a:r>
+              <a:rPr lang="en-US" altLang="ru-RU" dirty="0" err="1"/>
+              <a:t>pygame</a:t>
+            </a:r>
+            <a:endParaRPr lang="ru-RU" altLang="ru-RU" dirty="0"/>
           </a:p>
         </p:txBody>
       </p:sp>
@@ -3562,8 +6834,53 @@
         <p:spPr/>
         <p:txBody>
           <a:bodyPr/>
-          <a:p>
-            <a:endParaRPr lang="ru-RU" altLang="en-US"/>
+          <a:lstStyle/>
+          <a:p>
+            <a:r>
+              <a:rPr lang="ru-RU" altLang="en-US" dirty="0" err="1"/>
+              <a:t>АВТОры</a:t>
+            </a:r>
+            <a:r>
+              <a:rPr lang="en-US" altLang="en-US" dirty="0"/>
+              <a:t>:</a:t>
+            </a:r>
+            <a:r>
+              <a:rPr lang="ru-RU" altLang="en-US" dirty="0"/>
+              <a:t> Лебедев </a:t>
+            </a:r>
+            <a:r>
+              <a:rPr lang="ru-RU" altLang="en-US" dirty="0" err="1"/>
+              <a:t>глеб</a:t>
+            </a:r>
+            <a:r>
+              <a:rPr lang="en-US" altLang="en-US" dirty="0"/>
+              <a:t>, </a:t>
+            </a:r>
+            <a:r>
+              <a:rPr lang="ru-RU" altLang="en-US" dirty="0" err="1"/>
+              <a:t>пежемский</a:t>
+            </a:r>
+            <a:r>
+              <a:rPr lang="ru-RU" altLang="en-US" dirty="0"/>
+              <a:t> </a:t>
+            </a:r>
+            <a:r>
+              <a:rPr lang="ru-RU" altLang="en-US" dirty="0" err="1"/>
+              <a:t>кирилл</a:t>
+            </a:r>
+            <a:r>
+              <a:rPr lang="en-US" altLang="en-US" dirty="0"/>
+              <a:t>, </a:t>
+            </a:r>
+            <a:r>
+              <a:rPr lang="ru-RU" altLang="en-US" dirty="0"/>
+              <a:t>попов </a:t>
+            </a:r>
+            <a:r>
+              <a:rPr lang="ru-RU" altLang="en-US" dirty="0" err="1"/>
+              <a:t>артём</a:t>
+            </a:r>
+            <a:endParaRPr lang="ru-RU" altLang="en-US" dirty="0"/>
           </a:p>
         </p:txBody>
       </p:sp>
@@ -3584,7 +6901,14 @@
         <p:cNvGrpSpPr/>
         <p:nvPr/>
       </p:nvGrpSpPr>
-      <p:grpSpPr/>
+      <p:grpSpPr>
+        <a:xfrm>
+          <a:off x="0" y="0"/>
+          <a:ext cx="0" cy="0"/>
+          <a:chOff x="0" y="0"/>
+          <a:chExt cx="0" cy="0"/>
+        </a:xfrm>
+      </p:grpSpPr>
       <p:sp>
         <p:nvSpPr>
           <p:cNvPr id="2" name="Заголовок 1"/>
@@ -3598,12 +6922,12 @@
         <p:spPr/>
         <p:txBody>
           <a:bodyPr/>
+          <a:lstStyle/>
           <a:p>
             <a:r>
               <a:rPr lang="ru-RU" altLang="en-US"/>
               <a:t>основная часть</a:t>
             </a:r>
-            <a:endParaRPr lang="ru-RU" altLang="en-US"/>
           </a:p>
         </p:txBody>
       </p:sp>
@@ -3620,6 +6944,7 @@
         <p:spPr/>
         <p:txBody>
           <a:bodyPr/>
+          <a:lstStyle/>
           <a:p>
             <a:r>
               <a:rPr lang="en-US" altLang="en-US"/>
@@ -3865,10 +7190,45 @@
               <a:rPr lang="en-US" altLang="en-US"/>
               <a:t>элементами</a:t>
             </a:r>
-            <a:endParaRPr lang="en-US" altLang="en-US"/>
-          </a:p>
-        </p:txBody>
-      </p:sp>
+          </a:p>
+        </p:txBody>
+      </p:sp>
+      <p:pic>
+        <p:nvPicPr>
+          <p:cNvPr id="5" name="Рисунок 4">
+            <a:extLst>
+              <a:ext uri="{FF2B5EF4-FFF2-40B4-BE49-F238E27FC236}">
+                <a16:creationId xmlns:a16="http://schemas.microsoft.com/office/drawing/2014/main" id="{F92EFD28-1A01-4CB9-A5E0-99A511D7BB8A}"/>
+              </a:ext>
+            </a:extLst>
+          </p:cNvPr>
+          <p:cNvPicPr>
+            <a:picLocks noChangeAspect="1"/>
+          </p:cNvPicPr>
+          <p:nvPr/>
+        </p:nvPicPr>
+        <p:blipFill>
+          <a:blip r:embed="rId2" cstate="print">
+            <a:extLst>
+              <a:ext uri="{28A0092B-C50C-407E-A947-70E740481C1C}">
+                <a14:useLocalDpi xmlns:a14="http://schemas.microsoft.com/office/drawing/2010/main" val="0"/>
+              </a:ext>
+            </a:extLst>
+          </a:blip>
+          <a:stretch>
+            <a:fillRect/>
+          </a:stretch>
+        </p:blipFill>
+        <p:spPr>
+          <a:xfrm>
+            <a:off x="3781778" y="3904091"/>
+            <a:ext cx="4628444" cy="2603500"/>
+          </a:xfrm>
+          <a:prstGeom prst="rect">
+            <a:avLst/>
+          </a:prstGeom>
+        </p:spPr>
+      </p:pic>
     </p:spTree>
   </p:cSld>
   <p:clrMapOvr>
@@ -3886,7 +7246,14 @@
         <p:cNvGrpSpPr/>
         <p:nvPr/>
       </p:nvGrpSpPr>
-      <p:grpSpPr/>
+      <p:grpSpPr>
+        <a:xfrm>
+          <a:off x="0" y="0"/>
+          <a:ext cx="0" cy="0"/>
+          <a:chOff x="0" y="0"/>
+          <a:chExt cx="0" cy="0"/>
+        </a:xfrm>
+      </p:grpSpPr>
       <p:sp>
         <p:nvSpPr>
           <p:cNvPr id="2" name="Заголовок 1"/>
@@ -3900,12 +7267,13 @@
         <p:spPr/>
         <p:txBody>
           <a:bodyPr/>
-          <a:p>
-            <a:r>
-              <a:rPr lang="ru-RU" altLang="en-US"/>
-              <a:t>реализция</a:t>
-            </a:r>
-            <a:endParaRPr lang="ru-RU" altLang="en-US"/>
+          <a:lstStyle/>
+          <a:p>
+            <a:r>
+              <a:rPr lang="ru-RU" altLang="en-US" dirty="0" err="1"/>
+              <a:t>Реализция</a:t>
+            </a:r>
+            <a:endParaRPr lang="ru-RU" altLang="en-US" dirty="0"/>
           </a:p>
         </p:txBody>
       </p:sp>
@@ -3927,496 +7295,471 @@
         </p:spPr>
         <p:txBody>
           <a:bodyPr>
-            <a:normAutofit fontScale="50000"/>
+            <a:normAutofit fontScale="87500" lnSpcReduction="10000"/>
           </a:bodyPr>
-          <a:p>
-            <a:r>
-              <a:rPr lang="en-US" altLang="en-US"/>
+          <a:lstStyle/>
+          <a:p>
+            <a:r>
+              <a:rPr lang="en-US" altLang="en-US" dirty="0" err="1"/>
               <a:t>Классы</a:t>
             </a:r>
             <a:r>
-              <a:rPr lang="en-US" altLang="ru-RU"/>
+              <a:rPr lang="en-US" altLang="ru-RU" dirty="0"/>
               <a:t> </a:t>
             </a:r>
             <a:r>
-              <a:rPr lang="en-US" altLang="en-US"/>
+              <a:rPr lang="en-US" altLang="en-US" dirty="0"/>
               <a:t>в</a:t>
             </a:r>
             <a:r>
-              <a:rPr lang="en-US" altLang="ru-RU"/>
+              <a:rPr lang="en-US" altLang="ru-RU" dirty="0"/>
               <a:t> </a:t>
             </a:r>
             <a:r>
-              <a:rPr lang="en-US" altLang="en-US"/>
+              <a:rPr lang="en-US" altLang="en-US" dirty="0" err="1"/>
               <a:t>проекте</a:t>
             </a:r>
-            <a:endParaRPr lang="en-US" altLang="en-US"/>
-          </a:p>
-          <a:p>
-            <a:r>
-              <a:rPr lang="en-US" altLang="ru-RU"/>
+            <a:r>
+              <a:rPr lang="en-US" altLang="en-US" dirty="0"/>
+              <a:t>:</a:t>
+            </a:r>
+          </a:p>
+          <a:p>
+            <a:r>
+              <a:rPr lang="en-US" altLang="ru-RU" dirty="0"/>
               <a:t>Paddle</a:t>
             </a:r>
-            <a:endParaRPr lang="en-US" altLang="ru-RU"/>
-          </a:p>
-          <a:p>
-            <a:endParaRPr lang="en-US" altLang="ru-RU"/>
-          </a:p>
-          <a:p>
-            <a:r>
-              <a:rPr lang="en-US" altLang="en-US"/>
+          </a:p>
+          <a:p>
+            <a:endParaRPr lang="en-US" altLang="ru-RU" dirty="0"/>
+          </a:p>
+          <a:p>
+            <a:r>
+              <a:rPr lang="en-US" altLang="en-US" dirty="0" err="1"/>
               <a:t>Класс</a:t>
             </a:r>
             <a:r>
-              <a:rPr lang="en-US" altLang="ru-RU"/>
+              <a:rPr lang="en-US" altLang="ru-RU" dirty="0"/>
               <a:t> </a:t>
             </a:r>
             <a:r>
-              <a:rPr lang="en-US" altLang="en-US"/>
+              <a:rPr lang="en-US" altLang="en-US" dirty="0" err="1"/>
               <a:t>платформы</a:t>
             </a:r>
             <a:r>
-              <a:rPr lang="en-US" altLang="ru-RU"/>
+              <a:rPr lang="en-US" altLang="ru-RU" dirty="0"/>
               <a:t>, </a:t>
             </a:r>
             <a:r>
-              <a:rPr lang="en-US" altLang="en-US"/>
+              <a:rPr lang="en-US" altLang="en-US" dirty="0" err="1"/>
               <a:t>управляемой</a:t>
             </a:r>
             <a:r>
-              <a:rPr lang="en-US" altLang="ru-RU"/>
+              <a:rPr lang="en-US" altLang="ru-RU" dirty="0"/>
               <a:t> </a:t>
             </a:r>
             <a:r>
-              <a:rPr lang="en-US" altLang="en-US"/>
+              <a:rPr lang="en-US" altLang="en-US" dirty="0" err="1"/>
               <a:t>игроком</a:t>
             </a:r>
             <a:r>
-              <a:rPr lang="en-US" altLang="ru-RU"/>
-              <a:t>.</a:t>
-            </a:r>
-            <a:endParaRPr lang="en-US" altLang="ru-RU"/>
-          </a:p>
-          <a:p>
-            <a:r>
-              <a:rPr lang="en-US" altLang="en-US"/>
-              <a:t>Основные</a:t>
-            </a:r>
-            <a:r>
-              <a:rPr lang="en-US" altLang="ru-RU"/>
+              <a:rPr lang="en-US" altLang="ru-RU" dirty="0"/>
+              <a:t>. </a:t>
+            </a:r>
+            <a:r>
+              <a:rPr lang="en-US" altLang="ru-RU" dirty="0" err="1"/>
+              <a:t>init</a:t>
+            </a:r>
+            <a:r>
+              <a:rPr lang="en-US" altLang="ru-RU" dirty="0"/>
+              <a:t>: </a:t>
+            </a:r>
+            <a:r>
+              <a:rPr lang="en-US" altLang="en-US" dirty="0" err="1"/>
+              <a:t>Инициализация</a:t>
+            </a:r>
+            <a:r>
+              <a:rPr lang="en-US" altLang="ru-RU" dirty="0"/>
               <a:t> </a:t>
             </a:r>
             <a:r>
-              <a:rPr lang="en-US" altLang="en-US"/>
-              <a:t>методы</a:t>
-            </a:r>
-            <a:r>
-              <a:rPr lang="en-US" altLang="ru-RU"/>
-              <a:t>:</a:t>
-            </a:r>
-            <a:endParaRPr lang="en-US" altLang="ru-RU"/>
-          </a:p>
-          <a:p>
-            <a:r>
-              <a:rPr lang="en-US" altLang="ru-RU"/>
-              <a:t>init: </a:t>
-            </a:r>
-            <a:r>
-              <a:rPr lang="en-US" altLang="en-US"/>
+              <a:rPr lang="en-US" altLang="en-US" dirty="0" err="1"/>
+              <a:t>платформы</a:t>
+            </a:r>
+            <a:r>
+              <a:rPr lang="en-US" altLang="ru-RU" dirty="0"/>
+              <a:t> (</a:t>
+            </a:r>
+            <a:r>
+              <a:rPr lang="en-US" altLang="en-US" dirty="0" err="1"/>
+              <a:t>размер</a:t>
+            </a:r>
+            <a:r>
+              <a:rPr lang="en-US" altLang="ru-RU" dirty="0"/>
+              <a:t>, </a:t>
+            </a:r>
+            <a:r>
+              <a:rPr lang="en-US" altLang="en-US" dirty="0" err="1"/>
+              <a:t>положение</a:t>
+            </a:r>
+            <a:r>
+              <a:rPr lang="en-US" altLang="ru-RU" dirty="0"/>
+              <a:t>, </a:t>
+            </a:r>
+            <a:r>
+              <a:rPr lang="en-US" altLang="en-US" dirty="0" err="1"/>
+              <a:t>скорость</a:t>
+            </a:r>
+            <a:r>
+              <a:rPr lang="en-US" altLang="ru-RU" dirty="0"/>
+              <a:t>)</a:t>
+            </a:r>
+          </a:p>
+          <a:p>
+            <a:pPr lvl="1"/>
+            <a:r>
+              <a:rPr lang="en-US" altLang="ru-RU" dirty="0"/>
+              <a:t>move(keys): </a:t>
+            </a:r>
+            <a:r>
+              <a:rPr lang="ru-RU" altLang="ru-RU" dirty="0"/>
+              <a:t>Следит за п</a:t>
+            </a:r>
+            <a:r>
+              <a:rPr lang="en-US" altLang="en-US" dirty="0" err="1"/>
+              <a:t>еремещение</a:t>
+            </a:r>
+            <a:r>
+              <a:rPr lang="ru-RU" altLang="en-US" dirty="0"/>
+              <a:t>м</a:t>
+            </a:r>
+            <a:r>
+              <a:rPr lang="en-US" altLang="ru-RU" dirty="0"/>
+              <a:t> </a:t>
+            </a:r>
+            <a:r>
+              <a:rPr lang="en-US" altLang="en-US" dirty="0" err="1"/>
+              <a:t>платформы</a:t>
+            </a:r>
+            <a:r>
+              <a:rPr lang="en-US" altLang="ru-RU" dirty="0"/>
+              <a:t> </a:t>
+            </a:r>
+            <a:r>
+              <a:rPr lang="en-US" altLang="en-US" dirty="0" err="1"/>
+              <a:t>влево</a:t>
+            </a:r>
+            <a:r>
+              <a:rPr lang="en-US" altLang="ru-RU" dirty="0"/>
+              <a:t>/</a:t>
+            </a:r>
+            <a:r>
+              <a:rPr lang="en-US" altLang="en-US" dirty="0" err="1"/>
+              <a:t>вправо</a:t>
+            </a:r>
+            <a:r>
+              <a:rPr lang="en-US" altLang="ru-RU" dirty="0"/>
+              <a:t> </a:t>
+            </a:r>
+            <a:r>
+              <a:rPr lang="en-US" altLang="en-US" dirty="0" err="1"/>
+              <a:t>на</a:t>
+            </a:r>
+            <a:r>
+              <a:rPr lang="en-US" altLang="ru-RU" dirty="0"/>
+              <a:t> </a:t>
+            </a:r>
+            <a:r>
+              <a:rPr lang="en-US" altLang="en-US" dirty="0" err="1"/>
+              <a:t>основе</a:t>
+            </a:r>
+            <a:r>
+              <a:rPr lang="en-US" altLang="ru-RU" dirty="0"/>
+              <a:t> </a:t>
+            </a:r>
+            <a:r>
+              <a:rPr lang="en-US" altLang="en-US" dirty="0" err="1"/>
+              <a:t>нажат</a:t>
+            </a:r>
+            <a:r>
+              <a:rPr lang="ru-RU" altLang="en-US" dirty="0" err="1"/>
+              <a:t>ий</a:t>
+            </a:r>
+            <a:r>
+              <a:rPr lang="ru-RU" altLang="en-US" dirty="0"/>
+              <a:t> на клавиши</a:t>
+            </a:r>
+            <a:r>
+              <a:rPr lang="en-US" altLang="ru-RU" dirty="0"/>
+              <a:t> </a:t>
+            </a:r>
+            <a:r>
+              <a:rPr lang="en-US" altLang="en-US" dirty="0" err="1"/>
+              <a:t>клавиш</a:t>
+            </a:r>
+            <a:endParaRPr lang="en-US" altLang="ru-RU" dirty="0"/>
+          </a:p>
+          <a:p>
+            <a:pPr lvl="1"/>
+            <a:r>
+              <a:rPr lang="en-US" altLang="ru-RU" dirty="0"/>
+              <a:t>draw(): </a:t>
+            </a:r>
+            <a:r>
+              <a:rPr lang="en-US" altLang="en-US" dirty="0" err="1"/>
+              <a:t>Отрисов</a:t>
+            </a:r>
+            <a:r>
+              <a:rPr lang="ru-RU" altLang="en-US" dirty="0" err="1"/>
+              <a:t>ывает</a:t>
+            </a:r>
+            <a:r>
+              <a:rPr lang="en-US" altLang="ru-RU" dirty="0"/>
+              <a:t> </a:t>
+            </a:r>
+            <a:r>
+              <a:rPr lang="en-US" altLang="en-US" dirty="0" err="1"/>
+              <a:t>платформ</a:t>
+            </a:r>
+            <a:r>
+              <a:rPr lang="ru-RU" altLang="en-US" dirty="0"/>
+              <a:t>у </a:t>
+            </a:r>
+            <a:r>
+              <a:rPr lang="en-US" altLang="en-US" dirty="0" err="1"/>
+              <a:t>на</a:t>
+            </a:r>
+            <a:r>
+              <a:rPr lang="en-US" altLang="ru-RU" dirty="0"/>
+              <a:t> </a:t>
+            </a:r>
+            <a:r>
+              <a:rPr lang="en-US" altLang="en-US" dirty="0" err="1"/>
+              <a:t>экране</a:t>
+            </a:r>
+            <a:endParaRPr lang="en-US" altLang="ru-RU" dirty="0"/>
+          </a:p>
+          <a:p>
+            <a:pPr lvl="1"/>
+            <a:r>
+              <a:rPr lang="en-US" altLang="ru-RU" dirty="0"/>
+              <a:t>Ball: </a:t>
+            </a:r>
+            <a:r>
+              <a:rPr lang="ru-RU" altLang="ru-RU" dirty="0"/>
+              <a:t>сам шар</a:t>
+            </a:r>
+            <a:endParaRPr lang="en-US" altLang="ru-RU" dirty="0"/>
+          </a:p>
+          <a:p>
+            <a:endParaRPr lang="en-US" altLang="ru-RU" dirty="0"/>
+          </a:p>
+          <a:p>
+            <a:r>
+              <a:rPr lang="en-US" altLang="en-US" dirty="0" err="1"/>
+              <a:t>Класс</a:t>
+            </a:r>
+            <a:r>
+              <a:rPr lang="en-US" altLang="ru-RU" dirty="0"/>
+              <a:t> </a:t>
+            </a:r>
+            <a:r>
+              <a:rPr lang="en-US" altLang="en-US" dirty="0" err="1"/>
+              <a:t>мяча</a:t>
+            </a:r>
+            <a:r>
+              <a:rPr lang="en-US" altLang="ru-RU" dirty="0"/>
+              <a:t>, </a:t>
+            </a:r>
+            <a:r>
+              <a:rPr lang="en-US" altLang="en-US" dirty="0" err="1"/>
+              <a:t>который</a:t>
+            </a:r>
+            <a:r>
+              <a:rPr lang="en-US" altLang="ru-RU" dirty="0"/>
+              <a:t> </a:t>
+            </a:r>
+            <a:r>
+              <a:rPr lang="en-US" altLang="en-US" dirty="0" err="1"/>
+              <a:t>движется</a:t>
+            </a:r>
+            <a:r>
+              <a:rPr lang="en-US" altLang="ru-RU" dirty="0"/>
+              <a:t> </a:t>
+            </a:r>
+            <a:r>
+              <a:rPr lang="en-US" altLang="en-US" dirty="0"/>
+              <a:t>и</a:t>
+            </a:r>
+            <a:r>
+              <a:rPr lang="en-US" altLang="ru-RU" dirty="0"/>
+              <a:t> </a:t>
+            </a:r>
+            <a:r>
+              <a:rPr lang="en-US" altLang="en-US" dirty="0" err="1"/>
+              <a:t>взаимодействует</a:t>
+            </a:r>
+            <a:r>
+              <a:rPr lang="en-US" altLang="ru-RU" dirty="0"/>
+              <a:t> </a:t>
+            </a:r>
+            <a:r>
+              <a:rPr lang="en-US" altLang="en-US" dirty="0"/>
+              <a:t>с</a:t>
+            </a:r>
+            <a:r>
+              <a:rPr lang="en-US" altLang="ru-RU" dirty="0"/>
+              <a:t> </a:t>
+            </a:r>
+            <a:r>
+              <a:rPr lang="en-US" altLang="en-US" dirty="0" err="1"/>
+              <a:t>другими</a:t>
+            </a:r>
+            <a:r>
+              <a:rPr lang="en-US" altLang="ru-RU" dirty="0"/>
+              <a:t> </a:t>
+            </a:r>
+            <a:r>
+              <a:rPr lang="en-US" altLang="en-US" dirty="0" err="1"/>
+              <a:t>объектами</a:t>
+            </a:r>
+            <a:r>
+              <a:rPr lang="en-US" altLang="ru-RU" dirty="0"/>
+              <a:t>. </a:t>
+            </a:r>
+            <a:r>
+              <a:rPr lang="en-US" altLang="ru-RU" dirty="0" err="1"/>
+              <a:t>init</a:t>
+            </a:r>
+            <a:r>
+              <a:rPr lang="en-US" altLang="ru-RU" dirty="0"/>
+              <a:t>(</a:t>
+            </a:r>
+            <a:r>
+              <a:rPr lang="en-US" altLang="ru-RU" dirty="0" err="1"/>
+              <a:t>skin_path</a:t>
+            </a:r>
+            <a:r>
+              <a:rPr lang="en-US" altLang="ru-RU" dirty="0"/>
+              <a:t>): </a:t>
+            </a:r>
+            <a:r>
+              <a:rPr lang="en-US" altLang="en-US" dirty="0" err="1"/>
               <a:t>Инициализация</a:t>
             </a:r>
             <a:r>
-              <a:rPr lang="en-US" altLang="ru-RU"/>
+              <a:rPr lang="en-US" altLang="ru-RU" dirty="0"/>
               <a:t> </a:t>
             </a:r>
             <a:r>
-              <a:rPr lang="en-US" altLang="en-US"/>
-              <a:t>платформы</a:t>
-            </a:r>
-            <a:r>
-              <a:rPr lang="en-US" altLang="ru-RU"/>
+              <a:rPr lang="en-US" altLang="en-US" dirty="0" err="1"/>
+              <a:t>мяча</a:t>
+            </a:r>
+            <a:r>
+              <a:rPr lang="en-US" altLang="ru-RU" dirty="0"/>
               <a:t> (</a:t>
             </a:r>
             <a:r>
-              <a:rPr lang="en-US" altLang="en-US"/>
-              <a:t>размер</a:t>
-            </a:r>
-            <a:r>
-              <a:rPr lang="en-US" altLang="ru-RU"/>
+              <a:rPr lang="en-US" altLang="en-US" dirty="0" err="1"/>
+              <a:t>позиция</a:t>
+            </a:r>
+            <a:r>
+              <a:rPr lang="en-US" altLang="ru-RU" dirty="0"/>
               <a:t>, </a:t>
             </a:r>
             <a:r>
-              <a:rPr lang="en-US" altLang="en-US"/>
-              <a:t>положение</a:t>
-            </a:r>
-            <a:r>
-              <a:rPr lang="en-US" altLang="ru-RU"/>
+              <a:rPr lang="en-US" altLang="en-US" dirty="0" err="1"/>
+              <a:t>скорость</a:t>
+            </a:r>
+            <a:r>
+              <a:rPr lang="en-US" altLang="ru-RU" dirty="0"/>
               <a:t>, </a:t>
             </a:r>
             <a:r>
-              <a:rPr lang="en-US" altLang="en-US"/>
-              <a:t>скорость</a:t>
-            </a:r>
-            <a:r>
-              <a:rPr lang="en-US" altLang="ru-RU"/>
-              <a:t>).</a:t>
-            </a:r>
-            <a:endParaRPr lang="en-US" altLang="ru-RU"/>
-          </a:p>
-          <a:p>
-            <a:r>
-              <a:rPr lang="en-US" altLang="ru-RU"/>
-              <a:t>move(keys): </a:t>
-            </a:r>
-            <a:r>
-              <a:rPr lang="en-US" altLang="en-US"/>
+              <a:rPr lang="en-US" altLang="en-US" dirty="0" err="1"/>
+              <a:t>скин</a:t>
+            </a:r>
+            <a:r>
+              <a:rPr lang="en-US" altLang="ru-RU" dirty="0"/>
+              <a:t>), </a:t>
+            </a:r>
+            <a:r>
+              <a:rPr lang="ru-RU" altLang="ru-RU" dirty="0"/>
+              <a:t>обновление положений</a:t>
+            </a:r>
+            <a:endParaRPr lang="en-US" altLang="ru-RU" dirty="0"/>
+          </a:p>
+          <a:p>
+            <a:pPr lvl="1"/>
+            <a:r>
+              <a:rPr lang="en-US" altLang="ru-RU" dirty="0"/>
+              <a:t>move(): </a:t>
+            </a:r>
+            <a:r>
+              <a:rPr lang="en-US" altLang="en-US" dirty="0" err="1"/>
               <a:t>Перемещение</a:t>
             </a:r>
             <a:r>
-              <a:rPr lang="en-US" altLang="ru-RU"/>
+              <a:rPr lang="en-US" altLang="ru-RU" dirty="0"/>
               <a:t> </a:t>
             </a:r>
             <a:r>
-              <a:rPr lang="en-US" altLang="en-US"/>
-              <a:t>платформы</a:t>
-            </a:r>
-            <a:r>
-              <a:rPr lang="en-US" altLang="ru-RU"/>
+              <a:rPr lang="en-US" altLang="en-US" dirty="0" err="1"/>
+              <a:t>мяча</a:t>
+            </a:r>
+            <a:r>
+              <a:rPr lang="en-US" altLang="ru-RU" dirty="0"/>
+              <a:t>, </a:t>
+            </a:r>
+            <a:r>
+              <a:rPr lang="en-US" altLang="en-US" dirty="0" err="1"/>
+              <a:t>обработка</a:t>
+            </a:r>
+            <a:r>
+              <a:rPr lang="en-US" altLang="ru-RU" dirty="0"/>
               <a:t> </a:t>
             </a:r>
             <a:r>
-              <a:rPr lang="en-US" altLang="en-US"/>
-              <a:t>влево</a:t>
-            </a:r>
-            <a:r>
-              <a:rPr lang="en-US" altLang="ru-RU"/>
-              <a:t>/</a:t>
-            </a:r>
-            <a:r>
-              <a:rPr lang="en-US" altLang="en-US"/>
-              <a:t>вправо</a:t>
-            </a:r>
-            <a:r>
-              <a:rPr lang="en-US" altLang="ru-RU"/>
+              <a:rPr lang="en-US" altLang="en-US" dirty="0" err="1"/>
+              <a:t>столкновений</a:t>
+            </a:r>
+            <a:r>
+              <a:rPr lang="en-US" altLang="ru-RU" dirty="0"/>
               <a:t> </a:t>
             </a:r>
             <a:r>
-              <a:rPr lang="en-US" altLang="en-US"/>
-              <a:t>на</a:t>
-            </a:r>
-            <a:r>
-              <a:rPr lang="en-US" altLang="ru-RU"/>
+              <a:rPr lang="en-US" altLang="en-US" dirty="0"/>
+              <a:t>с</a:t>
+            </a:r>
+            <a:r>
+              <a:rPr lang="en-US" altLang="ru-RU" dirty="0"/>
               <a:t> </a:t>
             </a:r>
             <a:r>
-              <a:rPr lang="en-US" altLang="en-US"/>
-              <a:t>основе</a:t>
-            </a:r>
-            <a:r>
-              <a:rPr lang="en-US" altLang="ru-RU"/>
-              <a:t> </a:t>
-            </a:r>
-            <a:r>
-              <a:rPr lang="en-US" altLang="en-US"/>
-              <a:t>нажатых</a:t>
-            </a:r>
-            <a:r>
-              <a:rPr lang="en-US" altLang="ru-RU"/>
-              <a:t> </a:t>
-            </a:r>
-            <a:r>
-              <a:rPr lang="en-US" altLang="en-US"/>
-              <a:t>клавиш</a:t>
-            </a:r>
-            <a:r>
-              <a:rPr lang="en-US" altLang="ru-RU"/>
-              <a:t>.</a:t>
-            </a:r>
-            <a:endParaRPr lang="en-US" altLang="ru-RU"/>
-          </a:p>
-          <a:p>
-            <a:r>
-              <a:rPr lang="en-US" altLang="ru-RU"/>
+              <a:rPr lang="en-US" altLang="en-US" dirty="0" err="1"/>
+              <a:t>границами</a:t>
+            </a:r>
+            <a:endParaRPr lang="en-US" altLang="ru-RU" dirty="0"/>
+          </a:p>
+          <a:p>
+            <a:pPr lvl="1"/>
+            <a:r>
+              <a:rPr lang="en-US" altLang="ru-RU" dirty="0"/>
               <a:t>draw(): </a:t>
             </a:r>
             <a:r>
-              <a:rPr lang="en-US" altLang="en-US"/>
-              <a:t>Отрисовка</a:t>
-            </a:r>
-            <a:r>
-              <a:rPr lang="en-US" altLang="ru-RU"/>
-              <a:t> </a:t>
-            </a:r>
-            <a:r>
-              <a:rPr lang="en-US" altLang="en-US"/>
-              <a:t>платформы</a:t>
-            </a:r>
-            <a:r>
-              <a:rPr lang="en-US" altLang="ru-RU"/>
-              <a:t> </a:t>
-            </a:r>
-            <a:r>
-              <a:rPr lang="en-US" altLang="en-US"/>
-              <a:t>на</a:t>
-            </a:r>
-            <a:r>
-              <a:rPr lang="en-US" altLang="ru-RU"/>
-              <a:t> </a:t>
-            </a:r>
-            <a:r>
-              <a:rPr lang="en-US" altLang="en-US"/>
-              <a:t>экране</a:t>
-            </a:r>
-            <a:r>
-              <a:rPr lang="en-US" altLang="ru-RU"/>
-              <a:t>.</a:t>
-            </a:r>
-            <a:endParaRPr lang="en-US" altLang="ru-RU"/>
-          </a:p>
-          <a:p>
-            <a:r>
-              <a:rPr lang="en-US" altLang="ru-RU"/>
-              <a:t>Ball</a:t>
-            </a:r>
-            <a:endParaRPr lang="en-US" altLang="ru-RU"/>
-          </a:p>
-          <a:p>
-            <a:endParaRPr lang="en-US" altLang="ru-RU"/>
-          </a:p>
-          <a:p>
-            <a:r>
-              <a:rPr lang="en-US" altLang="en-US"/>
-              <a:t>Класс</a:t>
-            </a:r>
-            <a:r>
-              <a:rPr lang="en-US" altLang="ru-RU"/>
-              <a:t> </a:t>
-            </a:r>
-            <a:r>
-              <a:rPr lang="en-US" altLang="en-US"/>
-              <a:t>мяча</a:t>
-            </a:r>
-            <a:r>
-              <a:rPr lang="en-US" altLang="ru-RU"/>
-              <a:t>, </a:t>
-            </a:r>
-            <a:r>
-              <a:rPr lang="en-US" altLang="en-US"/>
-              <a:t>который</a:t>
-            </a:r>
-            <a:r>
-              <a:rPr lang="en-US" altLang="ru-RU"/>
-              <a:t> </a:t>
-            </a:r>
-            <a:r>
-              <a:rPr lang="en-US" altLang="en-US"/>
-              <a:t>движется</a:t>
-            </a:r>
-            <a:r>
-              <a:rPr lang="en-US" altLang="ru-RU"/>
-              <a:t> </a:t>
-            </a:r>
-            <a:r>
-              <a:rPr lang="en-US" altLang="en-US"/>
-              <a:t>и</a:t>
-            </a:r>
-            <a:r>
-              <a:rPr lang="en-US" altLang="ru-RU"/>
-              <a:t> </a:t>
-            </a:r>
-            <a:r>
-              <a:rPr lang="en-US" altLang="en-US"/>
-              <a:t>взаимодействует</a:t>
-            </a:r>
-            <a:r>
-              <a:rPr lang="en-US" altLang="ru-RU"/>
-              <a:t> </a:t>
-            </a:r>
-            <a:r>
-              <a:rPr lang="en-US" altLang="en-US"/>
-              <a:t>с</a:t>
-            </a:r>
-            <a:r>
-              <a:rPr lang="en-US" altLang="ru-RU"/>
-              <a:t> </a:t>
-            </a:r>
-            <a:r>
-              <a:rPr lang="en-US" altLang="en-US"/>
-              <a:t>другими</a:t>
-            </a:r>
-            <a:r>
-              <a:rPr lang="en-US" altLang="ru-RU"/>
-              <a:t> </a:t>
-            </a:r>
-            <a:r>
-              <a:rPr lang="en-US" altLang="en-US"/>
-              <a:t>объектами</a:t>
-            </a:r>
-            <a:r>
-              <a:rPr lang="en-US" altLang="ru-RU"/>
-              <a:t>.</a:t>
-            </a:r>
-            <a:endParaRPr lang="en-US" altLang="ru-RU"/>
-          </a:p>
-          <a:p>
-            <a:r>
-              <a:rPr lang="en-US" altLang="en-US"/>
-              <a:t>Основные</a:t>
-            </a:r>
-            <a:r>
-              <a:rPr lang="en-US" altLang="ru-RU"/>
-              <a:t> </a:t>
-            </a:r>
-            <a:r>
-              <a:rPr lang="en-US" altLang="en-US"/>
-              <a:t>методы</a:t>
-            </a:r>
-            <a:r>
-              <a:rPr lang="en-US" altLang="ru-RU"/>
-              <a:t>:</a:t>
-            </a:r>
-            <a:endParaRPr lang="en-US" altLang="ru-RU"/>
-          </a:p>
-          <a:p>
-            <a:r>
-              <a:rPr lang="en-US" altLang="ru-RU"/>
-              <a:t>init(skin_path): </a:t>
-            </a:r>
-            <a:r>
-              <a:rPr lang="en-US" altLang="en-US"/>
-              <a:t>Инициализация</a:t>
-            </a:r>
-            <a:r>
-              <a:rPr lang="en-US" altLang="ru-RU"/>
-              <a:t> </a:t>
-            </a:r>
-            <a:r>
-              <a:rPr lang="en-US" altLang="en-US"/>
-              <a:t>мяча</a:t>
-            </a:r>
-            <a:r>
-              <a:rPr lang="en-US" altLang="ru-RU"/>
-              <a:t> (</a:t>
-            </a:r>
-            <a:r>
-              <a:rPr lang="en-US" altLang="en-US"/>
-              <a:t>позиция</a:t>
-            </a:r>
-            <a:r>
-              <a:rPr lang="en-US" altLang="ru-RU"/>
-              <a:t>, </a:t>
-            </a:r>
-            <a:r>
-              <a:rPr lang="en-US" altLang="en-US"/>
-              <a:t>скорость</a:t>
-            </a:r>
-            <a:r>
-              <a:rPr lang="en-US" altLang="ru-RU"/>
-              <a:t>, </a:t>
-            </a:r>
-            <a:r>
-              <a:rPr lang="en-US" altLang="en-US"/>
-              <a:t>скин</a:t>
-            </a:r>
-            <a:r>
-              <a:rPr lang="en-US" altLang="ru-RU"/>
-              <a:t>).</a:t>
-            </a:r>
-            <a:endParaRPr lang="en-US" altLang="ru-RU"/>
-          </a:p>
-          <a:p>
-            <a:r>
-              <a:rPr lang="en-US" altLang="ru-RU"/>
-              <a:t>move(): </a:t>
-            </a:r>
-            <a:r>
-              <a:rPr lang="en-US" altLang="en-US"/>
-              <a:t>Перемещение</a:t>
-            </a:r>
-            <a:r>
-              <a:rPr lang="en-US" altLang="ru-RU"/>
-              <a:t> </a:t>
-            </a:r>
-            <a:r>
-              <a:rPr lang="en-US" altLang="en-US"/>
-              <a:t>мяча</a:t>
-            </a:r>
-            <a:r>
-              <a:rPr lang="en-US" altLang="ru-RU"/>
-              <a:t>, </a:t>
-            </a:r>
-            <a:r>
-              <a:rPr lang="en-US" altLang="en-US"/>
-              <a:t>обработка</a:t>
-            </a:r>
-            <a:r>
-              <a:rPr lang="en-US" altLang="ru-RU"/>
-              <a:t> </a:t>
-            </a:r>
-            <a:r>
-              <a:rPr lang="en-US" altLang="en-US"/>
-              <a:t>столкновений</a:t>
-            </a:r>
-            <a:r>
-              <a:rPr lang="en-US" altLang="ru-RU"/>
-              <a:t> </a:t>
-            </a:r>
-            <a:r>
-              <a:rPr lang="en-US" altLang="en-US"/>
-              <a:t>с</a:t>
-            </a:r>
-            <a:r>
-              <a:rPr lang="en-US" altLang="ru-RU"/>
-              <a:t> </a:t>
-            </a:r>
-            <a:r>
-              <a:rPr lang="en-US" altLang="en-US"/>
-              <a:t>границами</a:t>
-            </a:r>
-            <a:r>
-              <a:rPr lang="en-US" altLang="ru-RU"/>
-              <a:t>.</a:t>
-            </a:r>
-            <a:endParaRPr lang="en-US" altLang="ru-RU"/>
-          </a:p>
-          <a:p>
-            <a:r>
-              <a:rPr lang="en-US" altLang="ru-RU"/>
-              <a:t>draw(): </a:t>
-            </a:r>
-            <a:r>
-              <a:rPr lang="en-US" altLang="en-US"/>
-              <a:t>Отрисовка</a:t>
-            </a:r>
-            <a:r>
-              <a:rPr lang="en-US" altLang="ru-RU"/>
-              <a:t> </a:t>
-            </a:r>
-            <a:r>
-              <a:rPr lang="en-US" altLang="en-US"/>
-              <a:t>мяча</a:t>
-            </a:r>
-            <a:r>
-              <a:rPr lang="en-US" altLang="ru-RU"/>
-              <a:t> </a:t>
-            </a:r>
-            <a:r>
-              <a:rPr lang="en-US" altLang="en-US"/>
-              <a:t>на</a:t>
-            </a:r>
-            <a:r>
-              <a:rPr lang="en-US" altLang="ru-RU"/>
-              <a:t> </a:t>
-            </a:r>
-            <a:r>
-              <a:rPr lang="en-US" altLang="en-US"/>
-              <a:t>экране</a:t>
-            </a:r>
-            <a:r>
-              <a:rPr lang="en-US" altLang="ru-RU"/>
-              <a:t>.</a:t>
-            </a:r>
-            <a:endParaRPr lang="en-US" altLang="ru-RU"/>
+              <a:rPr lang="ru-RU" altLang="ru-RU" dirty="0"/>
+              <a:t>Отвечает за </a:t>
+            </a:r>
+            <a:r>
+              <a:rPr lang="ru-RU" altLang="ru-RU" dirty="0" err="1"/>
+              <a:t>оториовку</a:t>
+            </a:r>
+            <a:r>
+              <a:rPr lang="ru-RU" altLang="ru-RU" dirty="0"/>
+              <a:t> мяча на экране</a:t>
+            </a:r>
+            <a:endParaRPr lang="en-US" altLang="ru-RU" dirty="0"/>
           </a:p>
         </p:txBody>
       </p:sp>
@@ -4437,7 +7780,14 @@
         <p:cNvGrpSpPr/>
         <p:nvPr/>
       </p:nvGrpSpPr>
-      <p:grpSpPr/>
+      <p:grpSpPr>
+        <a:xfrm>
+          <a:off x="0" y="0"/>
+          <a:ext cx="0" cy="0"/>
+          <a:chOff x="0" y="0"/>
+          <a:chExt cx="0" cy="0"/>
+        </a:xfrm>
+      </p:grpSpPr>
       <p:sp>
         <p:nvSpPr>
           <p:cNvPr id="2" name="Заголовок 1"/>
@@ -4451,12 +7801,17 @@
         <p:spPr/>
         <p:txBody>
           <a:bodyPr/>
-          <a:p>
-            <a:r>
-              <a:rPr lang="ru-RU" altLang="en-US"/>
-              <a:t>продолжения</a:t>
-            </a:r>
-            <a:endParaRPr lang="ru-RU" altLang="en-US"/>
+          <a:lstStyle/>
+          <a:p>
+            <a:r>
+              <a:rPr lang="ru-RU" altLang="en-US" dirty="0"/>
+              <a:t>Ну и некоторые другие</a:t>
+            </a:r>
+            <a:r>
+              <a:rPr lang="en-US" altLang="en-US" dirty="0"/>
+              <a:t>:</a:t>
+            </a:r>
+            <a:endParaRPr lang="ru-RU" altLang="en-US" dirty="0"/>
           </a:p>
         </p:txBody>
       </p:sp>
@@ -4470,323 +7825,299 @@
             <p:ph idx="1"/>
           </p:nvPr>
         </p:nvSpPr>
-        <p:spPr/>
+        <p:spPr>
+          <a:xfrm>
+            <a:off x="1104293" y="1504278"/>
+            <a:ext cx="8946541" cy="4195481"/>
+          </a:xfrm>
+        </p:spPr>
         <p:txBody>
           <a:bodyPr>
-            <a:normAutofit fontScale="60000"/>
+            <a:normAutofit fontScale="97500"/>
           </a:bodyPr>
-          <a:p>
-            <a:r>
-              <a:rPr lang="en-US" altLang="ru-RU"/>
-              <a:t>Block</a:t>
-            </a:r>
-            <a:endParaRPr lang="en-US" altLang="ru-RU"/>
-          </a:p>
-          <a:p>
-            <a:endParaRPr lang="en-US" altLang="ru-RU"/>
-          </a:p>
-          <a:p>
-            <a:r>
-              <a:rPr lang="en-US" altLang="en-US"/>
+          <a:lstStyle/>
+          <a:p>
+            <a:pPr marL="0" indent="0">
+              <a:buNone/>
+            </a:pPr>
+            <a:endParaRPr lang="en-US" altLang="ru-RU" dirty="0"/>
+          </a:p>
+          <a:p>
+            <a:r>
+              <a:rPr lang="en-US" altLang="en-US" sz="2100" dirty="0" err="1"/>
               <a:t>Класс</a:t>
             </a:r>
             <a:r>
-              <a:rPr lang="en-US" altLang="ru-RU"/>
+              <a:rPr lang="en-US" altLang="ru-RU" sz="2100" dirty="0"/>
               <a:t> </a:t>
             </a:r>
             <a:r>
-              <a:rPr lang="en-US" altLang="en-US"/>
+              <a:rPr lang="en-US" altLang="en-US" sz="2100" dirty="0" err="1"/>
               <a:t>блоков</a:t>
             </a:r>
             <a:r>
-              <a:rPr lang="en-US" altLang="ru-RU"/>
+              <a:rPr lang="en-US" altLang="ru-RU" sz="2100" dirty="0"/>
               <a:t>, </a:t>
             </a:r>
             <a:r>
-              <a:rPr lang="en-US" altLang="en-US"/>
+              <a:rPr lang="en-US" altLang="en-US" sz="2100" dirty="0" err="1"/>
               <a:t>которые</a:t>
             </a:r>
             <a:r>
-              <a:rPr lang="en-US" altLang="ru-RU"/>
+              <a:rPr lang="en-US" altLang="ru-RU" sz="2100" dirty="0"/>
               <a:t> </a:t>
             </a:r>
             <a:r>
-              <a:rPr lang="en-US" altLang="en-US"/>
+              <a:rPr lang="en-US" altLang="en-US" sz="2100" dirty="0" err="1"/>
               <a:t>мяч</a:t>
             </a:r>
             <a:r>
-              <a:rPr lang="en-US" altLang="ru-RU"/>
+              <a:rPr lang="en-US" altLang="ru-RU" sz="2100" dirty="0"/>
               <a:t> </a:t>
             </a:r>
             <a:r>
-              <a:rPr lang="en-US" altLang="en-US"/>
+              <a:rPr lang="en-US" altLang="en-US" sz="2100" dirty="0" err="1"/>
               <a:t>уничтожает</a:t>
             </a:r>
             <a:r>
-              <a:rPr lang="en-US" altLang="ru-RU"/>
+              <a:rPr lang="en-US" altLang="ru-RU" sz="2100" dirty="0"/>
               <a:t>.</a:t>
             </a:r>
-            <a:endParaRPr lang="en-US" altLang="ru-RU"/>
-          </a:p>
-          <a:p>
-            <a:r>
-              <a:rPr lang="en-US" altLang="en-US"/>
-              <a:t>Основные</a:t>
-            </a:r>
-            <a:r>
-              <a:rPr lang="en-US" altLang="ru-RU"/>
+          </a:p>
+          <a:p>
+            <a:pPr lvl="1"/>
+            <a:r>
+              <a:rPr lang="en-US" altLang="ru-RU" sz="2100" dirty="0" err="1"/>
+              <a:t>init</a:t>
+            </a:r>
+            <a:r>
+              <a:rPr lang="en-US" altLang="ru-RU" sz="2100" dirty="0"/>
+              <a:t>(x, y): </a:t>
+            </a:r>
+            <a:r>
+              <a:rPr lang="en-US" altLang="en-US" sz="2100" dirty="0" err="1"/>
+              <a:t>Инициализация</a:t>
+            </a:r>
+            <a:r>
+              <a:rPr lang="en-US" altLang="ru-RU" sz="2100" dirty="0"/>
               <a:t> </a:t>
             </a:r>
             <a:r>
-              <a:rPr lang="en-US" altLang="en-US"/>
-              <a:t>методы</a:t>
-            </a:r>
-            <a:r>
-              <a:rPr lang="en-US" altLang="ru-RU"/>
-              <a:t>:</a:t>
-            </a:r>
-            <a:endParaRPr lang="en-US" altLang="ru-RU"/>
-          </a:p>
-          <a:p>
-            <a:r>
-              <a:rPr lang="en-US" altLang="ru-RU"/>
-              <a:t>init(x, y): </a:t>
-            </a:r>
-            <a:r>
-              <a:rPr lang="en-US" altLang="en-US"/>
-              <a:t>Инициализация</a:t>
-            </a:r>
-            <a:r>
-              <a:rPr lang="en-US" altLang="ru-RU"/>
+              <a:rPr lang="en-US" altLang="en-US" sz="2100" dirty="0" err="1"/>
+              <a:t>блока</a:t>
+            </a:r>
+            <a:r>
+              <a:rPr lang="en-US" altLang="ru-RU" sz="2100" dirty="0"/>
+              <a:t> (</a:t>
+            </a:r>
+            <a:r>
+              <a:rPr lang="en-US" altLang="en-US" sz="2100" dirty="0" err="1"/>
+              <a:t>размер</a:t>
+            </a:r>
+            <a:r>
+              <a:rPr lang="en-US" altLang="ru-RU" sz="2100" dirty="0"/>
+              <a:t>, </a:t>
+            </a:r>
+            <a:r>
+              <a:rPr lang="en-US" altLang="en-US" sz="2100" dirty="0" err="1"/>
+              <a:t>положение</a:t>
+            </a:r>
+            <a:r>
+              <a:rPr lang="en-US" altLang="ru-RU" sz="2100" dirty="0"/>
+              <a:t>).</a:t>
+            </a:r>
+          </a:p>
+          <a:p>
+            <a:pPr lvl="1"/>
+            <a:r>
+              <a:rPr lang="en-US" altLang="ru-RU" sz="2100" dirty="0"/>
+              <a:t>draw(): </a:t>
+            </a:r>
+            <a:r>
+              <a:rPr lang="en-US" altLang="en-US" sz="2100" dirty="0" err="1"/>
+              <a:t>Отрисовка</a:t>
+            </a:r>
+            <a:r>
+              <a:rPr lang="en-US" altLang="ru-RU" sz="2100" dirty="0"/>
               <a:t> </a:t>
             </a:r>
             <a:r>
-              <a:rPr lang="en-US" altLang="en-US"/>
+              <a:rPr lang="en-US" altLang="en-US" sz="2100" dirty="0" err="1"/>
               <a:t>блока</a:t>
             </a:r>
             <a:r>
-              <a:rPr lang="en-US" altLang="ru-RU"/>
+              <a:rPr lang="en-US" altLang="ru-RU" sz="2100" dirty="0"/>
+              <a:t> </a:t>
+            </a:r>
+            <a:r>
+              <a:rPr lang="en-US" altLang="en-US" sz="2100" dirty="0" err="1"/>
+              <a:t>на</a:t>
+            </a:r>
+            <a:r>
+              <a:rPr lang="en-US" altLang="ru-RU" sz="2100" dirty="0"/>
+              <a:t> </a:t>
+            </a:r>
+            <a:r>
+              <a:rPr lang="en-US" altLang="en-US" sz="2100" dirty="0" err="1"/>
+              <a:t>экране</a:t>
+            </a:r>
+            <a:endParaRPr lang="en-US" altLang="en-US" sz="2100" dirty="0"/>
+          </a:p>
+          <a:p>
+            <a:pPr marL="0" indent="0">
+              <a:buNone/>
+            </a:pPr>
+            <a:endParaRPr lang="en-US" altLang="ru-RU" dirty="0"/>
+          </a:p>
+          <a:p>
+            <a:r>
+              <a:rPr lang="en-US" altLang="ru-RU" dirty="0" err="1"/>
+              <a:t>Pygame</a:t>
+            </a:r>
+            <a:r>
+              <a:rPr lang="en-US" altLang="ru-RU" dirty="0"/>
+              <a:t>: </a:t>
+            </a:r>
+            <a:r>
+              <a:rPr lang="en-US" altLang="en-US" dirty="0" err="1"/>
+              <a:t>Управление</a:t>
+            </a:r>
+            <a:r>
+              <a:rPr lang="en-US" altLang="ru-RU" dirty="0"/>
+              <a:t> </a:t>
+            </a:r>
+            <a:r>
+              <a:rPr lang="en-US" altLang="en-US" dirty="0" err="1"/>
+              <a:t>графикой</a:t>
+            </a:r>
+            <a:r>
+              <a:rPr lang="en-US" altLang="ru-RU" dirty="0"/>
+              <a:t>, </a:t>
+            </a:r>
+            <a:r>
+              <a:rPr lang="en-US" altLang="en-US" dirty="0" err="1"/>
+              <a:t>событиями</a:t>
+            </a:r>
+            <a:r>
+              <a:rPr lang="en-US" altLang="ru-RU" dirty="0"/>
+              <a:t>, </a:t>
+            </a:r>
+            <a:r>
+              <a:rPr lang="en-US" altLang="en-US" dirty="0" err="1"/>
+              <a:t>отрисовкой</a:t>
+            </a:r>
+            <a:r>
+              <a:rPr lang="en-US" altLang="ru-RU" dirty="0"/>
+              <a:t> </a:t>
+            </a:r>
+            <a:r>
+              <a:rPr lang="en-US" altLang="en-US" dirty="0" err="1"/>
+              <a:t>объектов</a:t>
+            </a:r>
+            <a:r>
+              <a:rPr lang="en-US" altLang="ru-RU" dirty="0"/>
+              <a:t>.</a:t>
+            </a:r>
+          </a:p>
+          <a:p>
+            <a:r>
+              <a:rPr lang="en-US" altLang="ru-RU" dirty="0"/>
+              <a:t>sys: </a:t>
+            </a:r>
+            <a:r>
+              <a:rPr lang="en-US" altLang="en-US" dirty="0" err="1"/>
+              <a:t>Завершение</a:t>
+            </a:r>
+            <a:r>
+              <a:rPr lang="en-US" altLang="ru-RU" dirty="0"/>
+              <a:t> </a:t>
+            </a:r>
+            <a:r>
+              <a:rPr lang="en-US" altLang="en-US" dirty="0" err="1"/>
+              <a:t>работы</a:t>
+            </a:r>
+            <a:r>
+              <a:rPr lang="en-US" altLang="ru-RU" dirty="0"/>
+              <a:t> </a:t>
+            </a:r>
+            <a:r>
+              <a:rPr lang="en-US" altLang="en-US" dirty="0" err="1"/>
+              <a:t>программы</a:t>
+            </a:r>
+            <a:r>
+              <a:rPr lang="en-US" altLang="ru-RU" dirty="0"/>
               <a:t> (</a:t>
             </a:r>
             <a:r>
-              <a:rPr lang="en-US" altLang="en-US"/>
-              <a:t>размер</a:t>
-            </a:r>
-            <a:r>
-              <a:rPr lang="en-US" altLang="ru-RU"/>
-              <a:t>, </a:t>
-            </a:r>
-            <a:r>
-              <a:rPr lang="en-US" altLang="en-US"/>
-              <a:t>положение</a:t>
-            </a:r>
-            <a:r>
-              <a:rPr lang="en-US" altLang="ru-RU"/>
-              <a:t>).</a:t>
-            </a:r>
-            <a:endParaRPr lang="en-US" altLang="ru-RU"/>
-          </a:p>
-          <a:p>
-            <a:r>
-              <a:rPr lang="en-US" altLang="ru-RU"/>
-              <a:t>draw(): </a:t>
-            </a:r>
-            <a:r>
-              <a:rPr lang="en-US" altLang="en-US"/>
-              <a:t>Отрисовка</a:t>
-            </a:r>
-            <a:r>
-              <a:rPr lang="en-US" altLang="ru-RU"/>
+              <a:rPr lang="en-US" altLang="ru-RU" dirty="0" err="1"/>
+              <a:t>sys.exit</a:t>
+            </a:r>
+            <a:r>
+              <a:rPr lang="en-US" altLang="ru-RU" dirty="0"/>
+              <a:t>()).</a:t>
+            </a:r>
+          </a:p>
+          <a:p>
+            <a:r>
+              <a:rPr lang="en-US" altLang="ru-RU" dirty="0"/>
+              <a:t>random: </a:t>
+            </a:r>
+            <a:r>
+              <a:rPr lang="en-US" altLang="en-US" dirty="0" err="1"/>
+              <a:t>Генерация</a:t>
+            </a:r>
+            <a:r>
+              <a:rPr lang="en-US" altLang="ru-RU" dirty="0"/>
               <a:t> </a:t>
             </a:r>
             <a:r>
-              <a:rPr lang="en-US" altLang="en-US"/>
-              <a:t>блока</a:t>
-            </a:r>
-            <a:r>
-              <a:rPr lang="en-US" altLang="ru-RU"/>
+              <a:rPr lang="en-US" altLang="en-US" dirty="0" err="1"/>
+              <a:t>случайных</a:t>
+            </a:r>
+            <a:r>
+              <a:rPr lang="en-US" altLang="ru-RU" dirty="0"/>
               <a:t> </a:t>
             </a:r>
             <a:r>
-              <a:rPr lang="en-US" altLang="en-US"/>
-              <a:t>на</a:t>
-            </a:r>
-            <a:r>
-              <a:rPr lang="en-US" altLang="ru-RU"/>
+              <a:rPr lang="en-US" altLang="en-US" dirty="0" err="1"/>
+              <a:t>значений</a:t>
+            </a:r>
+            <a:r>
+              <a:rPr lang="en-US" altLang="ru-RU" dirty="0"/>
               <a:t> </a:t>
             </a:r>
             <a:r>
-              <a:rPr lang="en-US" altLang="en-US"/>
-              <a:t>экране</a:t>
-            </a:r>
-            <a:endParaRPr lang="en-US" altLang="en-US"/>
-          </a:p>
-          <a:p>
-            <a:r>
-              <a:rPr lang="en-US" altLang="en-US"/>
-              <a:t>Эти</a:t>
-            </a:r>
-            <a:r>
-              <a:rPr lang="en-US" altLang="ru-RU"/>
+              <a:rPr lang="en-US" altLang="en-US" dirty="0" err="1"/>
+              <a:t>для</a:t>
+            </a:r>
+            <a:r>
+              <a:rPr lang="en-US" altLang="ru-RU" dirty="0"/>
               <a:t> </a:t>
             </a:r>
             <a:r>
-              <a:rPr lang="en-US" altLang="en-US"/>
-              <a:t>импорты</a:t>
-            </a:r>
-            <a:r>
-              <a:rPr lang="en-US" altLang="ru-RU"/>
+              <a:rPr lang="en-US" altLang="en-US" dirty="0" err="1"/>
+              <a:t>направления</a:t>
+            </a:r>
+            <a:r>
+              <a:rPr lang="en-US" altLang="ru-RU" dirty="0"/>
               <a:t> </a:t>
             </a:r>
             <a:r>
-              <a:rPr lang="en-US" altLang="en-US"/>
-              <a:t>обеспечивают</a:t>
-            </a:r>
-            <a:endParaRPr lang="en-US" altLang="en-US"/>
-          </a:p>
-          <a:p>
-            <a:endParaRPr lang="en-US" altLang="ru-RU"/>
-          </a:p>
-          <a:p>
-            <a:r>
-              <a:rPr lang="en-US" altLang="ru-RU"/>
-              <a:t>Pygame: </a:t>
-            </a:r>
-            <a:r>
-              <a:rPr lang="en-US" altLang="en-US"/>
-              <a:t>Управление</a:t>
-            </a:r>
-            <a:r>
-              <a:rPr lang="en-US" altLang="ru-RU"/>
+              <a:rPr lang="en-US" altLang="en-US" dirty="0" err="1"/>
+              <a:t>движения</a:t>
+            </a:r>
+            <a:r>
+              <a:rPr lang="en-US" altLang="ru-RU" dirty="0"/>
               <a:t> </a:t>
             </a:r>
             <a:r>
-              <a:rPr lang="en-US" altLang="en-US"/>
-              <a:t>графикой</a:t>
-            </a:r>
-            <a:r>
-              <a:rPr lang="en-US" altLang="ru-RU"/>
-              <a:t>, </a:t>
-            </a:r>
-            <a:r>
-              <a:rPr lang="en-US" altLang="en-US"/>
-              <a:t>событиями</a:t>
-            </a:r>
-            <a:r>
-              <a:rPr lang="en-US" altLang="ru-RU"/>
-              <a:t>, </a:t>
-            </a:r>
-            <a:r>
-              <a:rPr lang="en-US" altLang="en-US"/>
-              <a:t>отрисовкой</a:t>
-            </a:r>
-            <a:r>
-              <a:rPr lang="en-US" altLang="ru-RU"/>
-              <a:t> </a:t>
-            </a:r>
-            <a:r>
-              <a:rPr lang="en-US" altLang="en-US"/>
-              <a:t>объектов</a:t>
-            </a:r>
-            <a:r>
-              <a:rPr lang="en-US" altLang="ru-RU"/>
+              <a:rPr lang="en-US" altLang="en-US" dirty="0" err="1"/>
+              <a:t>мяча</a:t>
+            </a:r>
+            <a:r>
+              <a:rPr lang="en-US" altLang="ru-RU" dirty="0"/>
               <a:t>.</a:t>
             </a:r>
-            <a:endParaRPr lang="en-US" altLang="ru-RU"/>
-          </a:p>
-          <a:p>
-            <a:r>
-              <a:rPr lang="en-US" altLang="ru-RU"/>
-              <a:t>sys: </a:t>
-            </a:r>
-            <a:r>
-              <a:rPr lang="en-US" altLang="en-US"/>
-              <a:t>Завершение</a:t>
-            </a:r>
-            <a:r>
-              <a:rPr lang="en-US" altLang="ru-RU"/>
-              <a:t> </a:t>
-            </a:r>
-            <a:r>
-              <a:rPr lang="en-US" altLang="en-US"/>
-              <a:t>работы</a:t>
-            </a:r>
-            <a:r>
-              <a:rPr lang="en-US" altLang="ru-RU"/>
-              <a:t> </a:t>
-            </a:r>
-            <a:r>
-              <a:rPr lang="en-US" altLang="en-US"/>
-              <a:t>программы</a:t>
-            </a:r>
-            <a:r>
-              <a:rPr lang="en-US" altLang="ru-RU"/>
-              <a:t> (sys.exit()).</a:t>
-            </a:r>
-            <a:endParaRPr lang="en-US" altLang="ru-RU"/>
-          </a:p>
-          <a:p>
-            <a:r>
-              <a:rPr lang="en-US" altLang="ru-RU"/>
-              <a:t>random: </a:t>
-            </a:r>
-            <a:r>
-              <a:rPr lang="en-US" altLang="en-US"/>
-              <a:t>Генерация</a:t>
-            </a:r>
-            <a:r>
-              <a:rPr lang="en-US" altLang="ru-RU"/>
-              <a:t> </a:t>
-            </a:r>
-            <a:r>
-              <a:rPr lang="en-US" altLang="en-US"/>
-              <a:t>случайных</a:t>
-            </a:r>
-            <a:r>
-              <a:rPr lang="en-US" altLang="ru-RU"/>
-              <a:t> </a:t>
-            </a:r>
-            <a:r>
-              <a:rPr lang="en-US" altLang="en-US"/>
-              <a:t>значений</a:t>
-            </a:r>
-            <a:r>
-              <a:rPr lang="en-US" altLang="ru-RU"/>
-              <a:t> </a:t>
-            </a:r>
-            <a:r>
-              <a:rPr lang="en-US" altLang="en-US"/>
-              <a:t>для</a:t>
-            </a:r>
-            <a:r>
-              <a:rPr lang="en-US" altLang="ru-RU"/>
-              <a:t> </a:t>
-            </a:r>
-            <a:r>
-              <a:rPr lang="en-US" altLang="en-US"/>
-              <a:t>направления</a:t>
-            </a:r>
-            <a:r>
-              <a:rPr lang="en-US" altLang="ru-RU"/>
-              <a:t> </a:t>
-            </a:r>
-            <a:r>
-              <a:rPr lang="en-US" altLang="en-US"/>
-              <a:t>движения</a:t>
-            </a:r>
-            <a:r>
-              <a:rPr lang="en-US" altLang="ru-RU"/>
-              <a:t> </a:t>
-            </a:r>
-            <a:r>
-              <a:rPr lang="en-US" altLang="en-US"/>
-              <a:t>мяча</a:t>
-            </a:r>
-            <a:r>
-              <a:rPr lang="en-US" altLang="ru-RU"/>
-              <a:t>.</a:t>
-            </a:r>
-            <a:endParaRPr lang="en-US" altLang="ru-RU"/>
           </a:p>
         </p:txBody>
       </p:sp>
@@ -4807,7 +8138,14 @@
         <p:cNvGrpSpPr/>
         <p:nvPr/>
       </p:nvGrpSpPr>
-      <p:grpSpPr/>
+      <p:grpSpPr>
+        <a:xfrm>
+          <a:off x="0" y="0"/>
+          <a:ext cx="0" cy="0"/>
+          <a:chOff x="0" y="0"/>
+          <a:chExt cx="0" cy="0"/>
+        </a:xfrm>
+      </p:grpSpPr>
       <p:sp>
         <p:nvSpPr>
           <p:cNvPr id="2" name="Заголовок 1"/>
@@ -4821,12 +8159,12 @@
         <p:spPr/>
         <p:txBody>
           <a:bodyPr/>
-          <a:p>
-            <a:r>
-              <a:rPr lang="ru-RU" altLang="en-US"/>
-              <a:t>заключение</a:t>
-            </a:r>
-            <a:endParaRPr lang="ru-RU" altLang="en-US"/>
+          <a:lstStyle/>
+          <a:p>
+            <a:r>
+              <a:rPr lang="ru-RU" altLang="en-US" dirty="0"/>
+              <a:t>Заключение</a:t>
+            </a:r>
           </a:p>
         </p:txBody>
       </p:sp>
@@ -4843,12 +8181,45 @@
         <p:spPr/>
         <p:txBody>
           <a:bodyPr/>
-          <a:p>
-            <a:r>
-              <a:rPr lang="ru-RU" altLang="en-US"/>
-              <a:t>Игра классная честно честною НАпишите сами</a:t>
-            </a:r>
-            <a:endParaRPr lang="ru-RU" altLang="en-US"/>
+          <a:lstStyle/>
+          <a:p>
+            <a:r>
+              <a:rPr lang="ru-RU" altLang="en-US" dirty="0"/>
+              <a:t>Подобные простые</a:t>
+            </a:r>
+            <a:r>
+              <a:rPr lang="en-US" altLang="en-US" dirty="0"/>
+              <a:t>, </a:t>
+            </a:r>
+            <a:r>
+              <a:rPr lang="ru-RU" altLang="en-US" dirty="0"/>
+              <a:t>но увлекательные игры</a:t>
+            </a:r>
+            <a:r>
+              <a:rPr lang="en-US" altLang="en-US" dirty="0"/>
+              <a:t>, </a:t>
+            </a:r>
+            <a:r>
+              <a:rPr lang="ru-RU" altLang="en-US" dirty="0"/>
+              <a:t>лежащие у истоков современной игровой индустрии и отчасти программирования вообще никогда не будут забытыми за счёт вдохновения первыми оригинальными  идеями</a:t>
+            </a:r>
+          </a:p>
+          <a:p>
+            <a:endParaRPr lang="ru-RU" altLang="en-US" dirty="0"/>
+          </a:p>
+          <a:p>
+            <a:r>
+              <a:rPr lang="ru-RU" altLang="en-US" dirty="0"/>
+              <a:t>А для участников – это очередная возможность проявить себя как  творческой</a:t>
+            </a:r>
+            <a:r>
+              <a:rPr lang="en-US" altLang="en-US" dirty="0"/>
+              <a:t>, </a:t>
+            </a:r>
+            <a:r>
+              <a:rPr lang="ru-RU" altLang="en-US" dirty="0"/>
+              <a:t>так и с профессиональной стороны и поработать в команде</a:t>
+            </a:r>
           </a:p>
         </p:txBody>
       </p:sp>
@@ -4861,9 +8232,9 @@
 </file>
 
 <file path=ppt/theme/theme1.xml><?xml version="1.0" encoding="utf-8"?>
-<a:theme xmlns:a="http://schemas.openxmlformats.org/drawingml/2006/main" name="Office Theme">
+<a:theme xmlns:a="http://schemas.openxmlformats.org/drawingml/2006/main" name="Ион">
   <a:themeElements>
-    <a:clrScheme name="Office">
+    <a:clrScheme name="Ион">
       <a:dk1>
         <a:sysClr val="windowText" lastClr="000000"/>
       </a:dk1>
@@ -4871,52 +8242,52 @@
         <a:sysClr val="window" lastClr="FFFFFF"/>
       </a:lt1>
       <a:dk2>
-        <a:srgbClr val="44546A"/>
+        <a:srgbClr val="1E5155"/>
       </a:dk2>
       <a:lt2>
-        <a:srgbClr val="E7E6E6"/>
+        <a:srgbClr val="EBEBEB"/>
       </a:lt2>
       <a:accent1>
-        <a:srgbClr val="5B9BD5"/>
+        <a:srgbClr val="B01513"/>
       </a:accent1>
       <a:accent2>
-        <a:srgbClr val="ED7D31"/>
+        <a:srgbClr val="EA6312"/>
       </a:accent2>
       <a:accent3>
-        <a:srgbClr val="A5A5A5"/>
+        <a:srgbClr val="E6B729"/>
       </a:accent3>
       <a:accent4>
-        <a:srgbClr val="FFC000"/>
+        <a:srgbClr val="6AAC90"/>
       </a:accent4>
       <a:accent5>
-        <a:srgbClr val="4472C4"/>
+        <a:srgbClr val="54849A"/>
       </a:accent5>
       <a:accent6>
-        <a:srgbClr val="70AD47"/>
+        <a:srgbClr val="9E5E9B"/>
       </a:accent6>
       <a:hlink>
-        <a:srgbClr val="0563C1"/>
+        <a:srgbClr val="58C1BA"/>
       </a:hlink>
       <a:folHlink>
-        <a:srgbClr val="954F72"/>
+        <a:srgbClr val="9DFFCB"/>
       </a:folHlink>
     </a:clrScheme>
-    <a:fontScheme name="Office">
+    <a:fontScheme name="Ион">
       <a:majorFont>
-        <a:latin typeface="Calibri Light"/>
+        <a:latin typeface="Century Gothic" panose="020B0502020202020204"/>
         <a:ea typeface=""/>
         <a:cs typeface=""/>
-        <a:font script="Jpan" typeface="ＭＳ ゴシック"/>
-        <a:font script="Hang" typeface="굴림"/>
-        <a:font script="Hans" typeface="微软雅黑"/>
-        <a:font script="Hant" typeface="微軟正黑體"/>
-        <a:font script="Arab" typeface="Tahoma"/>
-        <a:font script="Hebr" typeface="Tahoma"/>
-        <a:font script="Thai" typeface="FreesiaUPC"/>
+        <a:font script="Jpan" typeface="メイリオ"/>
+        <a:font script="Hang" typeface="맑은 고딕"/>
+        <a:font script="Hans" typeface="宋体"/>
+        <a:font script="Hant" typeface="新細明體"/>
+        <a:font script="Arab" typeface="Times New Roman"/>
+        <a:font script="Hebr" typeface="Times New Roman"/>
+        <a:font script="Thai" typeface="Angsana New"/>
         <a:font script="Ethi" typeface="Nyala"/>
         <a:font script="Beng" typeface="Vrinda"/>
         <a:font script="Gujr" typeface="Shruti"/>
-        <a:font script="Khmr" typeface="DaunPenh"/>
+        <a:font script="Khmr" typeface="MoolBoran"/>
         <a:font script="Knda" typeface="Tunga"/>
         <a:font script="Guru" typeface="Raavi"/>
         <a:font script="Cans" typeface="Euphemia"/>
@@ -4933,18 +8304,18 @@
         <a:font script="Laoo" typeface="DokChampa"/>
         <a:font script="Sinh" typeface="Iskoola Pota"/>
         <a:font script="Mong" typeface="Mongolian Baiti"/>
-        <a:font script="Viet" typeface="Verdana"/>
+        <a:font script="Viet" typeface="Times New Roman"/>
         <a:font script="Uigh" typeface="Microsoft Uighur"/>
         <a:font script="Geor" typeface="Sylfaen"/>
       </a:majorFont>
       <a:minorFont>
-        <a:latin typeface="Calibri"/>
+        <a:latin typeface="Century Gothic" panose="020B0502020202020204"/>
         <a:ea typeface=""/>
         <a:cs typeface=""/>
-        <a:font script="Jpan" typeface="ＭＳ Ｐゴシック"/>
-        <a:font script="Hang" typeface="굴림"/>
-        <a:font script="Hans" typeface="黑体"/>
-        <a:font script="Hant" typeface="微軟正黑體"/>
+        <a:font script="Jpan" typeface="メイリオ"/>
+        <a:font script="Hang" typeface="맑은 고딕"/>
+        <a:font script="Hans" typeface="宋体"/>
+        <a:font script="Hant" typeface="新細明體"/>
         <a:font script="Arab" typeface="Arial"/>
         <a:font script="Hebr" typeface="Arial"/>
         <a:font script="Thai" typeface="Cordia New"/>
@@ -4973,7 +8344,7 @@
         <a:font script="Geor" typeface="Sylfaen"/>
       </a:minorFont>
     </a:fontScheme>
-    <a:fmtScheme name="Office">
+    <a:fmtScheme name="Ион">
       <a:fillStyleLst>
         <a:solidFill>
           <a:schemeClr val="phClr"/>
@@ -4982,23 +8353,15 @@
           <a:gsLst>
             <a:gs pos="0">
               <a:schemeClr val="phClr">
-                <a:lumMod val="110000"/>
-                <a:satMod val="105000"/>
-                <a:tint val="67000"/>
-              </a:schemeClr>
-            </a:gs>
-            <a:gs pos="50000">
-              <a:schemeClr val="phClr">
-                <a:lumMod val="105000"/>
-                <a:satMod val="103000"/>
-                <a:tint val="73000"/>
+                <a:tint val="64000"/>
+                <a:lumMod val="118000"/>
               </a:schemeClr>
             </a:gs>
             <a:gs pos="100000">
               <a:schemeClr val="phClr">
-                <a:lumMod val="105000"/>
-                <a:satMod val="109000"/>
-                <a:tint val="81000"/>
+                <a:tint val="92000"/>
+                <a:alpha val="100000"/>
+                <a:lumMod val="110000"/>
               </a:schemeClr>
             </a:gs>
           </a:gsLst>
@@ -5008,23 +8371,14 @@
           <a:gsLst>
             <a:gs pos="0">
               <a:schemeClr val="phClr">
-                <a:satMod val="103000"/>
-                <a:lumMod val="102000"/>
-                <a:tint val="94000"/>
-              </a:schemeClr>
-            </a:gs>
-            <a:gs pos="50000">
-              <a:schemeClr val="phClr">
-                <a:satMod val="110000"/>
-                <a:lumMod val="100000"/>
-                <a:shade val="100000"/>
+                <a:tint val="98000"/>
+                <a:lumMod val="114000"/>
               </a:schemeClr>
             </a:gs>
             <a:gs pos="100000">
               <a:schemeClr val="phClr">
-                <a:lumMod val="99000"/>
-                <a:satMod val="120000"/>
-                <a:shade val="78000"/>
+                <a:shade val="90000"/>
+                <a:lumMod val="84000"/>
               </a:schemeClr>
             </a:gs>
           </a:gsLst>
@@ -5032,26 +8386,23 @@
         </a:gradFill>
       </a:fillStyleLst>
       <a:lnStyleLst>
-        <a:ln w="6350" cap="flat" cmpd="sng" algn="ctr">
+        <a:ln w="9525" cap="rnd" cmpd="sng" algn="ctr">
           <a:solidFill>
             <a:schemeClr val="phClr"/>
           </a:solidFill>
           <a:prstDash val="solid"/>
-          <a:miter lim="800000"/>
         </a:ln>
-        <a:ln w="12700" cap="flat" cmpd="sng" algn="ctr">
+        <a:ln w="19050" cap="rnd" cmpd="sng" algn="ctr">
           <a:solidFill>
             <a:schemeClr val="phClr"/>
           </a:solidFill>
           <a:prstDash val="solid"/>
-          <a:miter lim="800000"/>
         </a:ln>
-        <a:ln w="19050" cap="flat" cmpd="sng" algn="ctr">
+        <a:ln w="28575" cap="rnd" cmpd="sng" algn="ctr">
           <a:solidFill>
             <a:schemeClr val="phClr"/>
           </a:solidFill>
           <a:prstDash val="solid"/>
-          <a:miter lim="800000"/>
         </a:ln>
       </a:lnStyleLst>
       <a:effectStyleLst>
@@ -5059,61 +8410,88 @@
           <a:effectLst/>
         </a:effectStyle>
         <a:effectStyle>
-          <a:effectLst/>
+          <a:effectLst>
+            <a:outerShdw blurRad="38100" dist="25400" dir="5400000" rotWithShape="0">
+              <a:srgbClr val="000000">
+                <a:alpha val="45000"/>
+              </a:srgbClr>
+            </a:outerShdw>
+          </a:effectLst>
         </a:effectStyle>
         <a:effectStyle>
           <a:effectLst>
-            <a:outerShdw blurRad="57150" dist="19050" dir="5400000" algn="ctr" rotWithShape="0">
+            <a:outerShdw blurRad="63500" dist="38100" dir="5400000" rotWithShape="0">
               <a:srgbClr val="000000">
-                <a:alpha val="63000"/>
+                <a:alpha val="60000"/>
               </a:srgbClr>
             </a:outerShdw>
           </a:effectLst>
+          <a:scene3d>
+            <a:camera prst="orthographicFront">
+              <a:rot lat="0" lon="0" rev="0"/>
+            </a:camera>
+            <a:lightRig rig="threePt" dir="tl"/>
+          </a:scene3d>
+          <a:sp3d prstMaterial="plastic">
+            <a:bevelT w="0" h="0"/>
+          </a:sp3d>
         </a:effectStyle>
       </a:effectStyleLst>
       <a:bgFillStyleLst>
         <a:solidFill>
           <a:schemeClr val="phClr"/>
         </a:solidFill>
-        <a:solidFill>
-          <a:schemeClr val="phClr">
-            <a:tint val="95000"/>
-            <a:satMod val="170000"/>
-          </a:schemeClr>
-        </a:solidFill>
         <a:gradFill rotWithShape="1">
           <a:gsLst>
             <a:gs pos="0">
               <a:schemeClr val="phClr">
-                <a:tint val="93000"/>
-                <a:satMod val="150000"/>
-                <a:shade val="98000"/>
-                <a:lumMod val="102000"/>
-              </a:schemeClr>
-            </a:gs>
-            <a:gs pos="50000">
-              <a:schemeClr val="phClr">
-                <a:tint val="98000"/>
+                <a:tint val="97000"/>
+                <a:hueMod val="88000"/>
                 <a:satMod val="130000"/>
-                <a:shade val="90000"/>
-                <a:lumMod val="103000"/>
+                <a:lumMod val="124000"/>
               </a:schemeClr>
             </a:gs>
             <a:gs pos="100000">
               <a:schemeClr val="phClr">
-                <a:shade val="63000"/>
-                <a:satMod val="120000"/>
+                <a:tint val="96000"/>
+                <a:shade val="88000"/>
+                <a:hueMod val="108000"/>
+                <a:satMod val="164000"/>
+                <a:lumMod val="76000"/>
               </a:schemeClr>
             </a:gs>
           </a:gsLst>
-          <a:lin ang="5400000" scaled="0"/>
+          <a:path path="circle">
+            <a:fillToRect l="45000" t="65000" r="125000" b="100000"/>
+          </a:path>
         </a:gradFill>
+        <a:blipFill rotWithShape="1">
+          <a:blip xmlns:r="http://schemas.openxmlformats.org/officeDocument/2006/relationships" r:embed="rId1">
+            <a:duotone>
+              <a:schemeClr val="phClr">
+                <a:shade val="69000"/>
+                <a:hueMod val="108000"/>
+                <a:satMod val="164000"/>
+                <a:lumMod val="74000"/>
+              </a:schemeClr>
+              <a:schemeClr val="phClr">
+                <a:tint val="96000"/>
+                <a:hueMod val="88000"/>
+                <a:satMod val="140000"/>
+                <a:lumMod val="132000"/>
+              </a:schemeClr>
+            </a:duotone>
+          </a:blip>
+          <a:stretch/>
+        </a:blipFill>
       </a:bgFillStyleLst>
     </a:fmtScheme>
   </a:themeElements>
+  <a:objectDefaults/>
+  <a:extraClrSchemeLst/>
   <a:extLst>
     <a:ext uri="{05A4C25C-085E-4340-85A3-A5531E510DB2}">
-      <thm15:themeFamily xmlns:thm15="http://schemas.microsoft.com/office/thememl/2012/main" name="Office Theme" id="{62F939B6-93AF-4DB8-9C6B-D6C7DFDC589F}" vid="{4A3C46E8-61CC-4603-A589-7422A47A8E4A}"/>
+      <thm15:themeFamily xmlns:thm15="http://schemas.microsoft.com/office/thememl/2012/main" name="Ion" id="{B8441ADB-2E43-4AF7-B97A-BD870242C6A8}" vid="{292E63A9-BB86-4E3D-B92A-7223C6510D2E}"/>
     </a:ext>
   </a:extLst>
 </a:theme>
@@ -5370,6 +8748,8 @@
       </a:bgFillStyleLst>
     </a:fmtScheme>
   </a:themeElements>
+  <a:objectDefaults/>
+  <a:extraClrSchemeLst/>
   <a:extLst>
     <a:ext uri="{05A4C25C-085E-4340-85A3-A5531E510DB2}">
       <thm15:themeFamily xmlns:thm15="http://schemas.microsoft.com/office/thememl/2012/main" name="Office Theme" id="{62F939B6-93AF-4DB8-9C6B-D6C7DFDC589F}" vid="{4A3C46E8-61CC-4603-A589-7422A47A8E4A}"/>
@@ -5629,6 +9009,8 @@
       </a:bgFillStyleLst>
     </a:fmtScheme>
   </a:themeElements>
+  <a:objectDefaults/>
+  <a:extraClrSchemeLst/>
   <a:extLst>
     <a:ext uri="{05A4C25C-085E-4340-85A3-A5531E510DB2}">
       <thm15:themeFamily xmlns:thm15="http://schemas.microsoft.com/office/thememl/2012/main" name="Office Theme" id="{62F939B6-93AF-4DB8-9C6B-D6C7DFDC589F}" vid="{4A3C46E8-61CC-4603-A589-7422A47A8E4A}"/>
